--- a/Recent Works on Noisy Labels Robustness.pptx
+++ b/Recent Works on Noisy Labels Robustness.pptx
@@ -8,13 +8,13 @@
     <p:sldId id="256" r:id="rId2"/>
     <p:sldId id="257" r:id="rId3"/>
     <p:sldId id="259" r:id="rId4"/>
-    <p:sldId id="263" r:id="rId5"/>
-    <p:sldId id="268" r:id="rId6"/>
+    <p:sldId id="268" r:id="rId5"/>
+    <p:sldId id="263" r:id="rId6"/>
     <p:sldId id="260" r:id="rId7"/>
     <p:sldId id="265" r:id="rId8"/>
     <p:sldId id="267" r:id="rId9"/>
     <p:sldId id="264" r:id="rId10"/>
-    <p:sldId id="269" r:id="rId11"/>
+    <p:sldId id="271" r:id="rId11"/>
     <p:sldId id="261" r:id="rId12"/>
     <p:sldId id="270" r:id="rId13"/>
     <p:sldId id="262" r:id="rId14"/>
@@ -117,6 +117,22 @@
       </a:defRPr>
     </a:lvl9pPr>
   </p:defaultTextStyle>
+  <p:extLst>
+    <p:ext uri="{EFAFB233-063F-42B5-8137-9DF3F51BA10A}">
+      <p15:sldGuideLst xmlns:p15="http://schemas.microsoft.com/office/powerpoint/2012/main">
+        <p15:guide id="1" orient="horz" pos="2160">
+          <p15:clr>
+            <a:srgbClr val="A4A3A4"/>
+          </p15:clr>
+        </p15:guide>
+        <p15:guide id="2" pos="2880">
+          <p15:clr>
+            <a:srgbClr val="A4A3A4"/>
+          </p15:clr>
+        </p15:guide>
+      </p15:sldGuideLst>
+    </p:ext>
+  </p:extLst>
 </p:presentation>
 </file>
 
@@ -200,9 +216,7 @@
         </p:style>
         <p:txBody>
           <a:bodyPr anchor="ctr"/>
-          <a:lstStyle>
-            <a:extLst/>
-          </a:lstStyle>
+          <a:lstStyle/>
           <a:p>
             <a:pPr algn="ctr" eaLnBrk="1" latinLnBrk="0" hangingPunct="1"/>
             <a:endParaRPr kumimoji="0" lang="en-US"/>
@@ -255,10 +269,9 @@
           </a:lstStyle>
           <a:p>
             <a:r>
-              <a:rPr kumimoji="0" lang="en-US" smtClean="0"/>
+              <a:rPr kumimoji="0" lang="en-US"/>
               <a:t>Click to edit Master title style</a:t>
             </a:r>
-            <a:endParaRPr kumimoji="0" lang="en-US"/>
           </a:p>
         </p:txBody>
       </p:sp>
@@ -317,10 +330,9 @@
           </a:lstStyle>
           <a:p>
             <a:r>
-              <a:rPr kumimoji="0" lang="en-US" smtClean="0"/>
+              <a:rPr kumimoji="0" lang="en-US"/>
               <a:t>Click to edit Master subtitle style</a:t>
             </a:r>
-            <a:endParaRPr kumimoji="0" lang="en-US"/>
           </a:p>
         </p:txBody>
       </p:sp>
@@ -415,9 +427,7 @@
           </p:spPr>
           <p:txBody>
             <a:bodyPr vert="horz" wrap="square" lIns="91440" tIns="45720" rIns="91440" bIns="45720" anchor="t" compatLnSpc="1"/>
-            <a:lstStyle>
-              <a:extLst/>
-            </a:lstStyle>
+            <a:lstStyle/>
             <a:p>
               <a:endParaRPr kumimoji="0" lang="en-US"/>
             </a:p>
@@ -497,9 +507,7 @@
           </p:spPr>
           <p:txBody>
             <a:bodyPr vert="horz" wrap="square" lIns="91440" tIns="45720" rIns="91440" bIns="45720" anchor="t" compatLnSpc="1"/>
-            <a:lstStyle>
-              <a:extLst/>
-            </a:lstStyle>
+            <a:lstStyle/>
             <a:p>
               <a:endParaRPr kumimoji="0" lang="en-US"/>
             </a:p>
@@ -656,9 +664,7 @@
           </p:style>
           <p:txBody>
             <a:bodyPr vert="horz" wrap="square" lIns="91440" tIns="45720" rIns="91440" bIns="45720" anchor="ctr" compatLnSpc="1"/>
-            <a:lstStyle>
-              <a:extLst/>
-            </a:lstStyle>
+            <a:lstStyle/>
             <a:p>
               <a:pPr algn="ctr" eaLnBrk="1" latinLnBrk="0" hangingPunct="1"/>
               <a:endParaRPr kumimoji="0" lang="en-US"/>
@@ -745,7 +751,7 @@
           <a:p>
             <a:fld id="{759EC68F-F907-429F-9F36-A6DEFFE58F0D}" type="datetimeFigureOut">
               <a:rPr lang="en-US" smtClean="0"/>
-              <a:t>10/15/2020</a:t>
+              <a:t>10/16/20</a:t>
             </a:fld>
             <a:endParaRPr lang="en-US"/>
           </a:p>
@@ -851,15 +857,12 @@
         <p:spPr/>
         <p:txBody>
           <a:bodyPr/>
-          <a:lstStyle>
-            <a:extLst/>
-          </a:lstStyle>
-          <a:p>
-            <a:r>
-              <a:rPr kumimoji="0" lang="en-US" smtClean="0"/>
+          <a:lstStyle/>
+          <a:p>
+            <a:r>
+              <a:rPr kumimoji="0" lang="en-US"/>
               <a:t>Click to edit Master title style</a:t>
             </a:r>
-            <a:endParaRPr kumimoji="0" lang="en-US"/>
           </a:p>
         </p:txBody>
       </p:sp>
@@ -881,41 +884,39 @@
         </p:spPr>
         <p:txBody>
           <a:bodyPr vert="eaVert"/>
-          <a:lstStyle>
-            <a:extLst/>
-          </a:lstStyle>
+          <a:lstStyle/>
           <a:p>
             <a:pPr lvl="0" eaLnBrk="1" latinLnBrk="0" hangingPunct="1"/>
             <a:r>
-              <a:rPr lang="en-US" smtClean="0"/>
+              <a:rPr lang="en-US"/>
               <a:t>Click to edit Master text styles</a:t>
             </a:r>
           </a:p>
           <a:p>
             <a:pPr lvl="1" eaLnBrk="1" latinLnBrk="0" hangingPunct="1"/>
             <a:r>
-              <a:rPr lang="en-US" smtClean="0"/>
+              <a:rPr lang="en-US"/>
               <a:t>Second level</a:t>
             </a:r>
           </a:p>
           <a:p>
             <a:pPr lvl="2" eaLnBrk="1" latinLnBrk="0" hangingPunct="1"/>
             <a:r>
-              <a:rPr lang="en-US" smtClean="0"/>
+              <a:rPr lang="en-US"/>
               <a:t>Third level</a:t>
             </a:r>
           </a:p>
           <a:p>
             <a:pPr lvl="3" eaLnBrk="1" latinLnBrk="0" hangingPunct="1"/>
             <a:r>
-              <a:rPr lang="en-US" smtClean="0"/>
+              <a:rPr lang="en-US"/>
               <a:t>Fourth level</a:t>
             </a:r>
           </a:p>
           <a:p>
             <a:pPr lvl="4" eaLnBrk="1" latinLnBrk="0" hangingPunct="1"/>
             <a:r>
-              <a:rPr lang="en-US" smtClean="0"/>
+              <a:rPr lang="en-US"/>
               <a:t>Fifth level</a:t>
             </a:r>
             <a:endParaRPr kumimoji="0" lang="en-US"/>
@@ -935,13 +936,11 @@
         <p:spPr/>
         <p:txBody>
           <a:bodyPr/>
-          <a:lstStyle>
-            <a:extLst/>
-          </a:lstStyle>
+          <a:lstStyle/>
           <a:p>
             <a:fld id="{759EC68F-F907-429F-9F36-A6DEFFE58F0D}" type="datetimeFigureOut">
               <a:rPr lang="en-US" smtClean="0"/>
-              <a:t>10/15/2020</a:t>
+              <a:t>10/16/20</a:t>
             </a:fld>
             <a:endParaRPr lang="en-US"/>
           </a:p>
@@ -960,9 +959,7 @@
         <p:spPr/>
         <p:txBody>
           <a:bodyPr/>
-          <a:lstStyle>
-            <a:extLst/>
-          </a:lstStyle>
+          <a:lstStyle/>
           <a:p>
             <a:endParaRPr lang="en-US"/>
           </a:p>
@@ -981,9 +978,7 @@
         <p:spPr/>
         <p:txBody>
           <a:bodyPr/>
-          <a:lstStyle>
-            <a:extLst/>
-          </a:lstStyle>
+          <a:lstStyle/>
           <a:p>
             <a:fld id="{B80259A5-B4B9-4019-8884-C100DBD62285}" type="slidenum">
               <a:rPr lang="en-US" smtClean="0"/>
@@ -1036,15 +1031,12 @@
         </p:spPr>
         <p:txBody>
           <a:bodyPr vert="eaVert"/>
-          <a:lstStyle>
-            <a:extLst/>
-          </a:lstStyle>
-          <a:p>
-            <a:r>
-              <a:rPr kumimoji="0" lang="en-US" smtClean="0"/>
+          <a:lstStyle/>
+          <a:p>
+            <a:r>
+              <a:rPr kumimoji="0" lang="en-US"/>
               <a:t>Click to edit Master title style</a:t>
             </a:r>
-            <a:endParaRPr kumimoji="0" lang="en-US"/>
           </a:p>
         </p:txBody>
       </p:sp>
@@ -1066,41 +1058,39 @@
         </p:spPr>
         <p:txBody>
           <a:bodyPr vert="eaVert"/>
-          <a:lstStyle>
-            <a:extLst/>
-          </a:lstStyle>
+          <a:lstStyle/>
           <a:p>
             <a:pPr lvl="0" eaLnBrk="1" latinLnBrk="0" hangingPunct="1"/>
             <a:r>
-              <a:rPr lang="en-US" smtClean="0"/>
+              <a:rPr lang="en-US"/>
               <a:t>Click to edit Master text styles</a:t>
             </a:r>
           </a:p>
           <a:p>
             <a:pPr lvl="1" eaLnBrk="1" latinLnBrk="0" hangingPunct="1"/>
             <a:r>
-              <a:rPr lang="en-US" smtClean="0"/>
+              <a:rPr lang="en-US"/>
               <a:t>Second level</a:t>
             </a:r>
           </a:p>
           <a:p>
             <a:pPr lvl="2" eaLnBrk="1" latinLnBrk="0" hangingPunct="1"/>
             <a:r>
-              <a:rPr lang="en-US" smtClean="0"/>
+              <a:rPr lang="en-US"/>
               <a:t>Third level</a:t>
             </a:r>
           </a:p>
           <a:p>
             <a:pPr lvl="3" eaLnBrk="1" latinLnBrk="0" hangingPunct="1"/>
             <a:r>
-              <a:rPr lang="en-US" smtClean="0"/>
+              <a:rPr lang="en-US"/>
               <a:t>Fourth level</a:t>
             </a:r>
           </a:p>
           <a:p>
             <a:pPr lvl="4" eaLnBrk="1" latinLnBrk="0" hangingPunct="1"/>
             <a:r>
-              <a:rPr lang="en-US" smtClean="0"/>
+              <a:rPr lang="en-US"/>
               <a:t>Fifth level</a:t>
             </a:r>
             <a:endParaRPr kumimoji="0" lang="en-US"/>
@@ -1120,13 +1110,11 @@
         <p:spPr/>
         <p:txBody>
           <a:bodyPr/>
-          <a:lstStyle>
-            <a:extLst/>
-          </a:lstStyle>
+          <a:lstStyle/>
           <a:p>
             <a:fld id="{759EC68F-F907-429F-9F36-A6DEFFE58F0D}" type="datetimeFigureOut">
               <a:rPr lang="en-US" smtClean="0"/>
-              <a:t>10/15/2020</a:t>
+              <a:t>10/16/20</a:t>
             </a:fld>
             <a:endParaRPr lang="en-US"/>
           </a:p>
@@ -1145,9 +1133,7 @@
         <p:spPr/>
         <p:txBody>
           <a:bodyPr/>
-          <a:lstStyle>
-            <a:extLst/>
-          </a:lstStyle>
+          <a:lstStyle/>
           <a:p>
             <a:endParaRPr lang="en-US"/>
           </a:p>
@@ -1166,9 +1152,7 @@
         <p:spPr/>
         <p:txBody>
           <a:bodyPr/>
-          <a:lstStyle>
-            <a:extLst/>
-          </a:lstStyle>
+          <a:lstStyle/>
           <a:p>
             <a:fld id="{B80259A5-B4B9-4019-8884-C100DBD62285}" type="slidenum">
               <a:rPr lang="en-US" smtClean="0"/>
@@ -1216,41 +1200,39 @@
         <p:spPr/>
         <p:txBody>
           <a:bodyPr/>
-          <a:lstStyle>
-            <a:extLst/>
-          </a:lstStyle>
+          <a:lstStyle/>
           <a:p>
             <a:pPr lvl="0" eaLnBrk="1" latinLnBrk="0" hangingPunct="1"/>
             <a:r>
-              <a:rPr lang="en-US" smtClean="0"/>
+              <a:rPr lang="en-US"/>
               <a:t>Click to edit Master text styles</a:t>
             </a:r>
           </a:p>
           <a:p>
             <a:pPr lvl="1" eaLnBrk="1" latinLnBrk="0" hangingPunct="1"/>
             <a:r>
-              <a:rPr lang="en-US" smtClean="0"/>
+              <a:rPr lang="en-US"/>
               <a:t>Second level</a:t>
             </a:r>
           </a:p>
           <a:p>
             <a:pPr lvl="2" eaLnBrk="1" latinLnBrk="0" hangingPunct="1"/>
             <a:r>
-              <a:rPr lang="en-US" smtClean="0"/>
+              <a:rPr lang="en-US"/>
               <a:t>Third level</a:t>
             </a:r>
           </a:p>
           <a:p>
             <a:pPr lvl="3" eaLnBrk="1" latinLnBrk="0" hangingPunct="1"/>
             <a:r>
-              <a:rPr lang="en-US" smtClean="0"/>
+              <a:rPr lang="en-US"/>
               <a:t>Fourth level</a:t>
             </a:r>
           </a:p>
           <a:p>
             <a:pPr lvl="4" eaLnBrk="1" latinLnBrk="0" hangingPunct="1"/>
             <a:r>
-              <a:rPr lang="en-US" smtClean="0"/>
+              <a:rPr lang="en-US"/>
               <a:t>Fifth level</a:t>
             </a:r>
             <a:endParaRPr kumimoji="0" lang="en-US"/>
@@ -1270,13 +1252,11 @@
         <p:spPr/>
         <p:txBody>
           <a:bodyPr/>
-          <a:lstStyle>
-            <a:extLst/>
-          </a:lstStyle>
+          <a:lstStyle/>
           <a:p>
             <a:fld id="{759EC68F-F907-429F-9F36-A6DEFFE58F0D}" type="datetimeFigureOut">
               <a:rPr lang="en-US" smtClean="0"/>
-              <a:t>10/15/2020</a:t>
+              <a:t>10/16/20</a:t>
             </a:fld>
             <a:endParaRPr lang="en-US"/>
           </a:p>
@@ -1295,9 +1275,7 @@
         <p:spPr/>
         <p:txBody>
           <a:bodyPr/>
-          <a:lstStyle>
-            <a:extLst/>
-          </a:lstStyle>
+          <a:lstStyle/>
           <a:p>
             <a:endParaRPr lang="en-US"/>
           </a:p>
@@ -1316,9 +1294,7 @@
         <p:spPr/>
         <p:txBody>
           <a:bodyPr/>
-          <a:lstStyle>
-            <a:extLst/>
-          </a:lstStyle>
+          <a:lstStyle/>
           <a:p>
             <a:fld id="{B80259A5-B4B9-4019-8884-C100DBD62285}" type="slidenum">
               <a:rPr lang="en-US" smtClean="0"/>
@@ -1341,15 +1317,12 @@
         <p:spPr/>
         <p:txBody>
           <a:bodyPr rtlCol="0"/>
-          <a:lstStyle>
-            <a:extLst/>
-          </a:lstStyle>
-          <a:p>
-            <a:r>
-              <a:rPr kumimoji="0" lang="en-US" smtClean="0"/>
+          <a:lstStyle/>
+          <a:p>
+            <a:r>
+              <a:rPr kumimoji="0" lang="en-US"/>
               <a:t>Click to edit Master title style</a:t>
             </a:r>
-            <a:endParaRPr kumimoji="0" lang="en-US"/>
           </a:p>
         </p:txBody>
       </p:sp>
@@ -1427,10 +1400,9 @@
           </a:lstStyle>
           <a:p>
             <a:r>
-              <a:rPr kumimoji="0" lang="en-US" smtClean="0"/>
+              <a:rPr kumimoji="0" lang="en-US"/>
               <a:t>Click to edit Master title style</a:t>
             </a:r>
-            <a:endParaRPr kumimoji="0" lang="en-US"/>
           </a:p>
         </p:txBody>
       </p:sp>
@@ -1506,7 +1478,7 @@
           <a:p>
             <a:pPr lvl="0" eaLnBrk="1" latinLnBrk="0" hangingPunct="1"/>
             <a:r>
-              <a:rPr kumimoji="0" lang="en-US" smtClean="0"/>
+              <a:rPr kumimoji="0" lang="en-US"/>
               <a:t>Click to edit Master text styles</a:t>
             </a:r>
           </a:p>
@@ -1525,13 +1497,11 @@
         <p:spPr/>
         <p:txBody>
           <a:bodyPr/>
-          <a:lstStyle>
-            <a:extLst/>
-          </a:lstStyle>
+          <a:lstStyle/>
           <a:p>
             <a:fld id="{759EC68F-F907-429F-9F36-A6DEFFE58F0D}" type="datetimeFigureOut">
               <a:rPr lang="en-US" smtClean="0"/>
-              <a:t>10/15/2020</a:t>
+              <a:t>10/16/20</a:t>
             </a:fld>
             <a:endParaRPr lang="en-US"/>
           </a:p>
@@ -1550,9 +1520,7 @@
         <p:spPr/>
         <p:txBody>
           <a:bodyPr/>
-          <a:lstStyle>
-            <a:extLst/>
-          </a:lstStyle>
+          <a:lstStyle/>
           <a:p>
             <a:endParaRPr lang="en-US"/>
           </a:p>
@@ -1571,9 +1539,7 @@
         <p:spPr/>
         <p:txBody>
           <a:bodyPr/>
-          <a:lstStyle>
-            <a:extLst/>
-          </a:lstStyle>
+          <a:lstStyle/>
           <a:p>
             <a:fld id="{B80259A5-B4B9-4019-8884-C100DBD62285}" type="slidenum">
               <a:rPr lang="en-US" smtClean="0"/>
@@ -1654,9 +1620,7 @@
         </p:style>
         <p:txBody>
           <a:bodyPr anchor="ctr"/>
-          <a:lstStyle>
-            <a:extLst/>
-          </a:lstStyle>
+          <a:lstStyle/>
           <a:p>
             <a:pPr algn="l" eaLnBrk="1" latinLnBrk="0" hangingPunct="1"/>
             <a:endParaRPr kumimoji="0" lang="en-US"/>
@@ -1734,9 +1698,7 @@
         </p:style>
         <p:txBody>
           <a:bodyPr anchor="ctr"/>
-          <a:lstStyle>
-            <a:extLst/>
-          </a:lstStyle>
+          <a:lstStyle/>
           <a:p>
             <a:pPr algn="l" eaLnBrk="1" latinLnBrk="0" hangingPunct="1"/>
             <a:endParaRPr kumimoji="0" lang="en-US"/>
@@ -1812,35 +1774,35 @@
           <a:p>
             <a:pPr lvl="0" eaLnBrk="1" latinLnBrk="0" hangingPunct="1"/>
             <a:r>
-              <a:rPr lang="en-US" smtClean="0"/>
+              <a:rPr lang="en-US"/>
               <a:t>Click to edit Master text styles</a:t>
             </a:r>
           </a:p>
           <a:p>
             <a:pPr lvl="1" eaLnBrk="1" latinLnBrk="0" hangingPunct="1"/>
             <a:r>
-              <a:rPr lang="en-US" smtClean="0"/>
+              <a:rPr lang="en-US"/>
               <a:t>Second level</a:t>
             </a:r>
           </a:p>
           <a:p>
             <a:pPr lvl="2" eaLnBrk="1" latinLnBrk="0" hangingPunct="1"/>
             <a:r>
-              <a:rPr lang="en-US" smtClean="0"/>
+              <a:rPr lang="en-US"/>
               <a:t>Third level</a:t>
             </a:r>
           </a:p>
           <a:p>
             <a:pPr lvl="3" eaLnBrk="1" latinLnBrk="0" hangingPunct="1"/>
             <a:r>
-              <a:rPr lang="en-US" smtClean="0"/>
+              <a:rPr lang="en-US"/>
               <a:t>Fourth level</a:t>
             </a:r>
           </a:p>
           <a:p>
             <a:pPr lvl="4" eaLnBrk="1" latinLnBrk="0" hangingPunct="1"/>
             <a:r>
-              <a:rPr lang="en-US" smtClean="0"/>
+              <a:rPr lang="en-US"/>
               <a:t>Fifth level</a:t>
             </a:r>
             <a:endParaRPr kumimoji="0" lang="en-US"/>
@@ -1886,35 +1848,35 @@
           <a:p>
             <a:pPr lvl="0" eaLnBrk="1" latinLnBrk="0" hangingPunct="1"/>
             <a:r>
-              <a:rPr lang="en-US" smtClean="0"/>
+              <a:rPr lang="en-US"/>
               <a:t>Click to edit Master text styles</a:t>
             </a:r>
           </a:p>
           <a:p>
             <a:pPr lvl="1" eaLnBrk="1" latinLnBrk="0" hangingPunct="1"/>
             <a:r>
-              <a:rPr lang="en-US" smtClean="0"/>
+              <a:rPr lang="en-US"/>
               <a:t>Second level</a:t>
             </a:r>
           </a:p>
           <a:p>
             <a:pPr lvl="2" eaLnBrk="1" latinLnBrk="0" hangingPunct="1"/>
             <a:r>
-              <a:rPr lang="en-US" smtClean="0"/>
+              <a:rPr lang="en-US"/>
               <a:t>Third level</a:t>
             </a:r>
           </a:p>
           <a:p>
             <a:pPr lvl="3" eaLnBrk="1" latinLnBrk="0" hangingPunct="1"/>
             <a:r>
-              <a:rPr lang="en-US" smtClean="0"/>
+              <a:rPr lang="en-US"/>
               <a:t>Fourth level</a:t>
             </a:r>
           </a:p>
           <a:p>
             <a:pPr lvl="4" eaLnBrk="1" latinLnBrk="0" hangingPunct="1"/>
             <a:r>
-              <a:rPr lang="en-US" smtClean="0"/>
+              <a:rPr lang="en-US"/>
               <a:t>Fifth level</a:t>
             </a:r>
             <a:endParaRPr kumimoji="0" lang="en-US"/>
@@ -1934,13 +1896,11 @@
         <p:spPr/>
         <p:txBody>
           <a:bodyPr/>
-          <a:lstStyle>
-            <a:extLst/>
-          </a:lstStyle>
+          <a:lstStyle/>
           <a:p>
             <a:fld id="{759EC68F-F907-429F-9F36-A6DEFFE58F0D}" type="datetimeFigureOut">
               <a:rPr lang="en-US" smtClean="0"/>
-              <a:t>10/15/2020</a:t>
+              <a:t>10/16/20</a:t>
             </a:fld>
             <a:endParaRPr lang="en-US"/>
           </a:p>
@@ -1959,9 +1919,7 @@
         <p:spPr/>
         <p:txBody>
           <a:bodyPr/>
-          <a:lstStyle>
-            <a:extLst/>
-          </a:lstStyle>
+          <a:lstStyle/>
           <a:p>
             <a:endParaRPr lang="en-US"/>
           </a:p>
@@ -1980,9 +1938,7 @@
         <p:spPr/>
         <p:txBody>
           <a:bodyPr/>
-          <a:lstStyle>
-            <a:extLst/>
-          </a:lstStyle>
+          <a:lstStyle/>
           <a:p>
             <a:fld id="{B80259A5-B4B9-4019-8884-C100DBD62285}" type="slidenum">
               <a:rPr lang="en-US" smtClean="0"/>
@@ -2005,15 +1961,12 @@
         <p:spPr/>
         <p:txBody>
           <a:bodyPr rtlCol="0"/>
-          <a:lstStyle>
-            <a:extLst/>
-          </a:lstStyle>
-          <a:p>
-            <a:r>
-              <a:rPr kumimoji="0" lang="en-US" smtClean="0"/>
+          <a:lstStyle/>
+          <a:p>
+            <a:r>
+              <a:rPr kumimoji="0" lang="en-US"/>
               <a:t>Click to edit Master title style</a:t>
             </a:r>
-            <a:endParaRPr kumimoji="0" lang="en-US"/>
           </a:p>
         </p:txBody>
       </p:sp>
@@ -2073,10 +2026,9 @@
           </a:lstStyle>
           <a:p>
             <a:r>
-              <a:rPr kumimoji="0" lang="en-US" smtClean="0"/>
+              <a:rPr kumimoji="0" lang="en-US"/>
               <a:t>Click to edit Master title style</a:t>
             </a:r>
-            <a:endParaRPr kumimoji="0" lang="en-US"/>
           </a:p>
         </p:txBody>
       </p:sp>
@@ -2137,7 +2089,7 @@
           <a:p>
             <a:pPr lvl="0" eaLnBrk="1" latinLnBrk="0" hangingPunct="1"/>
             <a:r>
-              <a:rPr kumimoji="0" lang="en-US" smtClean="0"/>
+              <a:rPr kumimoji="0" lang="en-US"/>
               <a:t>Click to edit Master text styles</a:t>
             </a:r>
           </a:p>
@@ -2200,7 +2152,7 @@
           <a:p>
             <a:pPr lvl="0" eaLnBrk="1" latinLnBrk="0" hangingPunct="1"/>
             <a:r>
-              <a:rPr kumimoji="0" lang="en-US" smtClean="0"/>
+              <a:rPr kumimoji="0" lang="en-US"/>
               <a:t>Click to edit Master text styles</a:t>
             </a:r>
           </a:p>
@@ -2250,35 +2202,35 @@
           <a:p>
             <a:pPr lvl="0" eaLnBrk="1" latinLnBrk="0" hangingPunct="1"/>
             <a:r>
-              <a:rPr lang="en-US" smtClean="0"/>
+              <a:rPr lang="en-US"/>
               <a:t>Click to edit Master text styles</a:t>
             </a:r>
           </a:p>
           <a:p>
             <a:pPr lvl="1" eaLnBrk="1" latinLnBrk="0" hangingPunct="1"/>
             <a:r>
-              <a:rPr lang="en-US" smtClean="0"/>
+              <a:rPr lang="en-US"/>
               <a:t>Second level</a:t>
             </a:r>
           </a:p>
           <a:p>
             <a:pPr lvl="2" eaLnBrk="1" latinLnBrk="0" hangingPunct="1"/>
             <a:r>
-              <a:rPr lang="en-US" smtClean="0"/>
+              <a:rPr lang="en-US"/>
               <a:t>Third level</a:t>
             </a:r>
           </a:p>
           <a:p>
             <a:pPr lvl="3" eaLnBrk="1" latinLnBrk="0" hangingPunct="1"/>
             <a:r>
-              <a:rPr lang="en-US" smtClean="0"/>
+              <a:rPr lang="en-US"/>
               <a:t>Fourth level</a:t>
             </a:r>
           </a:p>
           <a:p>
             <a:pPr lvl="4" eaLnBrk="1" latinLnBrk="0" hangingPunct="1"/>
             <a:r>
-              <a:rPr lang="en-US" smtClean="0"/>
+              <a:rPr lang="en-US"/>
               <a:t>Fifth level</a:t>
             </a:r>
             <a:endParaRPr kumimoji="0" lang="en-US"/>
@@ -2332,35 +2284,35 @@
           <a:p>
             <a:pPr lvl="0" eaLnBrk="1" latinLnBrk="0" hangingPunct="1"/>
             <a:r>
-              <a:rPr lang="en-US" smtClean="0"/>
+              <a:rPr lang="en-US"/>
               <a:t>Click to edit Master text styles</a:t>
             </a:r>
           </a:p>
           <a:p>
             <a:pPr lvl="1" eaLnBrk="1" latinLnBrk="0" hangingPunct="1"/>
             <a:r>
-              <a:rPr lang="en-US" smtClean="0"/>
+              <a:rPr lang="en-US"/>
               <a:t>Second level</a:t>
             </a:r>
           </a:p>
           <a:p>
             <a:pPr lvl="2" eaLnBrk="1" latinLnBrk="0" hangingPunct="1"/>
             <a:r>
-              <a:rPr lang="en-US" smtClean="0"/>
+              <a:rPr lang="en-US"/>
               <a:t>Third level</a:t>
             </a:r>
           </a:p>
           <a:p>
             <a:pPr lvl="3" eaLnBrk="1" latinLnBrk="0" hangingPunct="1"/>
             <a:r>
-              <a:rPr lang="en-US" smtClean="0"/>
+              <a:rPr lang="en-US"/>
               <a:t>Fourth level</a:t>
             </a:r>
           </a:p>
           <a:p>
             <a:pPr lvl="4" eaLnBrk="1" latinLnBrk="0" hangingPunct="1"/>
             <a:r>
-              <a:rPr lang="en-US" smtClean="0"/>
+              <a:rPr lang="en-US"/>
               <a:t>Fifth level</a:t>
             </a:r>
             <a:endParaRPr kumimoji="0" lang="en-US"/>
@@ -2380,13 +2332,11 @@
         <p:spPr/>
         <p:txBody>
           <a:bodyPr/>
-          <a:lstStyle>
-            <a:extLst/>
-          </a:lstStyle>
+          <a:lstStyle/>
           <a:p>
             <a:fld id="{759EC68F-F907-429F-9F36-A6DEFFE58F0D}" type="datetimeFigureOut">
               <a:rPr lang="en-US" smtClean="0"/>
-              <a:t>10/15/2020</a:t>
+              <a:t>10/16/20</a:t>
             </a:fld>
             <a:endParaRPr lang="en-US"/>
           </a:p>
@@ -2405,9 +2355,7 @@
         <p:spPr/>
         <p:txBody>
           <a:bodyPr/>
-          <a:lstStyle>
-            <a:extLst/>
-          </a:lstStyle>
+          <a:lstStyle/>
           <a:p>
             <a:endParaRPr lang="en-US"/>
           </a:p>
@@ -2426,9 +2374,7 @@
         <p:spPr/>
         <p:txBody>
           <a:bodyPr/>
-          <a:lstStyle>
-            <a:extLst/>
-          </a:lstStyle>
+          <a:lstStyle/>
           <a:p>
             <a:fld id="{B80259A5-B4B9-4019-8884-C100DBD62285}" type="slidenum">
               <a:rPr lang="en-US" smtClean="0"/>
@@ -2481,13 +2427,11 @@
         <p:spPr/>
         <p:txBody>
           <a:bodyPr/>
-          <a:lstStyle>
-            <a:extLst/>
-          </a:lstStyle>
+          <a:lstStyle/>
           <a:p>
             <a:fld id="{759EC68F-F907-429F-9F36-A6DEFFE58F0D}" type="datetimeFigureOut">
               <a:rPr lang="en-US" smtClean="0"/>
-              <a:t>10/15/2020</a:t>
+              <a:t>10/16/20</a:t>
             </a:fld>
             <a:endParaRPr lang="en-US"/>
           </a:p>
@@ -2506,9 +2450,7 @@
         <p:spPr/>
         <p:txBody>
           <a:bodyPr/>
-          <a:lstStyle>
-            <a:extLst/>
-          </a:lstStyle>
+          <a:lstStyle/>
           <a:p>
             <a:endParaRPr lang="en-US"/>
           </a:p>
@@ -2527,9 +2469,7 @@
         <p:spPr/>
         <p:txBody>
           <a:bodyPr/>
-          <a:lstStyle>
-            <a:extLst/>
-          </a:lstStyle>
+          <a:lstStyle/>
           <a:p>
             <a:fld id="{B80259A5-B4B9-4019-8884-C100DBD62285}" type="slidenum">
               <a:rPr lang="en-US" smtClean="0"/>
@@ -2552,15 +2492,12 @@
         <p:spPr/>
         <p:txBody>
           <a:bodyPr rtlCol="0"/>
-          <a:lstStyle>
-            <a:extLst/>
-          </a:lstStyle>
-          <a:p>
-            <a:r>
-              <a:rPr kumimoji="0" lang="en-US" smtClean="0"/>
+          <a:lstStyle/>
+          <a:p>
+            <a:r>
+              <a:rPr kumimoji="0" lang="en-US"/>
               <a:t>Click to edit Master title style</a:t>
             </a:r>
-            <a:endParaRPr kumimoji="0" lang="en-US"/>
           </a:p>
         </p:txBody>
       </p:sp>
@@ -2602,13 +2539,11 @@
         <p:spPr/>
         <p:txBody>
           <a:bodyPr/>
-          <a:lstStyle>
-            <a:extLst/>
-          </a:lstStyle>
+          <a:lstStyle/>
           <a:p>
             <a:fld id="{759EC68F-F907-429F-9F36-A6DEFFE58F0D}" type="datetimeFigureOut">
               <a:rPr lang="en-US" smtClean="0"/>
-              <a:t>10/15/2020</a:t>
+              <a:t>10/16/20</a:t>
             </a:fld>
             <a:endParaRPr lang="en-US"/>
           </a:p>
@@ -2627,9 +2562,7 @@
         <p:spPr/>
         <p:txBody>
           <a:bodyPr/>
-          <a:lstStyle>
-            <a:extLst/>
-          </a:lstStyle>
+          <a:lstStyle/>
           <a:p>
             <a:endParaRPr lang="en-US"/>
           </a:p>
@@ -2648,9 +2581,7 @@
         <p:spPr/>
         <p:txBody>
           <a:bodyPr/>
-          <a:lstStyle>
-            <a:extLst/>
-          </a:lstStyle>
+          <a:lstStyle/>
           <a:p>
             <a:fld id="{B80259A5-B4B9-4019-8884-C100DBD62285}" type="slidenum">
               <a:rPr lang="en-US" smtClean="0"/>
@@ -2727,10 +2658,9 @@
           </a:lstStyle>
           <a:p>
             <a:r>
-              <a:rPr kumimoji="0" lang="en-US" smtClean="0"/>
+              <a:rPr kumimoji="0" lang="en-US"/>
               <a:t>Click to edit Master title style</a:t>
             </a:r>
-            <a:endParaRPr kumimoji="0" lang="en-US"/>
           </a:p>
         </p:txBody>
       </p:sp>
@@ -2778,7 +2708,7 @@
           <a:p>
             <a:pPr lvl="0" eaLnBrk="1" latinLnBrk="0" hangingPunct="1"/>
             <a:r>
-              <a:rPr kumimoji="0" lang="en-US" smtClean="0"/>
+              <a:rPr kumimoji="0" lang="en-US"/>
               <a:t>Click to edit Master text styles</a:t>
             </a:r>
           </a:p>
@@ -2823,35 +2753,35 @@
           <a:p>
             <a:pPr lvl="0" eaLnBrk="1" latinLnBrk="0" hangingPunct="1"/>
             <a:r>
-              <a:rPr lang="en-US" smtClean="0"/>
+              <a:rPr lang="en-US"/>
               <a:t>Click to edit Master text styles</a:t>
             </a:r>
           </a:p>
           <a:p>
             <a:pPr lvl="1" eaLnBrk="1" latinLnBrk="0" hangingPunct="1"/>
             <a:r>
-              <a:rPr lang="en-US" smtClean="0"/>
+              <a:rPr lang="en-US"/>
               <a:t>Second level</a:t>
             </a:r>
           </a:p>
           <a:p>
             <a:pPr lvl="2" eaLnBrk="1" latinLnBrk="0" hangingPunct="1"/>
             <a:r>
-              <a:rPr lang="en-US" smtClean="0"/>
+              <a:rPr lang="en-US"/>
               <a:t>Third level</a:t>
             </a:r>
           </a:p>
           <a:p>
             <a:pPr lvl="3" eaLnBrk="1" latinLnBrk="0" hangingPunct="1"/>
             <a:r>
-              <a:rPr lang="en-US" smtClean="0"/>
+              <a:rPr lang="en-US"/>
               <a:t>Fourth level</a:t>
             </a:r>
           </a:p>
           <a:p>
             <a:pPr lvl="4" eaLnBrk="1" latinLnBrk="0" hangingPunct="1"/>
             <a:r>
-              <a:rPr lang="en-US" smtClean="0"/>
+              <a:rPr lang="en-US"/>
               <a:t>Fifth level</a:t>
             </a:r>
             <a:endParaRPr kumimoji="0" lang="en-US"/>
@@ -2876,13 +2806,11 @@
         </p:spPr>
         <p:txBody>
           <a:bodyPr/>
-          <a:lstStyle>
-            <a:extLst/>
-          </a:lstStyle>
+          <a:lstStyle/>
           <a:p>
             <a:fld id="{759EC68F-F907-429F-9F36-A6DEFFE58F0D}" type="datetimeFigureOut">
               <a:rPr lang="en-US" smtClean="0"/>
-              <a:t>10/15/2020</a:t>
+              <a:t>10/16/20</a:t>
             </a:fld>
             <a:endParaRPr lang="en-US"/>
           </a:p>
@@ -2901,9 +2829,7 @@
         <p:spPr/>
         <p:txBody>
           <a:bodyPr/>
-          <a:lstStyle>
-            <a:extLst/>
-          </a:lstStyle>
+          <a:lstStyle/>
           <a:p>
             <a:endParaRPr lang="en-US"/>
           </a:p>
@@ -2922,9 +2848,7 @@
         <p:spPr/>
         <p:txBody>
           <a:bodyPr/>
-          <a:lstStyle>
-            <a:extLst/>
-          </a:lstStyle>
+          <a:lstStyle/>
           <a:p>
             <a:fld id="{B80259A5-B4B9-4019-8884-C100DBD62285}" type="slidenum">
               <a:rPr lang="en-US" smtClean="0"/>
@@ -3005,7 +2929,7 @@
           <a:p>
             <a:pPr lvl="0" eaLnBrk="1" latinLnBrk="0" hangingPunct="1"/>
             <a:r>
-              <a:rPr kumimoji="0" lang="en-US" smtClean="0"/>
+              <a:rPr kumimoji="0" lang="en-US"/>
               <a:t>Click to edit Master text styles</a:t>
             </a:r>
           </a:p>
@@ -3054,7 +2978,7 @@
           </a:lstStyle>
           <a:p>
             <a:r>
-              <a:rPr kumimoji="0" lang="en-US" smtClean="0"/>
+              <a:rPr kumimoji="0" lang="en-US"/>
               <a:t>Click icon to add picture</a:t>
             </a:r>
             <a:endParaRPr kumimoji="0" lang="en-US" dirty="0"/>
@@ -3087,7 +3011,7 @@
           <a:p>
             <a:fld id="{759EC68F-F907-429F-9F36-A6DEFFE58F0D}" type="datetimeFigureOut">
               <a:rPr lang="en-US" smtClean="0"/>
-              <a:t>10/15/2020</a:t>
+              <a:t>10/16/20</a:t>
             </a:fld>
             <a:endParaRPr lang="en-US"/>
           </a:p>
@@ -3199,10 +3123,9 @@
           </a:lstStyle>
           <a:p>
             <a:r>
-              <a:rPr kumimoji="0" lang="en-US" smtClean="0"/>
+              <a:rPr kumimoji="0" lang="en-US"/>
               <a:t>Click to edit Master title style</a:t>
             </a:r>
-            <a:endParaRPr kumimoji="0" lang="en-US"/>
           </a:p>
         </p:txBody>
       </p:sp>
@@ -3282,9 +3205,7 @@
         </p:spPr>
         <p:txBody>
           <a:bodyPr vert="horz" wrap="square" lIns="91440" tIns="45720" rIns="91440" bIns="45720" anchor="t" compatLnSpc="1"/>
-          <a:lstStyle>
-            <a:extLst/>
-          </a:lstStyle>
+          <a:lstStyle/>
           <a:p>
             <a:endParaRPr kumimoji="0" lang="en-US"/>
           </a:p>
@@ -3364,9 +3285,7 @@
         </p:spPr>
         <p:txBody>
           <a:bodyPr vert="horz" wrap="square" lIns="91440" tIns="45720" rIns="91440" bIns="45720" anchor="t" compatLnSpc="1"/>
-          <a:lstStyle>
-            <a:extLst/>
-          </a:lstStyle>
+          <a:lstStyle/>
           <a:p>
             <a:endParaRPr kumimoji="0" lang="en-US"/>
           </a:p>
@@ -3474,9 +3393,7 @@
         </p:style>
         <p:txBody>
           <a:bodyPr vert="horz" wrap="square" lIns="91440" tIns="45720" rIns="91440" bIns="45720" anchor="ctr" compatLnSpc="1"/>
-          <a:lstStyle>
-            <a:extLst/>
-          </a:lstStyle>
+          <a:lstStyle/>
           <a:p>
             <a:pPr algn="ctr" eaLnBrk="1" latinLnBrk="0" hangingPunct="1"/>
             <a:endParaRPr kumimoji="0" lang="en-US"/>
@@ -3607,9 +3524,7 @@
         </p:style>
         <p:txBody>
           <a:bodyPr anchor="ctr"/>
-          <a:lstStyle>
-            <a:extLst/>
-          </a:lstStyle>
+          <a:lstStyle/>
           <a:p>
             <a:pPr algn="l" eaLnBrk="1" latinLnBrk="0" hangingPunct="1"/>
             <a:endParaRPr kumimoji="0" lang="en-US"/>
@@ -3687,9 +3602,7 @@
         </p:style>
         <p:txBody>
           <a:bodyPr anchor="ctr"/>
-          <a:lstStyle>
-            <a:extLst/>
-          </a:lstStyle>
+          <a:lstStyle/>
           <a:p>
             <a:pPr algn="l" eaLnBrk="1" latinLnBrk="0" hangingPunct="1"/>
             <a:endParaRPr kumimoji="0" lang="en-US"/>
@@ -3802,9 +3715,7 @@
         </p:spPr>
         <p:txBody>
           <a:bodyPr vert="horz" wrap="square" lIns="91440" tIns="45720" rIns="91440" bIns="45720" anchor="t" compatLnSpc="1"/>
-          <a:lstStyle>
-            <a:extLst/>
-          </a:lstStyle>
+          <a:lstStyle/>
           <a:p>
             <a:endParaRPr kumimoji="0" lang="en-US"/>
           </a:p>
@@ -3884,9 +3795,7 @@
         </p:spPr>
         <p:txBody>
           <a:bodyPr vert="horz" wrap="square" lIns="91440" tIns="45720" rIns="91440" bIns="45720" anchor="t" compatLnSpc="1"/>
-          <a:lstStyle>
-            <a:extLst/>
-          </a:lstStyle>
+          <a:lstStyle/>
           <a:p>
             <a:endParaRPr kumimoji="0" lang="en-US"/>
           </a:p>
@@ -3994,9 +3903,7 @@
         </p:style>
         <p:txBody>
           <a:bodyPr vert="horz" wrap="square" lIns="91440" tIns="45720" rIns="91440" bIns="45720" anchor="ctr" compatLnSpc="1"/>
-          <a:lstStyle>
-            <a:extLst/>
-          </a:lstStyle>
+          <a:lstStyle/>
           <a:p>
             <a:pPr algn="ctr" eaLnBrk="1" latinLnBrk="0" hangingPunct="1"/>
             <a:endParaRPr kumimoji="0" lang="en-US"/>
@@ -4086,15 +3993,12 @@
               <a:bevelT w="25400" h="25400"/>
             </a:sp3d>
           </a:bodyPr>
-          <a:lstStyle>
-            <a:extLst/>
-          </a:lstStyle>
-          <a:p>
-            <a:r>
-              <a:rPr kumimoji="0" lang="en-US" smtClean="0"/>
+          <a:lstStyle/>
+          <a:p>
+            <a:r>
+              <a:rPr kumimoji="0" lang="en-US"/>
               <a:t>Click to edit Master title style</a:t>
             </a:r>
-            <a:endParaRPr kumimoji="0" lang="en-US"/>
           </a:p>
         </p:txBody>
       </p:sp>
@@ -4121,44 +4025,41 @@
           <a:bodyPr vert="horz">
             <a:normAutofit/>
           </a:bodyPr>
-          <a:lstStyle>
-            <a:extLst/>
-          </a:lstStyle>
+          <a:lstStyle/>
           <a:p>
             <a:pPr lvl="0" eaLnBrk="1" latinLnBrk="0" hangingPunct="1"/>
             <a:r>
-              <a:rPr kumimoji="0" lang="en-US" smtClean="0"/>
+              <a:rPr kumimoji="0" lang="en-US"/>
               <a:t>Click to edit Master text styles</a:t>
             </a:r>
           </a:p>
           <a:p>
             <a:pPr lvl="1" eaLnBrk="1" latinLnBrk="0" hangingPunct="1"/>
             <a:r>
-              <a:rPr kumimoji="0" lang="en-US" smtClean="0"/>
+              <a:rPr kumimoji="0" lang="en-US"/>
               <a:t>Second level</a:t>
             </a:r>
           </a:p>
           <a:p>
             <a:pPr lvl="2" eaLnBrk="1" latinLnBrk="0" hangingPunct="1"/>
             <a:r>
-              <a:rPr kumimoji="0" lang="en-US" smtClean="0"/>
+              <a:rPr kumimoji="0" lang="en-US"/>
               <a:t>Third level</a:t>
             </a:r>
           </a:p>
           <a:p>
             <a:pPr lvl="3" eaLnBrk="1" latinLnBrk="0" hangingPunct="1"/>
             <a:r>
-              <a:rPr kumimoji="0" lang="en-US" smtClean="0"/>
+              <a:rPr kumimoji="0" lang="en-US"/>
               <a:t>Fourth level</a:t>
             </a:r>
           </a:p>
           <a:p>
             <a:pPr lvl="4" eaLnBrk="1" latinLnBrk="0" hangingPunct="1"/>
             <a:r>
-              <a:rPr kumimoji="0" lang="en-US" smtClean="0"/>
+              <a:rPr kumimoji="0" lang="en-US"/>
               <a:t>Fifth level</a:t>
             </a:r>
-            <a:endParaRPr kumimoji="0" lang="en-US"/>
           </a:p>
         </p:txBody>
       </p:sp>
@@ -4196,7 +4097,7 @@
           <a:p>
             <a:fld id="{759EC68F-F907-429F-9F36-A6DEFFE58F0D}" type="datetimeFigureOut">
               <a:rPr lang="en-US" smtClean="0"/>
-              <a:t>10/15/2020</a:t>
+              <a:t>10/16/20</a:t>
             </a:fld>
             <a:endParaRPr lang="en-US"/>
           </a:p>
@@ -4621,17 +4522,16 @@
           <a:lstStyle/>
           <a:p>
             <a:r>
-              <a:rPr lang="en-US" dirty="0" smtClean="0"/>
+              <a:rPr lang="en-US" dirty="0"/>
               <a:t>Recent Works on</a:t>
             </a:r>
             <a:br>
-              <a:rPr lang="en-US" dirty="0" smtClean="0"/>
+              <a:rPr lang="en-US" dirty="0"/>
             </a:br>
             <a:r>
-              <a:rPr lang="en-US" dirty="0" smtClean="0"/>
+              <a:rPr lang="en-US" dirty="0"/>
               <a:t>Noisy Labels Robustness</a:t>
             </a:r>
-            <a:endParaRPr lang="en-US" dirty="0"/>
           </a:p>
         </p:txBody>
       </p:sp>
@@ -4651,18 +4551,17 @@
           <a:lstStyle/>
           <a:p>
             <a:r>
-              <a:rPr lang="en-US" dirty="0" smtClean="0"/>
+              <a:rPr lang="en-US" dirty="0"/>
               <a:t>By </a:t>
             </a:r>
             <a:r>
-              <a:rPr lang="en-US" dirty="0" err="1" smtClean="0"/>
+              <a:rPr lang="en-US" dirty="0" err="1"/>
               <a:t>Kaiyi</a:t>
             </a:r>
             <a:r>
-              <a:rPr lang="en-US" dirty="0" smtClean="0"/>
+              <a:rPr lang="en-US" dirty="0"/>
               <a:t> Huang</a:t>
             </a:r>
-            <a:endParaRPr lang="en-US" dirty="0"/>
           </a:p>
         </p:txBody>
       </p:sp>
@@ -4706,20 +4605,26 @@
             <p:ph type="title"/>
           </p:nvPr>
         </p:nvSpPr>
-        <p:spPr/>
+        <p:spPr>
+          <a:xfrm>
+            <a:off x="457199" y="5049060"/>
+            <a:ext cx="8229600" cy="1143000"/>
+          </a:xfrm>
+        </p:spPr>
         <p:txBody>
           <a:bodyPr>
             <a:normAutofit/>
           </a:bodyPr>
           <a:lstStyle/>
           <a:p>
-            <a:r>
-              <a:rPr lang="en-US" sz="2000" dirty="0" smtClean="0"/>
-              <a:t>(</a:t>
+            <a:pPr algn="ctr"/>
+            <a:r>
+              <a:rPr lang="en-US" sz="2000"/>
+              <a:t>(Liu, </a:t>
             </a:r>
             <a:r>
               <a:rPr lang="en-US" sz="2000" dirty="0"/>
-              <a:t>Liu, S., Niles-Weed, </a:t>
+              <a:t>Niles-Weed, </a:t>
             </a:r>
             <a:r>
               <a:rPr lang="en-US" sz="2000" dirty="0" err="1"/>
@@ -4765,7 +4670,7 @@
         </p:blipFill>
         <p:spPr bwMode="auto">
           <a:xfrm>
-            <a:off x="471487" y="1615281"/>
+            <a:off x="471487" y="764704"/>
             <a:ext cx="8201025" cy="4257675"/>
           </a:xfrm>
           <a:prstGeom prst="rect">
@@ -4799,7 +4704,7 @@
     </p:spTree>
     <p:extLst>
       <p:ext uri="{BB962C8B-B14F-4D97-AF65-F5344CB8AC3E}">
-        <p14:creationId xmlns:p14="http://schemas.microsoft.com/office/powerpoint/2010/main" val="73166002"/>
+        <p14:creationId xmlns:p14="http://schemas.microsoft.com/office/powerpoint/2010/main" val="3873030642"/>
       </p:ext>
     </p:extLst>
   </p:cSld>
@@ -4845,14 +4750,14 @@
           <a:p>
             <a:pPr algn="just"/>
             <a:r>
-              <a:rPr lang="en-HK" sz="2000" dirty="0" smtClean="0"/>
+              <a:rPr lang="en-HK" sz="2800" dirty="0"/>
               <a:t>Warm-up</a:t>
             </a:r>
           </a:p>
           <a:p>
             <a:pPr algn="just"/>
             <a:r>
-              <a:rPr lang="en-HK" sz="2000" dirty="0" smtClean="0"/>
+              <a:rPr lang="en-HK" sz="2800" dirty="0"/>
               <a:t>Gaussian mixed model</a:t>
             </a:r>
           </a:p>
@@ -4861,14 +4766,14 @@
               <a:buNone/>
             </a:pPr>
             <a:r>
-              <a:rPr lang="en-HK" sz="2000" dirty="0" smtClean="0"/>
+              <a:rPr lang="en-HK" sz="2400" dirty="0"/>
               <a:t>Split clean labels and noisy labels (unsupervised)</a:t>
             </a:r>
           </a:p>
           <a:p>
             <a:pPr algn="just"/>
             <a:r>
-              <a:rPr lang="en-HK" sz="2000" dirty="0" smtClean="0"/>
+              <a:rPr lang="en-HK" sz="2800" dirty="0"/>
               <a:t>Co-guessing</a:t>
             </a:r>
           </a:p>
@@ -4877,29 +4782,25 @@
               <a:buNone/>
             </a:pPr>
             <a:r>
-              <a:rPr lang="en-HK" sz="2000" dirty="0" smtClean="0"/>
+              <a:rPr lang="en-HK" sz="2400" dirty="0"/>
               <a:t>Use </a:t>
             </a:r>
             <a:r>
-              <a:rPr lang="en-HK" sz="2000" dirty="0" err="1" smtClean="0"/>
+              <a:rPr lang="en-HK" sz="2400" dirty="0" err="1"/>
               <a:t>params</a:t>
             </a:r>
             <a:r>
-              <a:rPr lang="en-HK" sz="2000" dirty="0" smtClean="0"/>
-              <a:t> of the other model to guess clean </a:t>
-            </a:r>
-            <a:r>
-              <a:rPr lang="en-HK" sz="2000" dirty="0" smtClean="0"/>
-              <a:t>probabilities</a:t>
+              <a:rPr lang="en-HK" sz="2400" dirty="0"/>
+              <a:t> of the other model to guess clean probabilities</a:t>
             </a:r>
           </a:p>
           <a:p>
             <a:pPr marL="354013" indent="-255588" algn="just"/>
             <a:r>
-              <a:rPr lang="en-HK" sz="2400" dirty="0" err="1" smtClean="0"/>
+              <a:rPr lang="en-HK" sz="2800" dirty="0" err="1"/>
               <a:t>MixMatch</a:t>
             </a:r>
-            <a:endParaRPr lang="en-HK" sz="2400" dirty="0" smtClean="0"/>
+            <a:endParaRPr lang="en-HK" sz="2800" dirty="0"/>
           </a:p>
         </p:txBody>
       </p:sp>
@@ -4921,21 +4822,16 @@
           <a:lstStyle/>
           <a:p>
             <a:r>
-              <a:rPr lang="en-US" dirty="0" err="1" smtClean="0"/>
+              <a:rPr lang="en-US" dirty="0" err="1"/>
               <a:t>DivideMix</a:t>
             </a:r>
-            <a:r>
-              <a:rPr lang="en-US" dirty="0" smtClean="0"/>
-              <a:t/>
-            </a:r>
             <a:br>
-              <a:rPr lang="en-US" dirty="0" smtClean="0"/>
+              <a:rPr lang="en-US" dirty="0"/>
             </a:br>
             <a:r>
-              <a:rPr lang="en-US" sz="3100" dirty="0" smtClean="0"/>
+              <a:rPr lang="en-US" sz="3100" dirty="0"/>
               <a:t>Semi-supervised Learning</a:t>
             </a:r>
-            <a:endParaRPr lang="en-US" sz="3100" dirty="0"/>
           </a:p>
         </p:txBody>
       </p:sp>
@@ -4990,24 +4886,12 @@
               <a:p>
                 <a:pPr algn="just"/>
                 <a:r>
-                  <a:rPr lang="en-HK" sz="2400" dirty="0" err="1" smtClean="0"/>
-                  <a:t>MixUp</a:t>
-                </a:r>
-                <a:r>
-                  <a:rPr lang="en-HK" sz="2400" dirty="0" smtClean="0"/>
-                  <a:t> </a:t>
-                </a:r>
-                <a:r>
                   <a:rPr lang="en-HK" sz="2400" dirty="0"/>
-                  <a:t>(</a:t>
+                  <a:t>MixUp (</a:t>
                 </a:r>
                 <a:r>
                   <a:rPr lang="en-US" sz="2400" dirty="0"/>
-                  <a:t>Zhang</a:t>
-                </a:r>
-                <a:r>
-                  <a:rPr lang="en-US" sz="2400" dirty="0"/>
-                  <a:t>, </a:t>
+                  <a:t>Zhang, </a:t>
                 </a:r>
                 <a:r>
                   <a:rPr lang="en-US" sz="2400" dirty="0" err="1"/>
@@ -5015,33 +4899,8 @@
                 </a:r>
                 <a:r>
                   <a:rPr lang="en-US" sz="2400" dirty="0"/>
-                  <a:t>, </a:t>
+                  <a:t>, Dauphin, &amp; Lopez-Paz, 2017):</a:t>
                 </a:r>
-                <a:r>
-                  <a:rPr lang="en-US" sz="2400" dirty="0"/>
-                  <a:t>Dauphin</a:t>
-                </a:r>
-                <a:r>
-                  <a:rPr lang="en-US" sz="2400" dirty="0"/>
-                  <a:t>, </a:t>
-                </a:r>
-                <a:r>
-                  <a:rPr lang="en-US" sz="2400" dirty="0"/>
-                  <a:t>&amp; </a:t>
-                </a:r>
-                <a:r>
-                  <a:rPr lang="en-US" sz="2400" dirty="0"/>
-                  <a:t>Lopez-Paz</a:t>
-                </a:r>
-                <a:r>
-                  <a:rPr lang="en-US" sz="2400" dirty="0"/>
-                  <a:t>, 2017</a:t>
-                </a:r>
-                <a:r>
-                  <a:rPr lang="en-US" sz="2400" dirty="0" smtClean="0"/>
-                  <a:t>):</a:t>
-                </a:r>
-                <a:endParaRPr lang="en-US" sz="2400" dirty="0"/>
               </a:p>
               <a:p>
                 <a:pPr marL="393192" lvl="1" indent="0" algn="just">
@@ -5058,7 +4917,7 @@
                           <m:chr m:val="̂"/>
                           <m:ctrlPr>
                             <a:rPr lang="en-HK" sz="1800" i="1">
-                              <a:latin typeface="Cambria Math"/>
+                              <a:latin typeface="Cambria Math" panose="02040503050406030204" pitchFamily="18" charset="0"/>
                             </a:rPr>
                           </m:ctrlPr>
                         </m:accPr>
@@ -5102,7 +4961,7 @@
                         <m:dPr>
                           <m:ctrlPr>
                             <a:rPr lang="en-US" sz="1800" i="1">
-                              <a:latin typeface="Cambria Math"/>
+                              <a:latin typeface="Cambria Math" panose="02040503050406030204" pitchFamily="18" charset="0"/>
                               <a:ea typeface="Cambria Math"/>
                             </a:rPr>
                           </m:ctrlPr>
@@ -5113,14 +4972,7 @@
                               <a:latin typeface="Cambria Math"/>
                               <a:ea typeface="Cambria Math"/>
                             </a:rPr>
-                            <m:t>1</m:t>
-                          </m:r>
-                          <m:r>
-                            <a:rPr lang="en-US" sz="1800" i="1">
-                              <a:latin typeface="Cambria Math"/>
-                              <a:ea typeface="Cambria Math"/>
-                            </a:rPr>
-                            <m:t>−</m:t>
+                            <m:t>1−</m:t>
                           </m:r>
                           <m:r>
                             <a:rPr lang="en-US" sz="1800" i="1">
@@ -5135,7 +4987,7 @@
                         <m:sSupPr>
                           <m:ctrlPr>
                             <a:rPr lang="en-US" sz="1800" i="1">
-                              <a:latin typeface="Cambria Math"/>
+                              <a:latin typeface="Cambria Math" panose="02040503050406030204" pitchFamily="18" charset="0"/>
                               <a:ea typeface="Cambria Math"/>
                             </a:rPr>
                           </m:ctrlPr>
@@ -5171,7 +5023,7 @@
                           <m:chr m:val="̂"/>
                           <m:ctrlPr>
                             <a:rPr lang="en-HK" sz="1800" i="1">
-                              <a:latin typeface="Cambria Math"/>
+                              <a:latin typeface="Cambria Math" panose="02040503050406030204" pitchFamily="18" charset="0"/>
                             </a:rPr>
                           </m:ctrlPr>
                         </m:accPr>
@@ -5215,7 +5067,7 @@
                         <m:dPr>
                           <m:ctrlPr>
                             <a:rPr lang="en-US" sz="1800" i="1">
-                              <a:latin typeface="Cambria Math"/>
+                              <a:latin typeface="Cambria Math" panose="02040503050406030204" pitchFamily="18" charset="0"/>
                               <a:ea typeface="Cambria Math"/>
                             </a:rPr>
                           </m:ctrlPr>
@@ -5226,14 +5078,7 @@
                               <a:latin typeface="Cambria Math"/>
                               <a:ea typeface="Cambria Math"/>
                             </a:rPr>
-                            <m:t>1</m:t>
-                          </m:r>
-                          <m:r>
-                            <a:rPr lang="en-US" sz="1800" i="1">
-                              <a:latin typeface="Cambria Math"/>
-                              <a:ea typeface="Cambria Math"/>
-                            </a:rPr>
-                            <m:t>−</m:t>
+                            <m:t>1−</m:t>
                           </m:r>
                           <m:r>
                             <a:rPr lang="en-US" sz="1800" i="1">
@@ -5248,7 +5093,7 @@
                         <m:sSupPr>
                           <m:ctrlPr>
                             <a:rPr lang="en-US" sz="1800" i="1">
-                              <a:latin typeface="Cambria Math"/>
+                              <a:latin typeface="Cambria Math" panose="02040503050406030204" pitchFamily="18" charset="0"/>
                               <a:ea typeface="Cambria Math"/>
                             </a:rPr>
                           </m:ctrlPr>
@@ -5341,7 +5186,7 @@
                       <m:sSubPr>
                         <m:ctrlPr>
                           <a:rPr lang="en-US" sz="2400" i="1">
-                            <a:latin typeface="Cambria Math"/>
+                            <a:latin typeface="Cambria Math" panose="02040503050406030204" pitchFamily="18" charset="0"/>
                           </a:rPr>
                         </m:ctrlPr>
                       </m:sSubPr>
@@ -5372,7 +5217,7 @@
                       <m:sSubPr>
                         <m:ctrlPr>
                           <a:rPr lang="en-US" sz="2400" i="1">
-                            <a:latin typeface="Cambria Math"/>
+                            <a:latin typeface="Cambria Math" panose="02040503050406030204" pitchFamily="18" charset="0"/>
                           </a:rPr>
                         </m:ctrlPr>
                       </m:sSubPr>
@@ -5398,7 +5243,7 @@
                       <m:sSubPr>
                         <m:ctrlPr>
                           <a:rPr lang="en-US" sz="2400" i="1">
-                            <a:latin typeface="Cambria Math"/>
+                            <a:latin typeface="Cambria Math" panose="02040503050406030204" pitchFamily="18" charset="0"/>
                           </a:rPr>
                         </m:ctrlPr>
                       </m:sSubPr>
@@ -5429,7 +5274,7 @@
                       <m:sSubPr>
                         <m:ctrlPr>
                           <a:rPr lang="en-US" sz="2400" i="1">
-                            <a:latin typeface="Cambria Math"/>
+                            <a:latin typeface="Cambria Math" panose="02040503050406030204" pitchFamily="18" charset="0"/>
                           </a:rPr>
                         </m:ctrlPr>
                       </m:sSubPr>
@@ -5455,7 +5300,7 @@
                       <m:sSubPr>
                         <m:ctrlPr>
                           <a:rPr lang="en-US" sz="2400" i="1">
-                            <a:latin typeface="Cambria Math"/>
+                            <a:latin typeface="Cambria Math" panose="02040503050406030204" pitchFamily="18" charset="0"/>
                           </a:rPr>
                         </m:ctrlPr>
                       </m:sSubPr>
@@ -5488,7 +5333,7 @@
                       <m:sSubPr>
                         <m:ctrlPr>
                           <a:rPr lang="en-US" sz="2000" i="1">
-                            <a:latin typeface="Cambria Math"/>
+                            <a:latin typeface="Cambria Math" panose="02040503050406030204" pitchFamily="18" charset="0"/>
                           </a:rPr>
                         </m:ctrlPr>
                       </m:sSubPr>
@@ -5519,7 +5364,7 @@
                       <m:fPr>
                         <m:ctrlPr>
                           <a:rPr lang="en-US" sz="2000" i="1">
-                            <a:latin typeface="Cambria Math"/>
+                            <a:latin typeface="Cambria Math" panose="02040503050406030204" pitchFamily="18" charset="0"/>
                           </a:rPr>
                         </m:ctrlPr>
                       </m:fPr>
@@ -5538,7 +5383,7 @@
                             <m:endChr m:val="|"/>
                             <m:ctrlPr>
                               <a:rPr lang="en-US" sz="2000" i="1">
-                                <a:latin typeface="Cambria Math"/>
+                                <a:latin typeface="Cambria Math" panose="02040503050406030204" pitchFamily="18" charset="0"/>
                               </a:rPr>
                             </m:ctrlPr>
                           </m:dPr>
@@ -5547,7 +5392,7 @@
                               <m:sSupPr>
                                 <m:ctrlPr>
                                   <a:rPr lang="en-US" sz="2000" i="1">
-                                    <a:latin typeface="Cambria Math"/>
+                                    <a:latin typeface="Cambria Math" panose="02040503050406030204" pitchFamily="18" charset="0"/>
                                   </a:rPr>
                                 </m:ctrlPr>
                               </m:sSupPr>
@@ -5578,7 +5423,7 @@
                         <m:supHide m:val="on"/>
                         <m:ctrlPr>
                           <a:rPr lang="en-US" sz="2000" i="1">
-                            <a:latin typeface="Cambria Math"/>
+                            <a:latin typeface="Cambria Math" panose="02040503050406030204" pitchFamily="18" charset="0"/>
                           </a:rPr>
                         </m:ctrlPr>
                       </m:naryPr>
@@ -5615,7 +5460,7 @@
                           <m:sSupPr>
                             <m:ctrlPr>
                               <a:rPr lang="en-US" sz="2000" i="1">
-                                <a:latin typeface="Cambria Math"/>
+                                <a:latin typeface="Cambria Math" panose="02040503050406030204" pitchFamily="18" charset="0"/>
                                 <a:ea typeface="Cambria Math"/>
                               </a:rPr>
                             </m:ctrlPr>
@@ -5648,7 +5493,7 @@
                             <m:supHide m:val="on"/>
                             <m:ctrlPr>
                               <a:rPr lang="en-US" sz="2000" i="1">
-                                <a:latin typeface="Cambria Math"/>
+                                <a:latin typeface="Cambria Math" panose="02040503050406030204" pitchFamily="18" charset="0"/>
                               </a:rPr>
                             </m:ctrlPr>
                           </m:naryPr>
@@ -5669,7 +5514,7 @@
                               <m:sSubPr>
                                 <m:ctrlPr>
                                   <a:rPr lang="en-US" sz="2000" i="1">
-                                    <a:latin typeface="Cambria Math"/>
+                                    <a:latin typeface="Cambria Math" panose="02040503050406030204" pitchFamily="18" charset="0"/>
                                   </a:rPr>
                                 </m:ctrlPr>
                               </m:sSubPr>
@@ -5694,7 +5539,7 @@
                               <m:funcPr>
                                 <m:ctrlPr>
                                   <a:rPr lang="en-US" sz="2000" i="1">
-                                    <a:latin typeface="Cambria Math"/>
+                                    <a:latin typeface="Cambria Math" panose="02040503050406030204" pitchFamily="18" charset="0"/>
                                   </a:rPr>
                                 </m:ctrlPr>
                               </m:funcPr>
@@ -5714,60 +5559,53 @@
                                   <m:dPr>
                                     <m:ctrlPr>
                                       <a:rPr lang="en-US" sz="2000" i="1">
-                                        <a:latin typeface="Cambria Math"/>
+                                        <a:latin typeface="Cambria Math" panose="02040503050406030204" pitchFamily="18" charset="0"/>
                                       </a:rPr>
                                     </m:ctrlPr>
                                   </m:dPr>
                                   <m:e>
-                                    <m:sSup>
-                                      <m:sSupPr>
+                                    <m:sSubSup>
+                                      <m:sSubSupPr>
                                         <m:ctrlPr>
-                                          <a:rPr lang="en-US" sz="2000" i="1">
-                                            <a:latin typeface="Cambria Math"/>
+                                          <a:rPr lang="en-US" sz="2000" i="1" dirty="0">
+                                            <a:latin typeface="Cambria Math" panose="02040503050406030204" pitchFamily="18" charset="0"/>
+                                            <a:ea typeface="Cambria Math"/>
                                           </a:rPr>
                                         </m:ctrlPr>
-                                      </m:sSupPr>
+                                      </m:sSubSupPr>
                                       <m:e>
-                                        <m:sSub>
-                                          <m:sSubPr>
-                                            <m:ctrlPr>
-                                              <a:rPr lang="en-US" sz="2000" i="1">
-                                                <a:latin typeface="Cambria Math"/>
-                                              </a:rPr>
-                                            </m:ctrlPr>
-                                          </m:sSubPr>
-                                          <m:e>
-                                            <m:r>
-                                              <a:rPr lang="en-US" sz="2000" i="1">
-                                                <a:latin typeface="Cambria Math"/>
-                                              </a:rPr>
-                                              <m:t>𝑝</m:t>
-                                            </m:r>
-                                          </m:e>
-                                          <m:sub>
-                                            <m:r>
-                                              <a:rPr lang="en-US" sz="2000" i="1">
-                                                <a:latin typeface="Cambria Math"/>
-                                              </a:rPr>
-                                              <m:t>𝑚𝑜𝑑𝑒𝑙</m:t>
-                                            </m:r>
-                                          </m:sub>
-                                        </m:sSub>
+                                        <m:r>
+                                          <a:rPr lang="en-US" sz="2000" b="0" i="1" dirty="0" smtClean="0">
+                                            <a:latin typeface="Cambria Math" panose="02040503050406030204" pitchFamily="18" charset="0"/>
+                                            <a:ea typeface="Cambria Math"/>
+                                          </a:rPr>
+                                          <m:t>𝑝</m:t>
+                                        </m:r>
                                       </m:e>
+                                      <m:sub>
+                                        <m:r>
+                                          <a:rPr lang="en-US" sz="2000" b="0" i="1" dirty="0" smtClean="0">
+                                            <a:latin typeface="Cambria Math" panose="02040503050406030204" pitchFamily="18" charset="0"/>
+                                            <a:ea typeface="Cambria Math"/>
+                                          </a:rPr>
+                                          <m:t>𝑚𝑜𝑑𝑒𝑙</m:t>
+                                        </m:r>
+                                      </m:sub>
                                       <m:sup>
                                         <m:r>
-                                          <a:rPr lang="en-US" sz="2000" i="1">
-                                            <a:latin typeface="Cambria Math"/>
+                                          <a:rPr lang="en-US" sz="2000" b="0" i="1" dirty="0" smtClean="0">
+                                            <a:latin typeface="Cambria Math" panose="02040503050406030204" pitchFamily="18" charset="0"/>
+                                            <a:ea typeface="Cambria Math"/>
                                           </a:rPr>
                                           <m:t>𝑐</m:t>
                                         </m:r>
                                       </m:sup>
-                                    </m:sSup>
+                                    </m:sSubSup>
                                     <m:d>
                                       <m:dPr>
                                         <m:ctrlPr>
                                           <a:rPr lang="en-US" sz="2000" i="1">
-                                            <a:latin typeface="Cambria Math"/>
+                                            <a:latin typeface="Cambria Math" panose="02040503050406030204" pitchFamily="18" charset="0"/>
                                           </a:rPr>
                                         </m:ctrlPr>
                                       </m:dPr>
@@ -5815,7 +5653,7 @@
                       <m:sSubPr>
                         <m:ctrlPr>
                           <a:rPr lang="en-US" sz="2000" i="1">
-                            <a:latin typeface="Cambria Math"/>
+                            <a:latin typeface="Cambria Math" panose="02040503050406030204" pitchFamily="18" charset="0"/>
                           </a:rPr>
                         </m:ctrlPr>
                       </m:sSubPr>
@@ -5846,7 +5684,7 @@
                       <m:fPr>
                         <m:ctrlPr>
                           <a:rPr lang="en-US" sz="2000" i="1">
-                            <a:latin typeface="Cambria Math"/>
+                            <a:latin typeface="Cambria Math" panose="02040503050406030204" pitchFamily="18" charset="0"/>
                           </a:rPr>
                         </m:ctrlPr>
                       </m:fPr>
@@ -5865,7 +5703,7 @@
                             <m:endChr m:val="|"/>
                             <m:ctrlPr>
                               <a:rPr lang="en-US" sz="2000" i="1">
-                                <a:latin typeface="Cambria Math"/>
+                                <a:latin typeface="Cambria Math" panose="02040503050406030204" pitchFamily="18" charset="0"/>
                               </a:rPr>
                             </m:ctrlPr>
                           </m:dPr>
@@ -5874,7 +5712,7 @@
                               <m:sSupPr>
                                 <m:ctrlPr>
                                   <a:rPr lang="en-US" sz="2000" i="1">
-                                    <a:latin typeface="Cambria Math"/>
+                                    <a:latin typeface="Cambria Math" panose="02040503050406030204" pitchFamily="18" charset="0"/>
                                   </a:rPr>
                                 </m:ctrlPr>
                               </m:sSupPr>
@@ -5905,7 +5743,7 @@
                         <m:supHide m:val="on"/>
                         <m:ctrlPr>
                           <a:rPr lang="en-US" sz="2000" i="1">
-                            <a:latin typeface="Cambria Math"/>
+                            <a:latin typeface="Cambria Math" panose="02040503050406030204" pitchFamily="18" charset="0"/>
                           </a:rPr>
                         </m:ctrlPr>
                       </m:naryPr>
@@ -5942,7 +5780,7 @@
                           <m:sSupPr>
                             <m:ctrlPr>
                               <a:rPr lang="en-US" sz="2000" i="1">
-                                <a:latin typeface="Cambria Math"/>
+                                <a:latin typeface="Cambria Math" panose="02040503050406030204" pitchFamily="18" charset="0"/>
                                 <a:ea typeface="Cambria Math"/>
                               </a:rPr>
                             </m:ctrlPr>
@@ -5973,7 +5811,7 @@
                           <m:sSupPr>
                             <m:ctrlPr>
                               <a:rPr lang="en-US" sz="2000" i="1">
-                                <a:latin typeface="Cambria Math"/>
+                                <a:latin typeface="Cambria Math" panose="02040503050406030204" pitchFamily="18" charset="0"/>
                                 <a:ea typeface="Cambria Math"/>
                               </a:rPr>
                             </m:ctrlPr>
@@ -5983,7 +5821,7 @@
                               <m:sSubPr>
                                 <m:ctrlPr>
                                   <a:rPr lang="en-US" sz="2000" i="1">
-                                    <a:latin typeface="Cambria Math"/>
+                                    <a:latin typeface="Cambria Math" panose="02040503050406030204" pitchFamily="18" charset="0"/>
                                     <a:ea typeface="Cambria Math"/>
                                   </a:rPr>
                                 </m:ctrlPr>
@@ -5995,7 +5833,7 @@
                                     <m:endChr m:val="‖"/>
                                     <m:ctrlPr>
                                       <a:rPr lang="en-US" sz="2000" i="1">
-                                        <a:latin typeface="Cambria Math"/>
+                                        <a:latin typeface="Cambria Math" panose="02040503050406030204" pitchFamily="18" charset="0"/>
                                         <a:ea typeface="Cambria Math"/>
                                       </a:rPr>
                                     </m:ctrlPr>
@@ -6019,7 +5857,7 @@
                                       <m:sSubPr>
                                         <m:ctrlPr>
                                           <a:rPr lang="en-US" sz="2000" i="1">
-                                            <a:latin typeface="Cambria Math"/>
+                                            <a:latin typeface="Cambria Math" panose="02040503050406030204" pitchFamily="18" charset="0"/>
                                             <a:ea typeface="Cambria Math"/>
                                           </a:rPr>
                                         </m:ctrlPr>
@@ -6047,7 +5885,7 @@
                                       <m:dPr>
                                         <m:ctrlPr>
                                           <a:rPr lang="en-US" sz="2000" i="1">
-                                            <a:latin typeface="Cambria Math"/>
+                                            <a:latin typeface="Cambria Math" panose="02040503050406030204" pitchFamily="18" charset="0"/>
                                             <a:ea typeface="Cambria Math"/>
                                           </a:rPr>
                                         </m:ctrlPr>
@@ -6168,7 +6006,7 @@
                       <m:sSubPr>
                         <m:ctrlPr>
                           <a:rPr lang="en-US" sz="2000" i="1">
-                            <a:latin typeface="Cambria Math"/>
+                            <a:latin typeface="Cambria Math" panose="02040503050406030204" pitchFamily="18" charset="0"/>
                           </a:rPr>
                         </m:ctrlPr>
                       </m:sSubPr>
@@ -6201,7 +6039,7 @@
                         <m:supHide m:val="on"/>
                         <m:ctrlPr>
                           <a:rPr lang="en-US" sz="2000" i="1">
-                            <a:latin typeface="Cambria Math"/>
+                            <a:latin typeface="Cambria Math" panose="02040503050406030204" pitchFamily="18" charset="0"/>
                           </a:rPr>
                         </m:ctrlPr>
                       </m:naryPr>
@@ -6222,7 +6060,7 @@
                           <m:sSubPr>
                             <m:ctrlPr>
                               <a:rPr lang="en-US" sz="2000" i="1">
-                                <a:latin typeface="Cambria Math"/>
+                                <a:latin typeface="Cambria Math" panose="02040503050406030204" pitchFamily="18" charset="0"/>
                               </a:rPr>
                             </m:ctrlPr>
                           </m:sSubPr>
@@ -6248,7 +6086,7 @@
                           <m:funcPr>
                             <m:ctrlPr>
                               <a:rPr lang="en-US" sz="2000" i="1">
-                                <a:latin typeface="Cambria Math"/>
+                                <a:latin typeface="Cambria Math" panose="02040503050406030204" pitchFamily="18" charset="0"/>
                               </a:rPr>
                             </m:ctrlPr>
                           </m:funcPr>
@@ -6274,7 +6112,7 @@
                               <m:fPr>
                                 <m:ctrlPr>
                                   <a:rPr lang="en-US" sz="2000" i="1">
-                                    <a:latin typeface="Cambria Math"/>
+                                    <a:latin typeface="Cambria Math" panose="02040503050406030204" pitchFamily="18" charset="0"/>
                                   </a:rPr>
                                 </m:ctrlPr>
                               </m:fPr>
@@ -6283,7 +6121,7 @@
                                   <m:sSubPr>
                                     <m:ctrlPr>
                                       <a:rPr lang="en-US" sz="2000" i="1">
-                                        <a:latin typeface="Cambria Math"/>
+                                        <a:latin typeface="Cambria Math" panose="02040503050406030204" pitchFamily="18" charset="0"/>
                                       </a:rPr>
                                     </m:ctrlPr>
                                   </m:sSubPr>
@@ -6311,7 +6149,7 @@
                                   <m:fPr>
                                     <m:ctrlPr>
                                       <a:rPr lang="en-US" sz="2000" i="1">
-                                        <a:latin typeface="Cambria Math"/>
+                                        <a:latin typeface="Cambria Math" panose="02040503050406030204" pitchFamily="18" charset="0"/>
                                       </a:rPr>
                                     </m:ctrlPr>
                                   </m:fPr>
@@ -6330,7 +6168,7 @@
                                         <m:endChr m:val="|"/>
                                         <m:ctrlPr>
                                           <a:rPr lang="en-US" sz="2000" i="1">
-                                            <a:latin typeface="Cambria Math"/>
+                                            <a:latin typeface="Cambria Math" panose="02040503050406030204" pitchFamily="18" charset="0"/>
                                           </a:rPr>
                                         </m:ctrlPr>
                                       </m:dPr>
@@ -6361,7 +6199,7 @@
                                         <m:endChr m:val="|"/>
                                         <m:ctrlPr>
                                           <a:rPr lang="en-US" sz="2000" i="1">
-                                            <a:latin typeface="Cambria Math"/>
+                                            <a:latin typeface="Cambria Math" panose="02040503050406030204" pitchFamily="18" charset="0"/>
                                           </a:rPr>
                                         </m:ctrlPr>
                                       </m:dPr>
@@ -6388,7 +6226,7 @@
                                     <m:supHide m:val="on"/>
                                     <m:ctrlPr>
                                       <a:rPr lang="en-US" sz="2000" i="1">
-                                        <a:latin typeface="Cambria Math"/>
+                                        <a:latin typeface="Cambria Math" panose="02040503050406030204" pitchFamily="18" charset="0"/>
                                       </a:rPr>
                                     </m:ctrlPr>
                                   </m:naryPr>
@@ -6413,7 +6251,7 @@
                                       <m:sSupPr>
                                         <m:ctrlPr>
                                           <a:rPr lang="en-US" sz="2000" i="1">
-                                            <a:latin typeface="Cambria Math"/>
+                                            <a:latin typeface="Cambria Math" panose="02040503050406030204" pitchFamily="18" charset="0"/>
                                             <a:ea typeface="Cambria Math"/>
                                           </a:rPr>
                                         </m:ctrlPr>
@@ -6467,50 +6305,43 @@
                                   </m:sub>
                                   <m:sup/>
                                   <m:e>
-                                    <m:sSup>
-                                      <m:sSupPr>
+                                    <m:sSubSup>
+                                      <m:sSubSupPr>
                                         <m:ctrlPr>
-                                          <a:rPr lang="en-US" sz="2000" i="1">
-                                            <a:latin typeface="Cambria Math"/>
+                                          <a:rPr lang="en-US" sz="2000" i="1" dirty="0">
+                                            <a:latin typeface="Cambria Math" panose="02040503050406030204" pitchFamily="18" charset="0"/>
+                                            <a:ea typeface="Cambria Math"/>
                                           </a:rPr>
                                         </m:ctrlPr>
-                                      </m:sSupPr>
+                                      </m:sSubSupPr>
                                       <m:e>
-                                        <m:sSub>
-                                          <m:sSubPr>
-                                            <m:ctrlPr>
-                                              <a:rPr lang="en-US" sz="2000" i="1">
-                                                <a:latin typeface="Cambria Math"/>
-                                              </a:rPr>
-                                            </m:ctrlPr>
-                                          </m:sSubPr>
-                                          <m:e>
-                                            <m:r>
-                                              <a:rPr lang="en-US" sz="2000" i="1">
-                                                <a:latin typeface="Cambria Math"/>
-                                              </a:rPr>
-                                              <m:t>𝑝</m:t>
-                                            </m:r>
-                                          </m:e>
-                                          <m:sub>
-                                            <m:r>
-                                              <a:rPr lang="en-US" sz="2000" i="1">
-                                                <a:latin typeface="Cambria Math"/>
-                                              </a:rPr>
-                                              <m:t>𝑚𝑜𝑑𝑒𝑙</m:t>
-                                            </m:r>
-                                          </m:sub>
-                                        </m:sSub>
+                                        <m:r>
+                                          <a:rPr lang="en-US" sz="2000" i="1" dirty="0">
+                                            <a:latin typeface="Cambria Math" panose="02040503050406030204" pitchFamily="18" charset="0"/>
+                                            <a:ea typeface="Cambria Math"/>
+                                          </a:rPr>
+                                          <m:t>𝑝</m:t>
+                                        </m:r>
                                       </m:e>
+                                      <m:sub>
+                                        <m:r>
+                                          <a:rPr lang="en-US" sz="2000" i="1" dirty="0">
+                                            <a:latin typeface="Cambria Math" panose="02040503050406030204" pitchFamily="18" charset="0"/>
+                                            <a:ea typeface="Cambria Math"/>
+                                          </a:rPr>
+                                          <m:t>𝑚𝑜𝑑𝑒𝑙</m:t>
+                                        </m:r>
+                                      </m:sub>
                                       <m:sup>
                                         <m:r>
-                                          <a:rPr lang="en-US" sz="2000" i="1">
-                                            <a:latin typeface="Cambria Math"/>
+                                          <a:rPr lang="en-US" sz="2000" i="1" dirty="0">
+                                            <a:latin typeface="Cambria Math" panose="02040503050406030204" pitchFamily="18" charset="0"/>
+                                            <a:ea typeface="Cambria Math"/>
                                           </a:rPr>
                                           <m:t>𝑐</m:t>
                                         </m:r>
                                       </m:sup>
-                                    </m:sSup>
+                                    </m:sSubSup>
                                     <m:r>
                                       <a:rPr lang="en-US" sz="2000" i="1">
                                         <a:latin typeface="Cambria Math"/>
@@ -6577,7 +6408,7 @@
                       <m:sSubPr>
                         <m:ctrlPr>
                           <a:rPr lang="en-US" sz="1800" i="1">
-                            <a:latin typeface="Cambria Math"/>
+                            <a:latin typeface="Cambria Math" panose="02040503050406030204" pitchFamily="18" charset="0"/>
                           </a:rPr>
                         </m:ctrlPr>
                       </m:sSubPr>
@@ -6609,7 +6440,7 @@
                       <m:fPr>
                         <m:ctrlPr>
                           <a:rPr lang="en-US" sz="1800" i="1">
-                            <a:latin typeface="Cambria Math"/>
+                            <a:latin typeface="Cambria Math" panose="02040503050406030204" pitchFamily="18" charset="0"/>
                           </a:rPr>
                         </m:ctrlPr>
                       </m:fPr>
@@ -6664,13 +6495,8 @@
                 </a14:m>
                 <a:r>
                   <a:rPr lang="en-HK" sz="1800" dirty="0"/>
-                  <a:t>, to prevent all from ending up predicting the same </a:t>
+                  <a:t>, to prevent all from ending up predicting the same class</a:t>
                 </a:r>
-                <a:r>
-                  <a:rPr lang="en-HK" sz="1800" dirty="0" smtClean="0"/>
-                  <a:t>class</a:t>
-                </a:r>
-                <a:endParaRPr lang="en-HK" sz="1800" dirty="0"/>
               </a:p>
             </p:txBody>
           </p:sp>
@@ -6687,10 +6513,10 @@
               </p:nvPr>
             </p:nvSpPr>
             <p:spPr>
-              <a:blipFill rotWithShape="1">
+              <a:blipFill>
                 <a:blip r:embed="rId2"/>
                 <a:stretch>
-                  <a:fillRect t="-809" r="-444"/>
+                  <a:fillRect t="-840" r="-463"/>
                 </a:stretch>
               </a:blipFill>
             </p:spPr>
@@ -6727,23 +6553,23 @@
           <a:lstStyle/>
           <a:p>
             <a:r>
-              <a:rPr lang="en-HK" dirty="0" err="1" smtClean="0"/>
+              <a:rPr lang="en-HK" dirty="0" err="1"/>
               <a:t>MixMatch</a:t>
             </a:r>
-            <a:r>
-              <a:rPr lang="en-HK" sz="2800" dirty="0" smtClean="0"/>
-              <a:t/>
-            </a:r>
             <a:br>
-              <a:rPr lang="en-HK" sz="2800" dirty="0" smtClean="0"/>
+              <a:rPr lang="en-HK" sz="2800" dirty="0"/>
             </a:br>
             <a:r>
-              <a:rPr lang="en-HK" sz="2800" dirty="0" smtClean="0"/>
+              <a:rPr lang="en-HK" sz="2800" dirty="0"/>
               <a:t>(</a:t>
             </a:r>
             <a:r>
-              <a:rPr lang="en-US" sz="2200" dirty="0" smtClean="0"/>
-              <a:t>Berthelot</a:t>
+              <a:rPr lang="en-US" sz="2200" dirty="0"/>
+              <a:t>Berthelot, </a:t>
+            </a:r>
+            <a:r>
+              <a:rPr lang="en-US" sz="2200" dirty="0" err="1"/>
+              <a:t>Carlini</a:t>
             </a:r>
             <a:r>
               <a:rPr lang="en-US" sz="2200" dirty="0"/>
@@ -6751,7 +6577,7 @@
             </a:r>
             <a:r>
               <a:rPr lang="en-US" sz="2200" dirty="0" err="1"/>
-              <a:t>Carlini</a:t>
+              <a:t>Goodfellow</a:t>
             </a:r>
             <a:r>
               <a:rPr lang="en-US" sz="2200" dirty="0"/>
@@ -6759,14 +6585,6 @@
             </a:r>
             <a:r>
               <a:rPr lang="en-US" sz="2200" dirty="0" err="1"/>
-              <a:t>Goodfellow</a:t>
-            </a:r>
-            <a:r>
-              <a:rPr lang="en-US" sz="2200" dirty="0"/>
-              <a:t>, </a:t>
-            </a:r>
-            <a:r>
-              <a:rPr lang="en-US" sz="2200" dirty="0" err="1"/>
               <a:t>Papernot</a:t>
             </a:r>
             <a:r>
@@ -6779,13 +6597,8 @@
             </a:r>
             <a:r>
               <a:rPr lang="en-US" sz="2200" dirty="0"/>
-              <a:t>, </a:t>
-            </a:r>
-            <a:r>
-              <a:rPr lang="en-US" sz="2200" dirty="0" smtClean="0"/>
-              <a:t>2019)</a:t>
-            </a:r>
-            <a:endParaRPr lang="en-US" sz="2200" dirty="0"/>
+              <a:t>, 2019)</a:t>
+            </a:r>
           </a:p>
         </p:txBody>
       </p:sp>
@@ -6838,11 +6651,7 @@
           <a:p>
             <a:r>
               <a:rPr lang="en-US" dirty="0"/>
-              <a:t>Noise is </a:t>
-            </a:r>
-            <a:r>
-              <a:rPr lang="en-US" dirty="0" smtClean="0"/>
-              <a:t>sparse</a:t>
+              <a:t>Noise is sparse</a:t>
             </a:r>
           </a:p>
           <a:p>
@@ -6853,114 +6662,73 @@
                   <a:srgbClr val="FF0000"/>
                 </a:solidFill>
               </a:rPr>
-              <a:t>No result on symmetric noise rate below 20% and asymmetric one below 10</a:t>
-            </a:r>
-            <a:r>
-              <a:rPr lang="en-US" dirty="0" smtClean="0">
-                <a:solidFill>
-                  <a:srgbClr val="FF0000"/>
-                </a:solidFill>
-              </a:rPr>
-              <a:t>%</a:t>
-            </a:r>
-            <a:endParaRPr lang="en-US" dirty="0">
-              <a:solidFill>
-                <a:srgbClr val="FF0000"/>
-              </a:solidFill>
-            </a:endParaRPr>
+              <a:t>No result on symmetric noise rate below 20% and asymmetric one below 10%</a:t>
+            </a:r>
           </a:p>
           <a:p>
             <a:pPr lvl="1"/>
             <a:r>
-              <a:rPr lang="en-US" dirty="0" smtClean="0"/>
+              <a:rPr lang="en-US" dirty="0"/>
               <a:t>Longer warm-up</a:t>
             </a:r>
           </a:p>
           <a:p>
             <a:pPr lvl="1"/>
             <a:r>
-              <a:rPr lang="en-US" dirty="0" smtClean="0"/>
+              <a:rPr lang="en-US" dirty="0"/>
+              <a:t>Less aggressive label correction</a:t>
+            </a:r>
+          </a:p>
+          <a:p>
+            <a:pPr lvl="1"/>
+            <a:r>
+              <a:rPr lang="en-US" dirty="0"/>
               <a:t>Huber-Lasso (</a:t>
             </a:r>
             <a:r>
-              <a:rPr lang="en-US" sz="2400" dirty="0"/>
+              <a:rPr lang="en-US" sz="2000" dirty="0"/>
               <a:t>Xu, </a:t>
             </a:r>
             <a:r>
-              <a:rPr lang="en-US" sz="2400" dirty="0" err="1" smtClean="0"/>
+              <a:rPr lang="en-US" sz="2000" dirty="0" err="1"/>
               <a:t>Xiong</a:t>
             </a:r>
             <a:r>
-              <a:rPr lang="en-US" sz="2400" dirty="0" smtClean="0"/>
-              <a:t>, </a:t>
-            </a:r>
-            <a:r>
-              <a:rPr lang="en-US" sz="2400" dirty="0"/>
-              <a:t>Huang</a:t>
-            </a:r>
-            <a:r>
-              <a:rPr lang="en-US" sz="2400" dirty="0" smtClean="0"/>
-              <a:t>, </a:t>
-            </a:r>
-            <a:r>
-              <a:rPr lang="en-US" sz="2400" dirty="0"/>
-              <a:t>&amp; </a:t>
-            </a:r>
-            <a:r>
-              <a:rPr lang="en-US" sz="2400" dirty="0" smtClean="0"/>
-              <a:t>Yao, 2014)</a:t>
-            </a:r>
-            <a:endParaRPr lang="en-US" dirty="0" smtClean="0"/>
+              <a:rPr lang="en-US" sz="2000" dirty="0"/>
+              <a:t>, Huang, &amp; Yao, 2014)</a:t>
+            </a:r>
+            <a:endParaRPr lang="en-US" dirty="0"/>
+          </a:p>
+          <a:p>
+            <a:r>
+              <a:rPr lang="en-US" dirty="0"/>
+              <a:t>Asymmetric noise mostly one big class</a:t>
+            </a:r>
           </a:p>
           <a:p>
             <a:pPr lvl="1"/>
             <a:r>
-              <a:rPr lang="en-US" dirty="0" smtClean="0"/>
-              <a:t>Less aggressive label correction</a:t>
-            </a:r>
-          </a:p>
-          <a:p>
-            <a:r>
-              <a:rPr lang="en-US" dirty="0" smtClean="0"/>
-              <a:t>Asymmetric noise mostly one big class</a:t>
+              <a:rPr lang="en-US" dirty="0"/>
+              <a:t>Weighting (self-adaptive training)</a:t>
+            </a:r>
+          </a:p>
+          <a:p>
+            <a:r>
+              <a:rPr lang="en-US" dirty="0"/>
+              <a:t>Image noise detected in small defect class</a:t>
             </a:r>
           </a:p>
           <a:p>
             <a:pPr lvl="1"/>
             <a:r>
-              <a:rPr lang="en-US" dirty="0" smtClean="0"/>
-              <a:t>Weighting </a:t>
-            </a:r>
-            <a:r>
-              <a:rPr lang="en-US" dirty="0" smtClean="0"/>
-              <a:t>(self-adaptive training)</a:t>
-            </a:r>
-          </a:p>
-          <a:p>
-            <a:r>
-              <a:rPr lang="en-US" dirty="0" smtClean="0"/>
-              <a:t>Image noise detected </a:t>
-            </a:r>
-            <a:r>
-              <a:rPr lang="en-US" smtClean="0"/>
-              <a:t>in small defect </a:t>
-            </a:r>
-            <a:r>
-              <a:rPr lang="en-US" dirty="0" smtClean="0"/>
-              <a:t>class</a:t>
-            </a:r>
-          </a:p>
-          <a:p>
-            <a:pPr lvl="1"/>
-            <a:r>
-              <a:rPr lang="en-US" dirty="0" err="1" smtClean="0"/>
+              <a:rPr lang="en-US" dirty="0" err="1"/>
               <a:t>MixUp</a:t>
             </a:r>
-            <a:endParaRPr lang="en-US" dirty="0" smtClean="0"/>
-          </a:p>
-          <a:p>
-            <a:r>
-              <a:rPr lang="en-US" dirty="0" smtClean="0"/>
+            <a:endParaRPr lang="en-US" dirty="0"/>
+          </a:p>
+          <a:p>
+            <a:r>
+              <a:rPr lang="en-US" dirty="0"/>
               <a:t>Ablation test</a:t>
             </a:r>
           </a:p>
@@ -6979,13 +6747,8 @@
             </a:r>
             <a:r>
               <a:rPr lang="en-US" sz="2700" dirty="0"/>
-              <a:t> </a:t>
-            </a:r>
-            <a:r>
-              <a:rPr lang="en-US" sz="2700" dirty="0" smtClean="0"/>
-              <a:t>adjustment</a:t>
-            </a:r>
-            <a:endParaRPr lang="en-US" sz="2700" dirty="0"/>
+              <a:t> adjustment</a:t>
+            </a:r>
           </a:p>
         </p:txBody>
       </p:sp>
@@ -7005,10 +6768,9 @@
           <a:lstStyle/>
           <a:p>
             <a:r>
-              <a:rPr lang="en-US" dirty="0" smtClean="0"/>
+              <a:rPr lang="en-US" dirty="0"/>
               <a:t>Improvement &amp; Adaptation</a:t>
             </a:r>
-            <a:endParaRPr lang="en-US" dirty="0"/>
           </a:p>
         </p:txBody>
       </p:sp>
@@ -7077,15 +6839,7 @@
             </a:r>
             <a:r>
               <a:rPr lang="en-US" sz="1200" i="1" dirty="0"/>
-              <a:t>IEEE </a:t>
-            </a:r>
-            <a:r>
-              <a:rPr lang="en-US" sz="1200" i="1" dirty="0" smtClean="0"/>
-              <a:t>transactions </a:t>
-            </a:r>
-            <a:r>
-              <a:rPr lang="en-US" sz="1200" i="1" dirty="0"/>
-              <a:t>on neural networks and learning systems</a:t>
+              <a:t>IEEE transactions on neural networks and learning systems</a:t>
             </a:r>
             <a:r>
               <a:rPr lang="en-US" sz="1200" dirty="0"/>
@@ -7097,11 +6851,7 @@
             </a:r>
             <a:r>
               <a:rPr lang="en-US" sz="1200" dirty="0"/>
-              <a:t>(5), 845-869</a:t>
-            </a:r>
-            <a:r>
-              <a:rPr lang="en-US" sz="1200" dirty="0" smtClean="0"/>
-              <a:t>.</a:t>
+              <a:t>(5), 845-869.</a:t>
             </a:r>
           </a:p>
           <a:p>
@@ -7123,15 +6873,7 @@
             </a:r>
             <a:r>
               <a:rPr lang="en-US" sz="1200" dirty="0"/>
-              <a:t>, S. (</a:t>
-            </a:r>
-            <a:r>
-              <a:rPr lang="en-US" sz="1200" dirty="0" smtClean="0"/>
-              <a:t>2020). </a:t>
-            </a:r>
-            <a:r>
-              <a:rPr lang="en-US" sz="1200" dirty="0"/>
-              <a:t>Gradient descent with early stopping is provably robust to label noise for </a:t>
+              <a:t>, S. (2020). Gradient descent with early stopping is provably robust to label noise for </a:t>
             </a:r>
             <a:r>
               <a:rPr lang="en-US" sz="1200" dirty="0" err="1"/>
@@ -7149,7 +6891,6 @@
               <a:rPr lang="en-US" sz="1200" dirty="0"/>
               <a:t> (pp. 4313-4324). PMLR.</a:t>
             </a:r>
-            <a:endParaRPr lang="en-US" sz="1200" dirty="0" smtClean="0"/>
           </a:p>
           <a:p>
             <a:r>
@@ -7187,12 +6928,8 @@
           </a:p>
           <a:p>
             <a:r>
-              <a:rPr lang="en-US" sz="1200" dirty="0" smtClean="0"/>
-              <a:t>Huang</a:t>
-            </a:r>
-            <a:r>
               <a:rPr lang="en-US" sz="1200" dirty="0"/>
-              <a:t>, L., Zhang, C., &amp; Zhang, H. (2020). Self-Adaptive Training: beyond Empirical Risk Minimization. </a:t>
+              <a:t>Huang, L., Zhang, C., &amp; Zhang, H. (2020). Self-Adaptive Training: beyond Empirical Risk Minimization. </a:t>
             </a:r>
             <a:r>
               <a:rPr lang="en-US" sz="1200" i="1" dirty="0" err="1"/>
@@ -7203,18 +6940,14 @@
               <a:t> preprint arXiv:2002.10319</a:t>
             </a:r>
             <a:r>
-              <a:rPr lang="en-US" sz="1200" dirty="0" smtClean="0"/>
+              <a:rPr lang="en-US" sz="1200" dirty="0"/>
               <a:t>.</a:t>
             </a:r>
           </a:p>
           <a:p>
             <a:r>
-              <a:rPr lang="en-US" sz="1200" dirty="0" smtClean="0"/>
-              <a:t>Li</a:t>
-            </a:r>
-            <a:r>
               <a:rPr lang="en-US" sz="1200" dirty="0"/>
-              <a:t>, J., </a:t>
+              <a:t>Li, J., </a:t>
             </a:r>
             <a:r>
               <a:rPr lang="en-US" sz="1200" dirty="0" err="1"/>
@@ -7241,7 +6974,7 @@
               <a:t> preprint arXiv:2002.07394</a:t>
             </a:r>
             <a:r>
-              <a:rPr lang="en-US" sz="1200" dirty="0" smtClean="0"/>
+              <a:rPr lang="en-US" sz="1200" dirty="0"/>
               <a:t>.</a:t>
             </a:r>
           </a:p>
@@ -7296,21 +7029,13 @@
             </a:r>
             <a:r>
               <a:rPr lang="en-US" sz="1200" dirty="0"/>
-              <a:t> (pp. 5049-5059</a:t>
-            </a:r>
-            <a:r>
-              <a:rPr lang="en-US" sz="1200" dirty="0" smtClean="0"/>
-              <a:t>).</a:t>
-            </a:r>
-          </a:p>
-          <a:p>
-            <a:r>
-              <a:rPr lang="en-US" sz="1200" dirty="0" smtClean="0"/>
-              <a:t>Zhang</a:t>
-            </a:r>
+              <a:t> (pp. 5049-5059).</a:t>
+            </a:r>
+          </a:p>
+          <a:p>
             <a:r>
               <a:rPr lang="en-US" sz="1200" dirty="0"/>
-              <a:t>, H., </a:t>
+              <a:t>Zhang, H., </a:t>
             </a:r>
             <a:r>
               <a:rPr lang="en-US" sz="1200" dirty="0" err="1"/>
@@ -7322,11 +7047,7 @@
             </a:r>
             <a:r>
               <a:rPr lang="en-US" sz="1200" dirty="0" err="1"/>
-              <a:t>M</a:t>
-            </a:r>
-            <a:r>
-              <a:rPr lang="en-US" sz="1200" dirty="0" err="1" smtClean="0"/>
-              <a:t>ixup</a:t>
+              <a:t>Mixup</a:t>
             </a:r>
             <a:r>
               <a:rPr lang="en-US" sz="1200" dirty="0"/>
@@ -7344,7 +7065,6 @@
               <a:rPr lang="en-US" sz="1200" dirty="0"/>
               <a:t>.</a:t>
             </a:r>
-            <a:endParaRPr lang="en-US" sz="1200" dirty="0" smtClean="0"/>
           </a:p>
           <a:p>
             <a:r>
@@ -7368,7 +7088,7 @@
               <a:t> preprint arXiv:1408.3467</a:t>
             </a:r>
             <a:r>
-              <a:rPr lang="en-US" sz="1200" dirty="0" smtClean="0"/>
+              <a:rPr lang="en-US" sz="1200" dirty="0"/>
               <a:t>.</a:t>
             </a:r>
           </a:p>
@@ -7390,10 +7110,9 @@
           <a:lstStyle/>
           <a:p>
             <a:r>
-              <a:rPr lang="en-US" dirty="0" smtClean="0"/>
+              <a:rPr lang="en-US" dirty="0"/>
               <a:t>References</a:t>
             </a:r>
-            <a:endParaRPr lang="en-US" dirty="0"/>
           </a:p>
         </p:txBody>
       </p:sp>
@@ -7437,17 +7156,20 @@
             <p:ph type="title"/>
           </p:nvPr>
         </p:nvSpPr>
-        <p:spPr/>
+        <p:spPr>
+          <a:xfrm>
+            <a:off x="457200" y="278724"/>
+            <a:ext cx="8229600" cy="1143000"/>
+          </a:xfrm>
+        </p:spPr>
         <p:txBody>
           <a:bodyPr/>
           <a:lstStyle/>
           <a:p>
-            <a:pPr algn="ctr"/>
-            <a:r>
-              <a:rPr lang="en-US" dirty="0" smtClean="0"/>
+            <a:r>
+              <a:rPr lang="en-US" dirty="0"/>
               <a:t>Three Types of Noisy Labels</a:t>
             </a:r>
-            <a:endParaRPr lang="en-US" dirty="0"/>
           </a:p>
         </p:txBody>
       </p:sp>
@@ -7476,7 +7198,7 @@
         </p:blipFill>
         <p:spPr bwMode="auto">
           <a:xfrm>
-            <a:off x="2692541" y="2276872"/>
+            <a:off x="2686050" y="2185897"/>
             <a:ext cx="6000750" cy="1343025"/>
           </a:xfrm>
           <a:prstGeom prst="rect">
@@ -7507,8 +7229,8 @@
           </a:extLst>
         </p:spPr>
       </p:pic>
-      <mc:AlternateContent xmlns:mc="http://schemas.openxmlformats.org/markup-compatibility/2006" xmlns:a14="http://schemas.microsoft.com/office/drawing/2010/main">
-        <mc:Choice Requires="a14">
+      <mc:AlternateContent xmlns:mc="http://schemas.openxmlformats.org/markup-compatibility/2006">
+        <mc:Choice xmlns:a14="http://schemas.microsoft.com/office/drawing/2010/main" Requires="a14">
           <p:sp>
             <p:nvSpPr>
               <p:cNvPr id="4" name="TextBox 3"/>
@@ -7517,7 +7239,7 @@
             </p:nvSpPr>
             <p:spPr>
               <a:xfrm>
-                <a:off x="467544" y="2348880"/>
+                <a:off x="457200" y="2236931"/>
                 <a:ext cx="2232248" cy="1232902"/>
               </a:xfrm>
               <a:prstGeom prst="rect">
@@ -7531,6 +7253,7 @@
               </a:bodyPr>
               <a:lstStyle/>
               <a:p>
+                <a:pPr algn="just"/>
                 <a14:m>
                   <m:oMath xmlns:m="http://schemas.openxmlformats.org/officeDocument/2006/math">
                     <m:r>
@@ -7542,11 +7265,12 @@
                   </m:oMath>
                 </a14:m>
                 <a:r>
-                  <a:rPr lang="en-US" dirty="0" smtClean="0"/>
+                  <a:rPr lang="en-US" dirty="0"/>
                   <a:t>: sample data</a:t>
                 </a:r>
               </a:p>
               <a:p>
+                <a:pPr algn="just"/>
                 <a14:m>
                   <m:oMath xmlns:m="http://schemas.openxmlformats.org/officeDocument/2006/math">
                     <m:r>
@@ -7564,11 +7288,12 @@
                   </m:oMath>
                 </a14:m>
                 <a:r>
-                  <a:rPr lang="en-US" dirty="0" smtClean="0"/>
+                  <a:rPr lang="en-US" dirty="0"/>
                   <a:t>: true label</a:t>
                 </a:r>
               </a:p>
               <a:p>
+                <a:pPr algn="just"/>
                 <a14:m>
                   <m:oMath xmlns:m="http://schemas.openxmlformats.org/officeDocument/2006/math">
                     <m:r>
@@ -7580,11 +7305,12 @@
                   </m:oMath>
                 </a14:m>
                 <a:r>
-                  <a:rPr lang="en-US" dirty="0" smtClean="0"/>
+                  <a:rPr lang="en-US" dirty="0"/>
                   <a:t>: error</a:t>
                 </a:r>
               </a:p>
               <a:p>
+                <a:pPr algn="just"/>
                 <a14:m>
                   <m:oMath xmlns:m="http://schemas.openxmlformats.org/officeDocument/2006/math">
                     <m:acc>
@@ -7592,7 +7318,7 @@
                         <m:chr m:val="̃"/>
                         <m:ctrlPr>
                           <a:rPr lang="en-US" i="1" smtClean="0">
-                            <a:latin typeface="Cambria Math"/>
+                            <a:latin typeface="Cambria Math" panose="02040503050406030204" pitchFamily="18" charset="0"/>
                           </a:rPr>
                         </m:ctrlPr>
                       </m:accPr>
@@ -7608,15 +7334,14 @@
                   </m:oMath>
                 </a14:m>
                 <a:r>
-                  <a:rPr lang="en-US" dirty="0" smtClean="0"/>
+                  <a:rPr lang="en-US" dirty="0"/>
                   <a:t>: corrupted label</a:t>
                 </a:r>
-                <a:endParaRPr lang="en-US" dirty="0"/>
               </a:p>
             </p:txBody>
           </p:sp>
         </mc:Choice>
-        <mc:Fallback xmlns="">
+        <mc:Fallback>
           <p:sp>
             <p:nvSpPr>
               <p:cNvPr id="4" name="TextBox 3"/>
@@ -7627,16 +7352,16 @@
             </p:nvSpPr>
             <p:spPr>
               <a:xfrm>
-                <a:off x="467544" y="2348880"/>
+                <a:off x="457200" y="2236931"/>
                 <a:ext cx="2232248" cy="1232902"/>
               </a:xfrm>
               <a:prstGeom prst="rect">
                 <a:avLst/>
               </a:prstGeom>
-              <a:blipFill rotWithShape="1">
+              <a:blipFill>
                 <a:blip r:embed="rId3"/>
                 <a:stretch>
-                  <a:fillRect t="-1970" b="-4926"/>
+                  <a:fillRect t="-1020" b="-4082"/>
                 </a:stretch>
               </a:blipFill>
             </p:spPr>
@@ -7663,7 +7388,7 @@
         </p:nvSpPr>
         <p:spPr>
           <a:xfrm>
-            <a:off x="323528" y="4293095"/>
+            <a:off x="323528" y="4284915"/>
             <a:ext cx="8496944" cy="1200329"/>
           </a:xfrm>
           <a:prstGeom prst="rect">
@@ -7677,50 +7402,51 @@
           </a:bodyPr>
           <a:lstStyle/>
           <a:p>
-            <a:r>
-              <a:rPr lang="en-US" dirty="0" err="1" smtClean="0"/>
+            <a:pPr algn="just"/>
+            <a:r>
+              <a:rPr lang="en-US" dirty="0" err="1"/>
               <a:t>Frénay</a:t>
             </a:r>
             <a:r>
-              <a:rPr lang="en-US" dirty="0" smtClean="0"/>
+              <a:rPr lang="en-US" dirty="0"/>
               <a:t> &amp; </a:t>
             </a:r>
             <a:r>
-              <a:rPr lang="en-US" dirty="0" err="1" smtClean="0"/>
+              <a:rPr lang="en-US" dirty="0" err="1"/>
               <a:t>Verleysen</a:t>
             </a:r>
             <a:r>
-              <a:rPr lang="en-US" dirty="0" smtClean="0"/>
+              <a:rPr lang="en-US" dirty="0"/>
               <a:t>, 2013:</a:t>
             </a:r>
           </a:p>
           <a:p>
-            <a:pPr marL="285750" indent="-285750">
+            <a:pPr marL="285750" indent="-285750" algn="just">
               <a:buFont typeface="Arial" panose="020B0604020202020204" pitchFamily="34" charset="0"/>
               <a:buChar char="•"/>
             </a:pPr>
             <a:r>
-              <a:rPr lang="en-US" dirty="0" smtClean="0"/>
+              <a:rPr lang="en-US" dirty="0"/>
               <a:t>Left: uniform noise</a:t>
             </a:r>
           </a:p>
           <a:p>
-            <a:pPr marL="285750" indent="-285750">
+            <a:pPr marL="285750" indent="-285750" algn="just">
               <a:buFont typeface="Arial" panose="020B0604020202020204" pitchFamily="34" charset="0"/>
               <a:buChar char="•"/>
             </a:pPr>
             <a:r>
-              <a:rPr lang="en-US" dirty="0" smtClean="0"/>
+              <a:rPr lang="en-US" dirty="0"/>
               <a:t>Middle: class-dependent asymmetric noise</a:t>
             </a:r>
           </a:p>
           <a:p>
-            <a:pPr marL="285750" indent="-285750">
+            <a:pPr marL="285750" indent="-285750" algn="just">
               <a:buFont typeface="Arial" panose="020B0604020202020204" pitchFamily="34" charset="0"/>
               <a:buChar char="•"/>
             </a:pPr>
             <a:r>
-              <a:rPr lang="en-US" dirty="0" smtClean="0">
+              <a:rPr lang="en-US" dirty="0">
                 <a:solidFill>
                   <a:srgbClr val="FF0000"/>
                 </a:solidFill>
@@ -7840,10 +7566,9 @@
           <a:lstStyle/>
           <a:p>
             <a:r>
-              <a:rPr lang="en-US" dirty="0" smtClean="0"/>
+              <a:rPr lang="en-US" dirty="0"/>
               <a:t>Robustness</a:t>
             </a:r>
-            <a:endParaRPr lang="en-US" dirty="0"/>
           </a:p>
         </p:txBody>
       </p:sp>
@@ -7861,7 +7586,7 @@
             </p:nvSpPr>
             <p:spPr>
               <a:xfrm>
-                <a:off x="457200" y="1481328"/>
+                <a:off x="457200" y="1484784"/>
                 <a:ext cx="8229600" cy="3027792"/>
               </a:xfrm>
             </p:spPr>
@@ -7875,24 +7600,8 @@
                   <a:buNone/>
                 </a:pPr>
                 <a:r>
-                  <a:rPr lang="en-US" dirty="0" smtClean="0"/>
-                  <a:t>Recent works have proven that when each class of data are within </a:t>
-                </a:r>
-                <a:r>
-                  <a:rPr lang="en-US" dirty="0" smtClean="0"/>
-                  <a:t>clusters </a:t>
-                </a:r>
-                <a:r>
                   <a:rPr lang="en-US" dirty="0"/>
-                  <a:t>with small </a:t>
-                </a:r>
-                <a:r>
-                  <a:rPr lang="en-US" dirty="0" smtClean="0"/>
-                  <a:t>radii separate by class, </a:t>
-                </a:r>
-                <a:r>
-                  <a:rPr lang="en-US" dirty="0"/>
-                  <a:t>we have</a:t>
+                  <a:t>Recent works have proven that when each class of data are within clusters with small radii separate by class, we have</a:t>
                 </a:r>
               </a:p>
               <a:p>
@@ -7930,7 +7639,7 @@
                       <m:sSubPr>
                         <m:ctrlPr>
                           <a:rPr lang="en-US" i="1">
-                            <a:latin typeface="Cambria Math"/>
+                            <a:latin typeface="Cambria Math" panose="02040503050406030204" pitchFamily="18" charset="0"/>
                           </a:rPr>
                         </m:ctrlPr>
                       </m:sSubPr>
@@ -7985,7 +7694,7 @@
                       <m:sSubPr>
                         <m:ctrlPr>
                           <a:rPr lang="en-US" i="1">
-                            <a:latin typeface="Cambria Math"/>
+                            <a:latin typeface="Cambria Math" panose="02040503050406030204" pitchFamily="18" charset="0"/>
                           </a:rPr>
                         </m:ctrlPr>
                       </m:sSubPr>
@@ -8040,22 +7749,24 @@
                 </a:r>
                 <a:r>
                   <a:rPr lang="en-US" dirty="0"/>
-                  <a:t> the noisy </a:t>
-                </a:r>
-                <a:r>
-                  <a:rPr lang="en-US" dirty="0" smtClean="0"/>
-                  <a:t>labels [</a:t>
+                  <a:t> the noisy labels [</a:t>
                 </a:r>
                 <a14:m>
                   <m:oMath xmlns:m="http://schemas.openxmlformats.org/officeDocument/2006/math">
                     <m:r>
                       <a:rPr lang="en-US" b="0" i="1" smtClean="0">
+                        <a:solidFill>
+                          <a:srgbClr val="FF0000"/>
+                        </a:solidFill>
                         <a:latin typeface="Cambria Math"/>
                       </a:rPr>
                       <m:t>𝑂</m:t>
                     </m:r>
                     <m:r>
                       <a:rPr lang="en-US" b="0" i="1" smtClean="0">
+                        <a:solidFill>
+                          <a:srgbClr val="FF0000"/>
+                        </a:solidFill>
                         <a:latin typeface="Cambria Math"/>
                       </a:rPr>
                       <m:t>(</m:t>
@@ -8064,13 +7775,19 @@
                       <m:fPr>
                         <m:ctrlPr>
                           <a:rPr lang="en-US" b="0" i="1" smtClean="0">
-                            <a:latin typeface="Cambria Math"/>
+                            <a:solidFill>
+                              <a:srgbClr val="FF0000"/>
+                            </a:solidFill>
+                            <a:latin typeface="Cambria Math" panose="02040503050406030204" pitchFamily="18" charset="0"/>
                           </a:rPr>
                         </m:ctrlPr>
                       </m:fPr>
                       <m:num>
                         <m:r>
                           <a:rPr lang="en-US" b="0" i="1" smtClean="0">
+                            <a:solidFill>
+                              <a:srgbClr val="FF0000"/>
+                            </a:solidFill>
                             <a:latin typeface="Cambria Math"/>
                           </a:rPr>
                           <m:t>1</m:t>
@@ -8081,13 +7798,19 @@
                           <m:sSubPr>
                             <m:ctrlPr>
                               <a:rPr lang="en-US" b="0" i="1" smtClean="0">
-                                <a:latin typeface="Cambria Math"/>
+                                <a:solidFill>
+                                  <a:srgbClr val="FF0000"/>
+                                </a:solidFill>
+                                <a:latin typeface="Cambria Math" panose="02040503050406030204" pitchFamily="18" charset="0"/>
                               </a:rPr>
                             </m:ctrlPr>
                           </m:sSubPr>
                           <m:e>
                             <m:r>
                               <a:rPr lang="en-US" b="0" i="1" smtClean="0">
+                                <a:solidFill>
+                                  <a:srgbClr val="FF0000"/>
+                                </a:solidFill>
                                 <a:latin typeface="Cambria Math"/>
                                 <a:ea typeface="Cambria Math"/>
                               </a:rPr>
@@ -8097,6 +7820,9 @@
                           <m:sub>
                             <m:r>
                               <a:rPr lang="en-US" b="0" i="1" smtClean="0">
+                                <a:solidFill>
+                                  <a:srgbClr val="FF0000"/>
+                                </a:solidFill>
                                 <a:latin typeface="Cambria Math"/>
                               </a:rPr>
                               <m:t>0</m:t>
@@ -8107,6 +7833,9 @@
                     </m:f>
                     <m:r>
                       <a:rPr lang="en-US" b="0" i="1" smtClean="0">
+                        <a:solidFill>
+                          <a:srgbClr val="FF0000"/>
+                        </a:solidFill>
                         <a:latin typeface="Cambria Math"/>
                       </a:rPr>
                       <m:t>)</m:t>
@@ -8114,10 +7843,9 @@
                   </m:oMath>
                 </a14:m>
                 <a:r>
-                  <a:rPr lang="en-US" dirty="0" smtClean="0"/>
+                  <a:rPr lang="en-US" dirty="0"/>
                   <a:t>].</a:t>
                 </a:r>
-                <a:endParaRPr lang="en-US" dirty="0" smtClean="0"/>
               </a:p>
               <a:p>
                 <a:pPr marL="137160" indent="0" algn="just">
@@ -8141,15 +7869,11 @@
                 </a:r>
                 <a:r>
                   <a:rPr lang="en-US" dirty="0"/>
-                  <a:t>, </a:t>
-                </a:r>
-                <a:r>
-                  <a:rPr lang="en-US" dirty="0" smtClean="0"/>
-                  <a:t>2020; </a:t>
+                  <a:t>, 2020; </a:t>
                 </a:r>
                 <a:r>
                   <a:rPr lang="en-US" sz="2800" dirty="0"/>
-                  <a:t>Liu, S., Niles-Weed, </a:t>
+                  <a:t>Liu, Niles-Weed, </a:t>
                 </a:r>
                 <a:r>
                   <a:rPr lang="en-US" sz="2800" dirty="0" err="1"/>
@@ -8168,10 +7892,9 @@
                   <a:t>, 2020</a:t>
                 </a:r>
                 <a:r>
-                  <a:rPr lang="en-US" dirty="0" smtClean="0"/>
+                  <a:rPr lang="en-US" dirty="0"/>
                   <a:t>)</a:t>
                 </a:r>
-                <a:endParaRPr lang="en-US" dirty="0"/>
               </a:p>
             </p:txBody>
           </p:sp>
@@ -8189,13 +7912,13 @@
             </p:nvSpPr>
             <p:spPr>
               <a:xfrm>
-                <a:off x="457200" y="1481328"/>
+                <a:off x="457200" y="1484784"/>
                 <a:ext cx="8229600" cy="3027792"/>
               </a:xfrm>
-              <a:blipFill rotWithShape="1">
+              <a:blipFill>
                 <a:blip r:embed="rId3"/>
                 <a:stretch>
-                  <a:fillRect t="-1811" r="-741" b="-3421"/>
+                  <a:fillRect t="-2092" r="-772" b="-3347"/>
                 </a:stretch>
               </a:blipFill>
             </p:spPr>
@@ -8244,8 +7967,140 @@
           <a:chExt cx="0" cy="0"/>
         </a:xfrm>
       </p:grpSpPr>
-      <mc:AlternateContent xmlns:mc="http://schemas.openxmlformats.org/markup-compatibility/2006" xmlns:a14="http://schemas.microsoft.com/office/drawing/2010/main">
-        <mc:Choice Requires="a14">
+      <p:sp>
+        <p:nvSpPr>
+          <p:cNvPr id="3" name="Title 2"/>
+          <p:cNvSpPr>
+            <a:spLocks noGrp="1"/>
+          </p:cNvSpPr>
+          <p:nvPr>
+            <p:ph type="title"/>
+          </p:nvPr>
+        </p:nvSpPr>
+        <p:spPr>
+          <a:xfrm>
+            <a:off x="457199" y="5049060"/>
+            <a:ext cx="8229600" cy="1143000"/>
+          </a:xfrm>
+        </p:spPr>
+        <p:txBody>
+          <a:bodyPr>
+            <a:normAutofit/>
+          </a:bodyPr>
+          <a:lstStyle/>
+          <a:p>
+            <a:pPr algn="ctr"/>
+            <a:r>
+              <a:rPr lang="en-US" sz="2000" dirty="0"/>
+              <a:t>(Liu, Niles-Weed, </a:t>
+            </a:r>
+            <a:r>
+              <a:rPr lang="en-US" sz="2000" dirty="0" err="1"/>
+              <a:t>Razavian</a:t>
+            </a:r>
+            <a:r>
+              <a:rPr lang="en-US" sz="2000" dirty="0"/>
+              <a:t>, &amp; Fernandez-</a:t>
+            </a:r>
+            <a:r>
+              <a:rPr lang="en-US" sz="2000" dirty="0" err="1"/>
+              <a:t>Granda</a:t>
+            </a:r>
+            <a:r>
+              <a:rPr lang="en-US" sz="2000" dirty="0"/>
+              <a:t>, 2020)</a:t>
+            </a:r>
+          </a:p>
+        </p:txBody>
+      </p:sp>
+      <p:pic>
+        <p:nvPicPr>
+          <p:cNvPr id="1027" name="Picture 3"/>
+          <p:cNvPicPr>
+            <a:picLocks noGrp="1" noChangeAspect="1" noChangeArrowheads="1"/>
+          </p:cNvPicPr>
+          <p:nvPr>
+            <p:ph idx="1"/>
+          </p:nvPr>
+        </p:nvPicPr>
+        <p:blipFill>
+          <a:blip r:embed="rId2">
+            <a:extLst>
+              <a:ext uri="{28A0092B-C50C-407E-A947-70E740481C1C}">
+                <a14:useLocalDpi xmlns:a14="http://schemas.microsoft.com/office/drawing/2010/main" val="0"/>
+              </a:ext>
+            </a:extLst>
+          </a:blip>
+          <a:srcRect/>
+          <a:stretch>
+            <a:fillRect/>
+          </a:stretch>
+        </p:blipFill>
+        <p:spPr bwMode="auto">
+          <a:xfrm>
+            <a:off x="471487" y="764704"/>
+            <a:ext cx="8201025" cy="4257675"/>
+          </a:xfrm>
+          <a:prstGeom prst="rect">
+            <a:avLst/>
+          </a:prstGeom>
+          <a:noFill/>
+          <a:ln>
+            <a:noFill/>
+          </a:ln>
+          <a:extLst>
+            <a:ext uri="{909E8E84-426E-40DD-AFC4-6F175D3DCCD1}">
+              <a14:hiddenFill xmlns:a14="http://schemas.microsoft.com/office/drawing/2010/main">
+                <a:solidFill>
+                  <a:schemeClr val="accent1"/>
+                </a:solidFill>
+              </a14:hiddenFill>
+            </a:ext>
+            <a:ext uri="{91240B29-F687-4F45-9708-019B960494DF}">
+              <a14:hiddenLine xmlns:a14="http://schemas.microsoft.com/office/drawing/2010/main" w="9525">
+                <a:solidFill>
+                  <a:schemeClr val="tx1"/>
+                </a:solidFill>
+                <a:miter lim="800000"/>
+                <a:headEnd/>
+                <a:tailEnd/>
+              </a14:hiddenLine>
+            </a:ext>
+          </a:extLst>
+        </p:spPr>
+      </p:pic>
+    </p:spTree>
+    <p:extLst>
+      <p:ext uri="{BB962C8B-B14F-4D97-AF65-F5344CB8AC3E}">
+        <p14:creationId xmlns:p14="http://schemas.microsoft.com/office/powerpoint/2010/main" val="3866655431"/>
+      </p:ext>
+    </p:extLst>
+  </p:cSld>
+  <p:clrMapOvr>
+    <a:masterClrMapping/>
+  </p:clrMapOvr>
+</p:sld>
+</file>
+
+<file path=ppt/slides/slide5.xml><?xml version="1.0" encoding="utf-8"?>
+<p:sld xmlns:a="http://schemas.openxmlformats.org/drawingml/2006/main" xmlns:r="http://schemas.openxmlformats.org/officeDocument/2006/relationships" xmlns:p="http://schemas.openxmlformats.org/presentationml/2006/main">
+  <p:cSld>
+    <p:spTree>
+      <p:nvGrpSpPr>
+        <p:cNvPr id="1" name=""/>
+        <p:cNvGrpSpPr/>
+        <p:nvPr/>
+      </p:nvGrpSpPr>
+      <p:grpSpPr>
+        <a:xfrm>
+          <a:off x="0" y="0"/>
+          <a:ext cx="0" cy="0"/>
+          <a:chOff x="0" y="0"/>
+          <a:chExt cx="0" cy="0"/>
+        </a:xfrm>
+      </p:grpSpPr>
+      <mc:AlternateContent xmlns:mc="http://schemas.openxmlformats.org/markup-compatibility/2006">
+        <mc:Choice xmlns:a14="http://schemas.microsoft.com/office/drawing/2010/main" Requires="a14">
           <p:sp>
             <p:nvSpPr>
               <p:cNvPr id="2" name="Content Placeholder 1"/>
@@ -8274,7 +8129,7 @@
                         <m:sSubPr>
                           <m:ctrlPr>
                             <a:rPr lang="en-US" sz="2600" b="0" i="1" smtClean="0">
-                              <a:latin typeface="Cambria Math"/>
+                              <a:latin typeface="Cambria Math" panose="02040503050406030204" pitchFamily="18" charset="0"/>
                             </a:rPr>
                           </m:ctrlPr>
                         </m:sSubPr>
@@ -8305,7 +8160,7 @@
                         <m:funcPr>
                           <m:ctrlPr>
                             <a:rPr lang="en-US" sz="2600" b="0" i="1" smtClean="0">
-                              <a:latin typeface="Cambria Math"/>
+                              <a:latin typeface="Cambria Math" panose="02040503050406030204" pitchFamily="18" charset="0"/>
                             </a:rPr>
                           </m:ctrlPr>
                         </m:funcPr>
@@ -8314,7 +8169,7 @@
                             <m:limLowPr>
                               <m:ctrlPr>
                                 <a:rPr lang="en-US" sz="2600" b="0" i="1" smtClean="0">
-                                  <a:latin typeface="Cambria Math"/>
+                                  <a:latin typeface="Cambria Math" panose="02040503050406030204" pitchFamily="18" charset="0"/>
                                 </a:rPr>
                               </m:ctrlPr>
                             </m:limLowPr>
@@ -8344,7 +8199,7 @@
                             <m:fPr>
                               <m:ctrlPr>
                                 <a:rPr lang="en-US" sz="2600" b="0" i="1" smtClean="0">
-                                  <a:latin typeface="Cambria Math"/>
+                                  <a:latin typeface="Cambria Math" panose="02040503050406030204" pitchFamily="18" charset="0"/>
                                 </a:rPr>
                               </m:ctrlPr>
                             </m:fPr>
@@ -8370,7 +8225,7 @@
                               <m:chr m:val="∑"/>
                               <m:ctrlPr>
                                 <a:rPr lang="en-US" sz="2600" b="0" i="1" smtClean="0">
-                                  <a:latin typeface="Cambria Math"/>
+                                  <a:latin typeface="Cambria Math" panose="02040503050406030204" pitchFamily="18" charset="0"/>
                                 </a:rPr>
                               </m:ctrlPr>
                             </m:naryPr>
@@ -8404,7 +8259,7 @@
                                 <m:sSupPr>
                                   <m:ctrlPr>
                                     <a:rPr lang="en-US" sz="2600" b="0" i="1" smtClean="0">
-                                      <a:latin typeface="Cambria Math"/>
+                                      <a:latin typeface="Cambria Math" panose="02040503050406030204" pitchFamily="18" charset="0"/>
                                     </a:rPr>
                                   </m:ctrlPr>
                                 </m:sSupPr>
@@ -8419,7 +8274,7 @@
                                     <m:sSubPr>
                                       <m:ctrlPr>
                                         <a:rPr lang="en-US" sz="2600" i="1">
-                                          <a:latin typeface="Cambria Math"/>
+                                          <a:latin typeface="Cambria Math" panose="02040503050406030204" pitchFamily="18" charset="0"/>
                                         </a:rPr>
                                       </m:ctrlPr>
                                     </m:sSubPr>
@@ -8456,7 +8311,7 @@
                                     <m:dPr>
                                       <m:ctrlPr>
                                         <a:rPr lang="en-US" sz="2600" i="1">
-                                          <a:latin typeface="Cambria Math"/>
+                                          <a:latin typeface="Cambria Math" panose="02040503050406030204" pitchFamily="18" charset="0"/>
                                         </a:rPr>
                                       </m:ctrlPr>
                                     </m:dPr>
@@ -8477,7 +8332,7 @@
                                         <m:sSubPr>
                                           <m:ctrlPr>
                                             <a:rPr lang="en-US" sz="2600" i="1">
-                                              <a:latin typeface="Cambria Math"/>
+                                              <a:latin typeface="Cambria Math" panose="02040503050406030204" pitchFamily="18" charset="0"/>
                                             </a:rPr>
                                           </m:ctrlPr>
                                         </m:sSubPr>
@@ -8531,37 +8386,51 @@
                             </a:rPr>
                             <m:t>𝜆</m:t>
                           </m:r>
-                          <m:sSup>
-                            <m:sSupPr>
+                          <m:sSubSup>
+                            <m:sSubSupPr>
                               <m:ctrlPr>
-                                <a:rPr lang="en-US" sz="2600" b="0" i="1" smtClean="0">
-                                  <a:latin typeface="Cambria Math"/>
+                                <a:rPr lang="en-US" sz="2600" i="1">
+                                  <a:latin typeface="Cambria Math" panose="02040503050406030204" pitchFamily="18" charset="0"/>
                                   <a:ea typeface="Cambria Math"/>
                                 </a:rPr>
                               </m:ctrlPr>
-                            </m:sSupPr>
+                            </m:sSubSupPr>
                             <m:e>
-                              <m:sSubSup>
-                                <m:sSubSupPr>
+                              <m:d>
+                                <m:dPr>
+                                  <m:begChr m:val="‖"/>
+                                  <m:endChr m:val="‖"/>
                                   <m:ctrlPr>
+                                    <a:rPr lang="en-US" sz="2600" i="1">
+                                      <a:latin typeface="Cambria Math" panose="02040503050406030204" pitchFamily="18" charset="0"/>
+                                      <a:ea typeface="Cambria Math"/>
+                                    </a:rPr>
+                                  </m:ctrlPr>
+                                </m:dPr>
+                                <m:e>
+                                  <m:r>
                                     <a:rPr lang="en-US" sz="2600" i="1">
                                       <a:latin typeface="Cambria Math"/>
                                       <a:ea typeface="Cambria Math"/>
                                     </a:rPr>
-                                  </m:ctrlPr>
-                                </m:sSubSupPr>
-                                <m:e>
-                                  <m:d>
-                                    <m:dPr>
-                                      <m:begChr m:val="‖"/>
-                                      <m:endChr m:val="‖"/>
+                                    <m:t>𝑊</m:t>
+                                  </m:r>
+                                  <m:r>
+                                    <a:rPr lang="en-US" sz="2600" i="1">
+                                      <a:latin typeface="Cambria Math"/>
+                                      <a:ea typeface="Cambria Math"/>
+                                    </a:rPr>
+                                    <m:t>−</m:t>
+                                  </m:r>
+                                  <m:sSub>
+                                    <m:sSubPr>
                                       <m:ctrlPr>
                                         <a:rPr lang="en-US" sz="2600" i="1">
-                                          <a:latin typeface="Cambria Math"/>
+                                          <a:latin typeface="Cambria Math" panose="02040503050406030204" pitchFamily="18" charset="0"/>
                                           <a:ea typeface="Cambria Math"/>
                                         </a:rPr>
                                       </m:ctrlPr>
-                                    </m:dPr>
+                                    </m:sSubPr>
                                     <m:e>
                                       <m:r>
                                         <a:rPr lang="en-US" sz="2600" i="1">
@@ -8570,108 +8439,47 @@
                                         </a:rPr>
                                         <m:t>𝑊</m:t>
                                       </m:r>
+                                    </m:e>
+                                    <m:sub>
                                       <m:r>
                                         <a:rPr lang="en-US" sz="2600" i="1">
                                           <a:latin typeface="Cambria Math"/>
-                                          <a:ea typeface="Cambria Math"/>
                                         </a:rPr>
-                                        <m:t>−</m:t>
+                                        <m:t>0</m:t>
                                       </m:r>
-                                      <m:sSub>
-                                        <m:sSubPr>
-                                          <m:ctrlPr>
-                                            <a:rPr lang="en-US" sz="2600" i="1">
-                                              <a:latin typeface="Cambria Math"/>
-                                              <a:ea typeface="Cambria Math"/>
-                                            </a:rPr>
-                                          </m:ctrlPr>
-                                        </m:sSubPr>
-                                        <m:e>
-                                          <m:r>
-                                            <a:rPr lang="en-US" sz="2600" i="1">
-                                              <a:latin typeface="Cambria Math"/>
-                                              <a:ea typeface="Cambria Math"/>
-                                            </a:rPr>
-                                            <m:t>𝑊</m:t>
-                                          </m:r>
-                                        </m:e>
-                                        <m:sub>
-                                          <m:r>
-                                            <a:rPr lang="en-US" sz="2600" i="1">
-                                              <a:latin typeface="Cambria Math"/>
-                                            </a:rPr>
-                                            <m:t>0</m:t>
-                                          </m:r>
-                                        </m:sub>
-                                      </m:sSub>
-                                    </m:e>
-                                  </m:d>
+                                    </m:sub>
+                                  </m:sSub>
                                 </m:e>
-                                <m:sub>
-                                  <m:r>
-                                    <a:rPr lang="en-US" sz="2600" i="1">
-                                      <a:latin typeface="Cambria Math"/>
-                                    </a:rPr>
-                                    <m:t>𝐹</m:t>
-                                  </m:r>
-                                </m:sub>
-                                <m:sup/>
-                              </m:sSubSup>
+                              </m:d>
                             </m:e>
+                            <m:sub>
+                              <m:r>
+                                <a:rPr lang="en-US" sz="2600" i="1">
+                                  <a:latin typeface="Cambria Math"/>
+                                </a:rPr>
+                                <m:t>𝐹</m:t>
+                              </m:r>
+                            </m:sub>
                             <m:sup>
                               <m:r>
-                                <a:rPr lang="en-US" sz="2600" b="0" i="1" smtClean="0">
-                                  <a:latin typeface="Cambria Math"/>
-                                  <a:ea typeface="Cambria Math"/>
+                                <a:rPr lang="en-US" sz="2600" i="1">
+                                  <a:latin typeface="Cambria Math" panose="02040503050406030204" pitchFamily="18" charset="0"/>
                                 </a:rPr>
                                 <m:t>2</m:t>
                               </m:r>
                             </m:sup>
-                          </m:sSup>
+                          </m:sSubSup>
                         </m:e>
                       </m:func>
                     </m:oMath>
                   </m:oMathPara>
                 </a14:m>
-                <a:endParaRPr lang="en-US" sz="2600" dirty="0" smtClean="0"/>
-              </a:p>
-              <a:p>
-                <a:pPr marL="109728" indent="0">
-                  <a:buNone/>
-                </a:pPr>
-                <a:r>
-                  <a:rPr lang="en-US" sz="2000" dirty="0" smtClean="0"/>
-                  <a:t>(</a:t>
-                </a:r>
-                <a:r>
-                  <a:rPr lang="en-US" sz="2000" dirty="0"/>
-                  <a:t>Li, </a:t>
-                </a:r>
-                <a:r>
-                  <a:rPr lang="en-US" sz="2000" dirty="0" err="1"/>
-                  <a:t>Soltanolkotabi</a:t>
-                </a:r>
-                <a:r>
-                  <a:rPr lang="en-US" sz="2000" dirty="0"/>
-                  <a:t>, &amp; </a:t>
-                </a:r>
-                <a:r>
-                  <a:rPr lang="en-US" sz="2000" dirty="0" err="1"/>
-                  <a:t>Oymak</a:t>
-                </a:r>
-                <a:r>
-                  <a:rPr lang="en-US" sz="2000" dirty="0"/>
-                  <a:t>, </a:t>
-                </a:r>
-                <a:r>
-                  <a:rPr lang="en-US" sz="2000" dirty="0" smtClean="0"/>
-                  <a:t>2020)</a:t>
-                </a:r>
+                <a:endParaRPr lang="en-US" sz="2600" dirty="0"/>
               </a:p>
             </p:txBody>
           </p:sp>
         </mc:Choice>
-        <mc:Fallback xmlns="">
+        <mc:Fallback>
           <p:sp>
             <p:nvSpPr>
               <p:cNvPr id="2" name="Content Placeholder 1"/>
@@ -8683,10 +8491,10 @@
               </p:nvPr>
             </p:nvSpPr>
             <p:spPr>
-              <a:blipFill rotWithShape="1">
+              <a:blipFill>
                 <a:blip r:embed="rId2"/>
                 <a:stretch>
-                  <a:fillRect/>
+                  <a:fillRect b="-7003"/>
                 </a:stretch>
               </a:blipFill>
             </p:spPr>
@@ -8723,21 +8531,32 @@
           <a:lstStyle/>
           <a:p>
             <a:r>
-              <a:rPr lang="en-US" dirty="0" smtClean="0"/>
-              <a:t>Ridge Regression</a:t>
+              <a:rPr lang="en-US" sz="3100" dirty="0"/>
+              <a:t>Inspired by Closeness to Model Initialization</a:t>
             </a:r>
             <a:br>
-              <a:rPr lang="en-US" dirty="0" smtClean="0"/>
+              <a:rPr lang="en-US" sz="3100" dirty="0"/>
             </a:br>
             <a:r>
-              <a:rPr lang="en-US" sz="3100" dirty="0"/>
-              <a:t>I</a:t>
-            </a:r>
-            <a:r>
-              <a:rPr lang="en-US" sz="3100" dirty="0" smtClean="0"/>
-              <a:t>nspired by Closeness to Model Initialization</a:t>
-            </a:r>
-            <a:endParaRPr lang="en-US" sz="3100" dirty="0"/>
+              <a:rPr lang="en-US" sz="2200" dirty="0"/>
+              <a:t>(Li, </a:t>
+            </a:r>
+            <a:r>
+              <a:rPr lang="en-US" sz="2200" dirty="0" err="1"/>
+              <a:t>Soltanolkotabi</a:t>
+            </a:r>
+            <a:r>
+              <a:rPr lang="en-US" sz="2200" dirty="0"/>
+              <a:t>, &amp; </a:t>
+            </a:r>
+            <a:r>
+              <a:rPr lang="en-US" sz="2200" dirty="0" err="1"/>
+              <a:t>Oymak</a:t>
+            </a:r>
+            <a:r>
+              <a:rPr lang="en-US" sz="2200" dirty="0"/>
+              <a:t>, 2020)</a:t>
+            </a:r>
           </a:p>
         </p:txBody>
       </p:sp>
@@ -8745,136 +8564,6 @@
     <p:extLst>
       <p:ext uri="{BB962C8B-B14F-4D97-AF65-F5344CB8AC3E}">
         <p14:creationId xmlns:p14="http://schemas.microsoft.com/office/powerpoint/2010/main" val="2044169289"/>
-      </p:ext>
-    </p:extLst>
-  </p:cSld>
-  <p:clrMapOvr>
-    <a:masterClrMapping/>
-  </p:clrMapOvr>
-</p:sld>
-</file>
-
-<file path=ppt/slides/slide5.xml><?xml version="1.0" encoding="utf-8"?>
-<p:sld xmlns:a="http://schemas.openxmlformats.org/drawingml/2006/main" xmlns:r="http://schemas.openxmlformats.org/officeDocument/2006/relationships" xmlns:p="http://schemas.openxmlformats.org/presentationml/2006/main">
-  <p:cSld>
-    <p:spTree>
-      <p:nvGrpSpPr>
-        <p:cNvPr id="1" name=""/>
-        <p:cNvGrpSpPr/>
-        <p:nvPr/>
-      </p:nvGrpSpPr>
-      <p:grpSpPr>
-        <a:xfrm>
-          <a:off x="0" y="0"/>
-          <a:ext cx="0" cy="0"/>
-          <a:chOff x="0" y="0"/>
-          <a:chExt cx="0" cy="0"/>
-        </a:xfrm>
-      </p:grpSpPr>
-      <p:sp>
-        <p:nvSpPr>
-          <p:cNvPr id="3" name="Title 2"/>
-          <p:cNvSpPr>
-            <a:spLocks noGrp="1"/>
-          </p:cNvSpPr>
-          <p:nvPr>
-            <p:ph type="title"/>
-          </p:nvPr>
-        </p:nvSpPr>
-        <p:spPr/>
-        <p:txBody>
-          <a:bodyPr>
-            <a:normAutofit/>
-          </a:bodyPr>
-          <a:lstStyle/>
-          <a:p>
-            <a:r>
-              <a:rPr lang="en-US" sz="2000" dirty="0" smtClean="0"/>
-              <a:t>(</a:t>
-            </a:r>
-            <a:r>
-              <a:rPr lang="en-US" sz="2000" dirty="0"/>
-              <a:t>Liu, S., Niles-Weed, </a:t>
-            </a:r>
-            <a:r>
-              <a:rPr lang="en-US" sz="2000" dirty="0" err="1"/>
-              <a:t>Razavian</a:t>
-            </a:r>
-            <a:r>
-              <a:rPr lang="en-US" sz="2000" dirty="0"/>
-              <a:t>, &amp; Fernandez-</a:t>
-            </a:r>
-            <a:r>
-              <a:rPr lang="en-US" sz="2000" dirty="0" err="1"/>
-              <a:t>Granda</a:t>
-            </a:r>
-            <a:r>
-              <a:rPr lang="en-US" sz="2000" dirty="0"/>
-              <a:t>, 2020)</a:t>
-            </a:r>
-          </a:p>
-        </p:txBody>
-      </p:sp>
-      <p:pic>
-        <p:nvPicPr>
-          <p:cNvPr id="1027" name="Picture 3"/>
-          <p:cNvPicPr>
-            <a:picLocks noGrp="1" noChangeAspect="1" noChangeArrowheads="1"/>
-          </p:cNvPicPr>
-          <p:nvPr>
-            <p:ph idx="1"/>
-          </p:nvPr>
-        </p:nvPicPr>
-        <p:blipFill>
-          <a:blip r:embed="rId2">
-            <a:extLst>
-              <a:ext uri="{28A0092B-C50C-407E-A947-70E740481C1C}">
-                <a14:useLocalDpi xmlns:a14="http://schemas.microsoft.com/office/drawing/2010/main" val="0"/>
-              </a:ext>
-            </a:extLst>
-          </a:blip>
-          <a:srcRect/>
-          <a:stretch>
-            <a:fillRect/>
-          </a:stretch>
-        </p:blipFill>
-        <p:spPr bwMode="auto">
-          <a:xfrm>
-            <a:off x="471487" y="1615281"/>
-            <a:ext cx="8201025" cy="4257675"/>
-          </a:xfrm>
-          <a:prstGeom prst="rect">
-            <a:avLst/>
-          </a:prstGeom>
-          <a:noFill/>
-          <a:ln>
-            <a:noFill/>
-          </a:ln>
-          <a:extLst>
-            <a:ext uri="{909E8E84-426E-40DD-AFC4-6F175D3DCCD1}">
-              <a14:hiddenFill xmlns:a14="http://schemas.microsoft.com/office/drawing/2010/main">
-                <a:solidFill>
-                  <a:schemeClr val="accent1"/>
-                </a:solidFill>
-              </a14:hiddenFill>
-            </a:ext>
-            <a:ext uri="{91240B29-F687-4F45-9708-019B960494DF}">
-              <a14:hiddenLine xmlns:a14="http://schemas.microsoft.com/office/drawing/2010/main" w="9525">
-                <a:solidFill>
-                  <a:schemeClr val="tx1"/>
-                </a:solidFill>
-                <a:miter lim="800000"/>
-                <a:headEnd/>
-                <a:tailEnd/>
-              </a14:hiddenLine>
-            </a:ext>
-          </a:extLst>
-        </p:spPr>
-      </p:pic>
-    </p:spTree>
-    <p:extLst>
-      <p:ext uri="{BB962C8B-B14F-4D97-AF65-F5344CB8AC3E}">
-        <p14:creationId xmlns:p14="http://schemas.microsoft.com/office/powerpoint/2010/main" val="3866655431"/>
       </p:ext>
     </p:extLst>
   </p:cSld>
@@ -8901,8 +8590,8 @@
           <a:chExt cx="0" cy="0"/>
         </a:xfrm>
       </p:grpSpPr>
-      <mc:AlternateContent xmlns:mc="http://schemas.openxmlformats.org/markup-compatibility/2006" xmlns:a14="http://schemas.microsoft.com/office/drawing/2010/main">
-        <mc:Choice Requires="a14">
+      <mc:AlternateContent xmlns:mc="http://schemas.openxmlformats.org/markup-compatibility/2006">
+        <mc:Choice xmlns:a14="http://schemas.microsoft.com/office/drawing/2010/main" Requires="a14">
           <p:sp>
             <p:nvSpPr>
               <p:cNvPr id="2" name="Content Placeholder 1"/>
@@ -8957,7 +8646,7 @@
                         <m:sSubPr>
                           <m:ctrlPr>
                             <a:rPr lang="en-US" sz="2800" b="0" i="1" smtClean="0">
-                              <a:latin typeface="Cambria Math"/>
+                              <a:latin typeface="Cambria Math" panose="02040503050406030204" pitchFamily="18" charset="0"/>
                             </a:rPr>
                           </m:ctrlPr>
                         </m:sSubPr>
@@ -8982,7 +8671,7 @@
                         <m:dPr>
                           <m:ctrlPr>
                             <a:rPr lang="en-US" sz="2800" b="0" i="1" smtClean="0">
-                              <a:latin typeface="Cambria Math"/>
+                              <a:latin typeface="Cambria Math" panose="02040503050406030204" pitchFamily="18" charset="0"/>
                             </a:rPr>
                           </m:ctrlPr>
                         </m:dPr>
@@ -9007,7 +8696,7 @@
                         <m:fPr>
                           <m:ctrlPr>
                             <a:rPr lang="en-US" sz="2800" b="0" i="1" smtClean="0">
-                              <a:latin typeface="Cambria Math"/>
+                              <a:latin typeface="Cambria Math" panose="02040503050406030204" pitchFamily="18" charset="0"/>
                               <a:ea typeface="Cambria Math"/>
                             </a:rPr>
                           </m:ctrlPr>
@@ -9036,7 +8725,7 @@
                           <m:chr m:val="∑"/>
                           <m:ctrlPr>
                             <a:rPr lang="en-US" sz="2800" b="0" i="1" smtClean="0">
-                              <a:latin typeface="Cambria Math"/>
+                              <a:latin typeface="Cambria Math" panose="02040503050406030204" pitchFamily="18" charset="0"/>
                               <a:ea typeface="Cambria Math"/>
                             </a:rPr>
                           </m:ctrlPr>
@@ -9075,7 +8764,7 @@
                               <m:chr m:val="∑"/>
                               <m:ctrlPr>
                                 <a:rPr lang="en-US" sz="2800" b="0" i="1" smtClean="0">
-                                  <a:latin typeface="Cambria Math"/>
+                                  <a:latin typeface="Cambria Math" panose="02040503050406030204" pitchFamily="18" charset="0"/>
                                   <a:ea typeface="Cambria Math"/>
                                 </a:rPr>
                               </m:ctrlPr>
@@ -9109,74 +8798,62 @@
                               </m:r>
                             </m:sup>
                             <m:e>
-                              <m:sSup>
-                                <m:sSupPr>
+                              <m:sSubSup>
+                                <m:sSubSupPr>
                                   <m:ctrlPr>
                                     <a:rPr lang="en-US" sz="2800" b="0" i="1" smtClean="0">
-                                      <a:latin typeface="Cambria Math"/>
+                                      <a:latin typeface="Cambria Math" panose="02040503050406030204" pitchFamily="18" charset="0"/>
                                       <a:ea typeface="Cambria Math"/>
                                     </a:rPr>
                                   </m:ctrlPr>
-                                </m:sSupPr>
+                                </m:sSubSupPr>
                                 <m:e>
-                                  <m:sSub>
-                                    <m:sSubPr>
-                                      <m:ctrlPr>
-                                        <a:rPr lang="en-US" sz="2800" b="0" i="1" smtClean="0">
-                                          <a:latin typeface="Cambria Math"/>
-                                          <a:ea typeface="Cambria Math"/>
-                                        </a:rPr>
-                                      </m:ctrlPr>
-                                    </m:sSubPr>
-                                    <m:e>
-                                      <m:r>
-                                        <a:rPr lang="en-US" sz="2800" b="0" i="1" smtClean="0">
-                                          <a:latin typeface="Cambria Math"/>
-                                          <a:ea typeface="Cambria Math"/>
-                                        </a:rPr>
-                                        <m:t>𝑡</m:t>
-                                      </m:r>
-                                    </m:e>
-                                    <m:sub>
-                                      <m:r>
-                                        <a:rPr lang="en-US" sz="2800" b="0" i="1" smtClean="0">
-                                          <a:latin typeface="Cambria Math"/>
-                                          <a:ea typeface="Cambria Math"/>
-                                        </a:rPr>
-                                        <m:t>𝑐</m:t>
-                                      </m:r>
-                                    </m:sub>
-                                  </m:sSub>
+                                  <m:r>
+                                    <a:rPr lang="en-US" sz="2800" b="0" i="1" smtClean="0">
+                                      <a:latin typeface="Cambria Math" panose="02040503050406030204" pitchFamily="18" charset="0"/>
+                                      <a:ea typeface="Cambria Math"/>
+                                    </a:rPr>
+                                    <m:t>𝑡</m:t>
+                                  </m:r>
                                 </m:e>
+                                <m:sub>
+                                  <m:r>
+                                    <a:rPr lang="en-US" sz="2800" b="0" i="1" smtClean="0">
+                                      <a:latin typeface="Cambria Math" panose="02040503050406030204" pitchFamily="18" charset="0"/>
+                                      <a:ea typeface="Cambria Math"/>
+                                    </a:rPr>
+                                    <m:t>𝑐</m:t>
+                                  </m:r>
+                                </m:sub>
                                 <m:sup>
                                   <m:r>
                                     <a:rPr lang="en-US" sz="2800" b="0" i="1" smtClean="0">
-                                      <a:latin typeface="Cambria Math"/>
+                                      <a:latin typeface="Cambria Math" panose="02040503050406030204" pitchFamily="18" charset="0"/>
                                       <a:ea typeface="Cambria Math"/>
                                     </a:rPr>
                                     <m:t>[</m:t>
                                   </m:r>
                                   <m:r>
                                     <a:rPr lang="en-US" sz="2800" b="0" i="1" smtClean="0">
-                                      <a:latin typeface="Cambria Math"/>
+                                      <a:latin typeface="Cambria Math" panose="02040503050406030204" pitchFamily="18" charset="0"/>
                                       <a:ea typeface="Cambria Math"/>
                                     </a:rPr>
                                     <m:t>𝑖</m:t>
                                   </m:r>
                                   <m:r>
                                     <a:rPr lang="en-US" sz="2800" b="0" i="1" smtClean="0">
-                                      <a:latin typeface="Cambria Math"/>
+                                      <a:latin typeface="Cambria Math" panose="02040503050406030204" pitchFamily="18" charset="0"/>
                                       <a:ea typeface="Cambria Math"/>
                                     </a:rPr>
                                     <m:t>]</m:t>
                                   </m:r>
                                 </m:sup>
-                              </m:sSup>
+                              </m:sSubSup>
                               <m:func>
                                 <m:funcPr>
                                   <m:ctrlPr>
                                     <a:rPr lang="en-US" sz="2800" b="0" i="1" smtClean="0">
-                                      <a:latin typeface="Cambria Math"/>
+                                      <a:latin typeface="Cambria Math" panose="02040503050406030204" pitchFamily="18" charset="0"/>
                                       <a:ea typeface="Cambria Math"/>
                                     </a:rPr>
                                   </m:ctrlPr>
@@ -9194,69 +8871,57 @@
                                   </m:r>
                                 </m:fName>
                                 <m:e>
-                                  <m:sSup>
-                                    <m:sSupPr>
+                                  <m:sSubSup>
+                                    <m:sSubSupPr>
                                       <m:ctrlPr>
-                                        <a:rPr lang="en-US" sz="2800" i="1">
-                                          <a:latin typeface="Cambria Math"/>
+                                        <a:rPr lang="en-US" sz="2800" b="0" i="1" smtClean="0">
+                                          <a:latin typeface="Cambria Math" panose="02040503050406030204" pitchFamily="18" charset="0"/>
                                           <a:ea typeface="Cambria Math"/>
                                         </a:rPr>
                                       </m:ctrlPr>
-                                    </m:sSupPr>
+                                    </m:sSubSupPr>
                                     <m:e>
-                                      <m:sSub>
-                                        <m:sSubPr>
-                                          <m:ctrlPr>
-                                            <a:rPr lang="en-US" sz="2800" i="1">
-                                              <a:latin typeface="Cambria Math"/>
-                                              <a:ea typeface="Cambria Math"/>
-                                            </a:rPr>
-                                          </m:ctrlPr>
-                                        </m:sSubPr>
-                                        <m:e>
-                                          <m:r>
-                                            <a:rPr lang="en-US" sz="2800" b="0" i="1" smtClean="0">
-                                              <a:latin typeface="Cambria Math"/>
-                                              <a:ea typeface="Cambria Math"/>
-                                            </a:rPr>
-                                            <m:t>𝑝</m:t>
-                                          </m:r>
-                                        </m:e>
-                                        <m:sub>
-                                          <m:r>
-                                            <a:rPr lang="en-US" sz="2800" i="1">
-                                              <a:latin typeface="Cambria Math"/>
-                                              <a:ea typeface="Cambria Math"/>
-                                            </a:rPr>
-                                            <m:t>𝑐</m:t>
-                                          </m:r>
-                                        </m:sub>
-                                      </m:sSub>
+                                      <m:r>
+                                        <a:rPr lang="en-US" sz="2800" b="0" i="1" smtClean="0">
+                                          <a:latin typeface="Cambria Math" panose="02040503050406030204" pitchFamily="18" charset="0"/>
+                                          <a:ea typeface="Cambria Math"/>
+                                        </a:rPr>
+                                        <m:t>𝑝</m:t>
+                                      </m:r>
                                     </m:e>
+                                    <m:sub>
+                                      <m:r>
+                                        <a:rPr lang="en-US" sz="2800" b="0" i="1" smtClean="0">
+                                          <a:latin typeface="Cambria Math" panose="02040503050406030204" pitchFamily="18" charset="0"/>
+                                          <a:ea typeface="Cambria Math"/>
+                                        </a:rPr>
+                                        <m:t>𝑐</m:t>
+                                      </m:r>
+                                    </m:sub>
                                     <m:sup>
                                       <m:r>
-                                        <a:rPr lang="en-US" sz="2800" i="1">
-                                          <a:latin typeface="Cambria Math"/>
+                                        <a:rPr lang="en-US" sz="2800" b="0" i="1" smtClean="0">
+                                          <a:latin typeface="Cambria Math" panose="02040503050406030204" pitchFamily="18" charset="0"/>
                                           <a:ea typeface="Cambria Math"/>
                                         </a:rPr>
                                         <m:t>[</m:t>
                                       </m:r>
                                       <m:r>
-                                        <a:rPr lang="en-US" sz="2800" i="1">
-                                          <a:latin typeface="Cambria Math"/>
+                                        <a:rPr lang="en-US" sz="2800" b="0" i="1" smtClean="0">
+                                          <a:latin typeface="Cambria Math" panose="02040503050406030204" pitchFamily="18" charset="0"/>
                                           <a:ea typeface="Cambria Math"/>
                                         </a:rPr>
                                         <m:t>𝑖</m:t>
                                       </m:r>
                                       <m:r>
-                                        <a:rPr lang="en-US" sz="2800" i="1">
-                                          <a:latin typeface="Cambria Math"/>
+                                        <a:rPr lang="en-US" sz="2800" b="0" i="1" smtClean="0">
+                                          <a:latin typeface="Cambria Math" panose="02040503050406030204" pitchFamily="18" charset="0"/>
                                           <a:ea typeface="Cambria Math"/>
                                         </a:rPr>
                                         <m:t>]</m:t>
                                       </m:r>
                                     </m:sup>
-                                  </m:sSup>
+                                  </m:sSubSup>
                                 </m:e>
                               </m:func>
                             </m:e>
@@ -9266,14 +8931,14 @@
                     </m:oMath>
                   </m:oMathPara>
                 </a14:m>
-                <a:endParaRPr lang="en-US" sz="2000" i="1" dirty="0" smtClean="0">
+                <a:endParaRPr lang="en-US" sz="2000" i="1" dirty="0">
                   <a:latin typeface="Cambria Math"/>
                   <a:ea typeface="Cambria Math"/>
                 </a:endParaRPr>
               </a:p>
               <a:p>
                 <a:pPr algn="just"/>
-                <a:endParaRPr lang="en-US" sz="2000" i="1" dirty="0" smtClean="0">
+                <a:endParaRPr lang="en-US" sz="2000" i="1" dirty="0">
                   <a:latin typeface="Cambria Math"/>
                   <a:ea typeface="Cambria Math"/>
                 </a:endParaRPr>
@@ -9282,73 +8947,61 @@
                 <a:pPr algn="just"/>
                 <a14:m>
                   <m:oMath xmlns:m="http://schemas.openxmlformats.org/officeDocument/2006/math">
-                    <m:sSup>
-                      <m:sSupPr>
+                    <m:sSubSup>
+                      <m:sSubSupPr>
                         <m:ctrlPr>
-                          <a:rPr lang="en-US" sz="2000" i="1">
-                            <a:latin typeface="Cambria Math"/>
+                          <a:rPr lang="en-US" sz="2000" i="1" dirty="0" smtClean="0">
+                            <a:latin typeface="Cambria Math" panose="02040503050406030204" pitchFamily="18" charset="0"/>
                             <a:ea typeface="Cambria Math"/>
                           </a:rPr>
                         </m:ctrlPr>
-                      </m:sSupPr>
+                      </m:sSubSupPr>
                       <m:e>
-                        <m:sSub>
-                          <m:sSubPr>
-                            <m:ctrlPr>
-                              <a:rPr lang="en-US" sz="2000" i="1">
-                                <a:latin typeface="Cambria Math"/>
-                                <a:ea typeface="Cambria Math"/>
-                              </a:rPr>
-                            </m:ctrlPr>
-                          </m:sSubPr>
-                          <m:e>
-                            <m:r>
-                              <a:rPr lang="en-US" sz="2000" i="1">
-                                <a:latin typeface="Cambria Math"/>
-                                <a:ea typeface="Cambria Math"/>
-                              </a:rPr>
-                              <m:t>𝑡</m:t>
-                            </m:r>
-                          </m:e>
-                          <m:sub>
-                            <m:r>
-                              <a:rPr lang="en-US" sz="2000" i="1">
-                                <a:latin typeface="Cambria Math"/>
-                                <a:ea typeface="Cambria Math"/>
-                              </a:rPr>
-                              <m:t>𝑐</m:t>
-                            </m:r>
-                          </m:sub>
-                        </m:sSub>
+                        <m:r>
+                          <a:rPr lang="en-US" sz="2000" b="0" i="1" dirty="0" smtClean="0">
+                            <a:latin typeface="Cambria Math" panose="02040503050406030204" pitchFamily="18" charset="0"/>
+                            <a:ea typeface="Cambria Math"/>
+                          </a:rPr>
+                          <m:t>𝑡</m:t>
+                        </m:r>
                       </m:e>
+                      <m:sub>
+                        <m:r>
+                          <a:rPr lang="en-US" sz="2000" b="0" i="1" dirty="0" smtClean="0">
+                            <a:latin typeface="Cambria Math" panose="02040503050406030204" pitchFamily="18" charset="0"/>
+                            <a:ea typeface="Cambria Math"/>
+                          </a:rPr>
+                          <m:t>𝑐</m:t>
+                        </m:r>
+                      </m:sub>
                       <m:sup>
                         <m:r>
-                          <a:rPr lang="en-US" sz="2000" i="1">
-                            <a:latin typeface="Cambria Math"/>
+                          <a:rPr lang="en-US" sz="2000" b="0" i="1" dirty="0" smtClean="0">
+                            <a:latin typeface="Cambria Math" panose="02040503050406030204" pitchFamily="18" charset="0"/>
                             <a:ea typeface="Cambria Math"/>
                           </a:rPr>
                           <m:t>[</m:t>
                         </m:r>
                         <m:r>
-                          <a:rPr lang="en-US" sz="2000" i="1">
-                            <a:latin typeface="Cambria Math"/>
+                          <a:rPr lang="en-US" sz="2000" b="0" i="1" dirty="0" smtClean="0">
+                            <a:latin typeface="Cambria Math" panose="02040503050406030204" pitchFamily="18" charset="0"/>
                             <a:ea typeface="Cambria Math"/>
                           </a:rPr>
                           <m:t>𝑖</m:t>
                         </m:r>
                         <m:r>
-                          <a:rPr lang="en-US" sz="2000" i="1">
-                            <a:latin typeface="Cambria Math"/>
+                          <a:rPr lang="en-US" sz="2000" b="0" i="1" dirty="0" smtClean="0">
+                            <a:latin typeface="Cambria Math" panose="02040503050406030204" pitchFamily="18" charset="0"/>
                             <a:ea typeface="Cambria Math"/>
                           </a:rPr>
                           <m:t>]</m:t>
                         </m:r>
                       </m:sup>
-                    </m:sSup>
+                    </m:sSubSup>
                   </m:oMath>
                 </a14:m>
                 <a:r>
-                  <a:rPr lang="en-US" sz="2000" dirty="0" smtClean="0"/>
+                  <a:rPr lang="en-US" sz="2000" dirty="0"/>
                   <a:t>: label modified by past model output</a:t>
                 </a:r>
               </a:p>
@@ -9356,73 +9009,61 @@
                 <a:pPr algn="just"/>
                 <a14:m>
                   <m:oMath xmlns:m="http://schemas.openxmlformats.org/officeDocument/2006/math">
-                    <m:sSup>
-                      <m:sSupPr>
+                    <m:sSubSup>
+                      <m:sSubSupPr>
                         <m:ctrlPr>
-                          <a:rPr lang="en-US" sz="2000" i="1">
-                            <a:latin typeface="Cambria Math"/>
+                          <a:rPr lang="en-US" sz="2000" i="1" dirty="0">
+                            <a:latin typeface="Cambria Math" panose="02040503050406030204" pitchFamily="18" charset="0"/>
                             <a:ea typeface="Cambria Math"/>
                           </a:rPr>
                         </m:ctrlPr>
-                      </m:sSupPr>
+                      </m:sSubSupPr>
                       <m:e>
-                        <m:sSub>
-                          <m:sSubPr>
-                            <m:ctrlPr>
-                              <a:rPr lang="en-US" sz="2000" i="1">
-                                <a:latin typeface="Cambria Math"/>
-                                <a:ea typeface="Cambria Math"/>
-                              </a:rPr>
-                            </m:ctrlPr>
-                          </m:sSubPr>
-                          <m:e>
-                            <m:r>
-                              <a:rPr lang="en-US" sz="2000" i="1">
-                                <a:latin typeface="Cambria Math"/>
-                                <a:ea typeface="Cambria Math"/>
-                              </a:rPr>
-                              <m:t>𝑝</m:t>
-                            </m:r>
-                          </m:e>
-                          <m:sub>
-                            <m:r>
-                              <a:rPr lang="en-US" sz="2000" i="1">
-                                <a:latin typeface="Cambria Math"/>
-                                <a:ea typeface="Cambria Math"/>
-                              </a:rPr>
-                              <m:t>𝑐</m:t>
-                            </m:r>
-                          </m:sub>
-                        </m:sSub>
+                        <m:r>
+                          <a:rPr lang="en-US" sz="2000" b="0" i="1" dirty="0" smtClean="0">
+                            <a:latin typeface="Cambria Math" panose="02040503050406030204" pitchFamily="18" charset="0"/>
+                            <a:ea typeface="Cambria Math"/>
+                          </a:rPr>
+                          <m:t>𝑝</m:t>
+                        </m:r>
                       </m:e>
+                      <m:sub>
+                        <m:r>
+                          <a:rPr lang="en-US" sz="2000" i="1" dirty="0">
+                            <a:latin typeface="Cambria Math" panose="02040503050406030204" pitchFamily="18" charset="0"/>
+                            <a:ea typeface="Cambria Math"/>
+                          </a:rPr>
+                          <m:t>𝑐</m:t>
+                        </m:r>
+                      </m:sub>
                       <m:sup>
                         <m:r>
-                          <a:rPr lang="en-US" sz="2000" i="1">
-                            <a:latin typeface="Cambria Math"/>
+                          <a:rPr lang="en-US" sz="2000" i="1" dirty="0">
+                            <a:latin typeface="Cambria Math" panose="02040503050406030204" pitchFamily="18" charset="0"/>
                             <a:ea typeface="Cambria Math"/>
                           </a:rPr>
                           <m:t>[</m:t>
                         </m:r>
                         <m:r>
-                          <a:rPr lang="en-US" sz="2000" i="1">
-                            <a:latin typeface="Cambria Math"/>
+                          <a:rPr lang="en-US" sz="2000" i="1" dirty="0">
+                            <a:latin typeface="Cambria Math" panose="02040503050406030204" pitchFamily="18" charset="0"/>
                             <a:ea typeface="Cambria Math"/>
                           </a:rPr>
                           <m:t>𝑖</m:t>
                         </m:r>
                         <m:r>
-                          <a:rPr lang="en-US" sz="2000" i="1">
-                            <a:latin typeface="Cambria Math"/>
+                          <a:rPr lang="en-US" sz="2000" i="1" dirty="0">
+                            <a:latin typeface="Cambria Math" panose="02040503050406030204" pitchFamily="18" charset="0"/>
                             <a:ea typeface="Cambria Math"/>
                           </a:rPr>
                           <m:t>]</m:t>
                         </m:r>
                       </m:sup>
-                    </m:sSup>
+                    </m:sSubSup>
                   </m:oMath>
                 </a14:m>
                 <a:r>
-                  <a:rPr lang="en-US" sz="2000" dirty="0" smtClean="0"/>
+                  <a:rPr lang="en-US" sz="2000" dirty="0"/>
                   <a:t>: current model output probability</a:t>
                 </a:r>
               </a:p>
@@ -9430,22 +9071,22 @@
                 <a:pPr marL="109728" indent="0" algn="just">
                   <a:buNone/>
                 </a:pPr>
-                <a:endParaRPr lang="en-US" sz="2000" dirty="0" smtClean="0"/>
+                <a:endParaRPr lang="en-US" sz="2000" dirty="0"/>
               </a:p>
               <a:p>
                 <a:pPr marL="109728" indent="0" algn="just">
                   <a:buNone/>
                 </a:pPr>
                 <a:r>
-                  <a:rPr lang="en-US" sz="2000" dirty="0" smtClean="0"/>
+                  <a:rPr lang="en-US" sz="2000" dirty="0"/>
                   <a:t>Remark: doomed to </a:t>
                 </a:r>
                 <a:r>
-                  <a:rPr lang="en-US" sz="2000" dirty="0" err="1" smtClean="0"/>
+                  <a:rPr lang="en-US" sz="2000" dirty="0" err="1"/>
                   <a:t>overfit</a:t>
                 </a:r>
                 <a:r>
-                  <a:rPr lang="en-US" sz="2000" dirty="0" smtClean="0"/>
+                  <a:rPr lang="en-US" sz="2000" dirty="0"/>
                   <a:t> despite delay</a:t>
                 </a:r>
               </a:p>
@@ -9454,42 +9095,30 @@
                   <a:buNone/>
                 </a:pPr>
                 <a:r>
-                  <a:rPr lang="en-US" sz="2000" dirty="0" smtClean="0"/>
-                  <a:t>(</a:t>
+                  <a:rPr lang="en-US" sz="2000" dirty="0"/>
+                  <a:t>(Liu, Niles-Weed, </a:t>
                 </a:r>
                 <a:r>
-                  <a:rPr lang="en-US" sz="2000" dirty="0"/>
-                  <a:t>Liu, S., Niles-Weed, </a:t>
-                </a:r>
-                <a:r>
-                  <a:rPr lang="en-US" sz="2000" dirty="0" err="1" smtClean="0"/>
+                  <a:rPr lang="en-US" sz="2000" dirty="0" err="1"/>
                   <a:t>Razavian</a:t>
                 </a:r>
                 <a:r>
                   <a:rPr lang="en-US" sz="2000" dirty="0"/>
-                  <a:t>, </a:t>
-                </a:r>
-                <a:r>
-                  <a:rPr lang="en-US" sz="2000" dirty="0" smtClean="0"/>
-                  <a:t>&amp; </a:t>
-                </a:r>
-                <a:r>
-                  <a:rPr lang="en-US" sz="2000" dirty="0"/>
-                  <a:t>Fernandez-</a:t>
+                  <a:t>, &amp; Fernandez-</a:t>
                 </a:r>
                 <a:r>
                   <a:rPr lang="en-US" sz="2000" dirty="0" err="1"/>
                   <a:t>Granda</a:t>
                 </a:r>
                 <a:r>
-                  <a:rPr lang="en-US" sz="2000" dirty="0" smtClean="0"/>
+                  <a:rPr lang="en-US" sz="2000" dirty="0"/>
                   <a:t>, 2020)</a:t>
                 </a:r>
               </a:p>
             </p:txBody>
           </p:sp>
         </mc:Choice>
-        <mc:Fallback xmlns="">
+        <mc:Fallback>
           <p:sp>
             <p:nvSpPr>
               <p:cNvPr id="2" name="Content Placeholder 1"/>
@@ -9501,10 +9130,10 @@
               </p:nvPr>
             </p:nvSpPr>
             <p:spPr>
-              <a:blipFill rotWithShape="1">
+              <a:blipFill>
                 <a:blip r:embed="rId2"/>
                 <a:stretch>
-                  <a:fillRect/>
+                  <a:fillRect t="-18768"/>
                 </a:stretch>
               </a:blipFill>
             </p:spPr>
@@ -9536,20 +9165,18 @@
         <p:spPr/>
         <p:txBody>
           <a:bodyPr>
-            <a:normAutofit fontScale="90000"/>
+            <a:normAutofit/>
           </a:bodyPr>
           <a:lstStyle/>
           <a:p>
-            <a:pPr algn="ctr"/>
-            <a:r>
-              <a:rPr lang="en-US" dirty="0" err="1" smtClean="0"/>
+            <a:r>
+              <a:rPr lang="en-US" dirty="0" err="1"/>
               <a:t>Kullback-Leibler</a:t>
             </a:r>
             <a:r>
-              <a:rPr lang="en-US" dirty="0" smtClean="0"/>
-              <a:t> (KL) Divergence</a:t>
-            </a:r>
-            <a:endParaRPr lang="en-US" dirty="0"/>
+              <a:rPr lang="en-US" dirty="0"/>
+              <a:t> Divergence</a:t>
+            </a:r>
           </a:p>
         </p:txBody>
       </p:sp>
@@ -9563,13 +9190,6 @@
   <p:clrMapOvr>
     <a:masterClrMapping/>
   </p:clrMapOvr>
-  <p:timing>
-    <p:tnLst>
-      <p:par>
-        <p:cTn id="1" dur="indefinite" restart="never" nodeType="tmRoot"/>
-      </p:par>
-    </p:tnLst>
-  </p:timing>
 </p:sld>
 </file>
 
@@ -9600,17 +9220,23 @@
             <p:ph type="title"/>
           </p:nvPr>
         </p:nvSpPr>
-        <p:spPr/>
+        <p:spPr>
+          <a:xfrm>
+            <a:off x="457200" y="5157192"/>
+            <a:ext cx="8229600" cy="1143000"/>
+          </a:xfrm>
+        </p:spPr>
         <p:txBody>
-          <a:bodyPr/>
+          <a:bodyPr>
+            <a:normAutofit/>
+          </a:bodyPr>
           <a:lstStyle/>
           <a:p>
             <a:pPr algn="ctr"/>
             <a:r>
-              <a:rPr lang="en-US" dirty="0" smtClean="0"/>
+              <a:rPr lang="en-US" sz="2000" dirty="0"/>
               <a:t>ResNet34 with KL on CIFAR10</a:t>
             </a:r>
-            <a:endParaRPr lang="en-US" dirty="0"/>
           </a:p>
         </p:txBody>
       </p:sp>
@@ -9639,7 +9265,7 @@
         </p:blipFill>
         <p:spPr bwMode="auto">
           <a:xfrm>
-            <a:off x="1827887" y="1481138"/>
+            <a:off x="1547664" y="836712"/>
             <a:ext cx="5488226" cy="4525962"/>
           </a:xfrm>
           <a:prstGeom prst="rect">
@@ -9680,13 +9306,6 @@
   <p:clrMapOvr>
     <a:masterClrMapping/>
   </p:clrMapOvr>
-  <p:timing>
-    <p:tnLst>
-      <p:par>
-        <p:cTn id="1" dur="indefinite" restart="never" nodeType="tmRoot"/>
-      </p:par>
-    </p:tnLst>
-  </p:timing>
 </p:sld>
 </file>
 
@@ -9726,7 +9345,7 @@
               <a:p>
                 <a:pPr algn="just"/>
                 <a:r>
-                  <a:rPr lang="en-US" dirty="0" smtClean="0"/>
+                  <a:rPr lang="en-US" dirty="0"/>
                   <a:t>Warm-up</a:t>
                 </a:r>
               </a:p>
@@ -9735,7 +9354,7 @@
                   <a:buNone/>
                 </a:pPr>
                 <a:r>
-                  <a:rPr lang="en-US" dirty="0" smtClean="0"/>
+                  <a:rPr lang="en-US" dirty="0"/>
                   <a:t>Normal training with plain CE loss</a:t>
                 </a:r>
               </a:p>
@@ -9743,12 +9362,12 @@
                 <a:pPr marL="365760" lvl="1" indent="0" algn="just">
                   <a:buNone/>
                 </a:pPr>
-                <a:endParaRPr lang="en-US" dirty="0" smtClean="0"/>
+                <a:endParaRPr lang="en-US" dirty="0"/>
               </a:p>
               <a:p>
                 <a:pPr algn="just"/>
                 <a:r>
-                  <a:rPr lang="en-US" dirty="0" smtClean="0"/>
+                  <a:rPr lang="en-US" dirty="0"/>
                   <a:t>Weighted KL divergence loss</a:t>
                 </a:r>
               </a:p>
@@ -9778,7 +9397,7 @@
                         <m:fPr>
                           <m:ctrlPr>
                             <a:rPr lang="en-US" b="0" i="1" smtClean="0">
-                              <a:latin typeface="Cambria Math"/>
+                              <a:latin typeface="Cambria Math" panose="02040503050406030204" pitchFamily="18" charset="0"/>
                             </a:rPr>
                           </m:ctrlPr>
                         </m:fPr>
@@ -9798,7 +9417,7 @@
                               <m:supHide m:val="on"/>
                               <m:ctrlPr>
                                 <a:rPr lang="en-US" b="0" i="1" smtClean="0">
-                                  <a:latin typeface="Cambria Math"/>
+                                  <a:latin typeface="Cambria Math" panose="02040503050406030204" pitchFamily="18" charset="0"/>
                                 </a:rPr>
                               </m:ctrlPr>
                             </m:naryPr>
@@ -9819,7 +9438,7 @@
                                 <m:sSubPr>
                                   <m:ctrlPr>
                                     <a:rPr lang="en-US" b="0" i="1" smtClean="0">
-                                      <a:latin typeface="Cambria Math"/>
+                                      <a:latin typeface="Cambria Math" panose="02040503050406030204" pitchFamily="18" charset="0"/>
                                     </a:rPr>
                                   </m:ctrlPr>
                                 </m:sSubPr>
@@ -9851,7 +9470,7 @@
                           <m:supHide m:val="on"/>
                           <m:ctrlPr>
                             <a:rPr lang="en-US" b="0" i="1" smtClean="0">
-                              <a:latin typeface="Cambria Math"/>
+                              <a:latin typeface="Cambria Math" panose="02040503050406030204" pitchFamily="18" charset="0"/>
                             </a:rPr>
                           </m:ctrlPr>
                         </m:naryPr>
@@ -9872,7 +9491,7 @@
                             <m:sSubPr>
                               <m:ctrlPr>
                                 <a:rPr lang="en-US" i="1">
-                                  <a:latin typeface="Cambria Math"/>
+                                  <a:latin typeface="Cambria Math" panose="02040503050406030204" pitchFamily="18" charset="0"/>
                                 </a:rPr>
                               </m:ctrlPr>
                             </m:sSubPr>
@@ -9900,7 +9519,7 @@
                               <m:supHide m:val="on"/>
                               <m:ctrlPr>
                                 <a:rPr lang="en-US" i="1" smtClean="0">
-                                  <a:latin typeface="Cambria Math"/>
+                                  <a:latin typeface="Cambria Math" panose="02040503050406030204" pitchFamily="18" charset="0"/>
                                 </a:rPr>
                               </m:ctrlPr>
                             </m:naryPr>
@@ -9921,7 +9540,7 @@
                                 <m:sSubPr>
                                   <m:ctrlPr>
                                     <a:rPr lang="en-US" i="1">
-                                      <a:latin typeface="Cambria Math"/>
+                                      <a:latin typeface="Cambria Math" panose="02040503050406030204" pitchFamily="18" charset="0"/>
                                     </a:rPr>
                                   </m:ctrlPr>
                                 </m:sSubPr>
@@ -9958,7 +9577,7 @@
                                 <m:funcPr>
                                   <m:ctrlPr>
                                     <a:rPr lang="en-US" i="1" smtClean="0">
-                                      <a:latin typeface="Cambria Math"/>
+                                      <a:latin typeface="Cambria Math" panose="02040503050406030204" pitchFamily="18" charset="0"/>
                                     </a:rPr>
                                   </m:ctrlPr>
                                 </m:funcPr>
@@ -9978,7 +9597,7 @@
                                     <m:sSubPr>
                                       <m:ctrlPr>
                                         <a:rPr lang="en-US" i="1">
-                                          <a:latin typeface="Cambria Math"/>
+                                          <a:latin typeface="Cambria Math" panose="02040503050406030204" pitchFamily="18" charset="0"/>
                                         </a:rPr>
                                       </m:ctrlPr>
                                     </m:sSubPr>
@@ -10020,7 +9639,7 @@
                     </m:oMath>
                   </m:oMathPara>
                 </a14:m>
-                <a:endParaRPr lang="en-US" dirty="0" smtClean="0"/>
+                <a:endParaRPr lang="en-US" dirty="0"/>
               </a:p>
               <a:p>
                 <a:pPr marL="708660" lvl="1" indent="-342900" algn="just"/>
@@ -10030,7 +9649,7 @@
                       <m:sSubPr>
                         <m:ctrlPr>
                           <a:rPr lang="en-US" i="1">
-                            <a:latin typeface="Cambria Math"/>
+                            <a:latin typeface="Cambria Math" panose="02040503050406030204" pitchFamily="18" charset="0"/>
                           </a:rPr>
                         </m:ctrlPr>
                       </m:sSubPr>
@@ -10075,7 +9694,7 @@
                       <m:sSubPr>
                         <m:ctrlPr>
                           <a:rPr lang="en-US" i="1">
-                            <a:latin typeface="Cambria Math"/>
+                            <a:latin typeface="Cambria Math" panose="02040503050406030204" pitchFamily="18" charset="0"/>
                           </a:rPr>
                         </m:ctrlPr>
                       </m:sSubPr>
@@ -10120,7 +9739,7 @@
                       <m:sSubPr>
                         <m:ctrlPr>
                           <a:rPr lang="en-US" i="1">
-                            <a:latin typeface="Cambria Math"/>
+                            <a:latin typeface="Cambria Math" panose="02040503050406030204" pitchFamily="18" charset="0"/>
                           </a:rPr>
                         </m:ctrlPr>
                       </m:sSubPr>
@@ -10143,7 +9762,7 @@
                     </m:sSub>
                   </m:oMath>
                 </a14:m>
-                <a:endParaRPr lang="en-US" dirty="0" smtClean="0"/>
+                <a:endParaRPr lang="en-US" dirty="0"/>
               </a:p>
               <a:p>
                 <a:pPr marL="708660" lvl="1" indent="-342900" algn="just"/>
@@ -10153,7 +9772,7 @@
                       <m:sSubPr>
                         <m:ctrlPr>
                           <a:rPr lang="en-US" i="1">
-                            <a:latin typeface="Cambria Math"/>
+                            <a:latin typeface="Cambria Math" panose="02040503050406030204" pitchFamily="18" charset="0"/>
                           </a:rPr>
                         </m:ctrlPr>
                       </m:sSubPr>
@@ -10177,7 +9796,7 @@
                   </m:oMath>
                 </a14:m>
                 <a:r>
-                  <a:rPr lang="en-US" dirty="0" smtClean="0"/>
+                  <a:rPr lang="en-US" dirty="0"/>
                   <a:t>=</a:t>
                 </a:r>
                 <a14:m>
@@ -10186,7 +9805,7 @@
                       <m:funcPr>
                         <m:ctrlPr>
                           <a:rPr lang="en-US" i="1" dirty="0" smtClean="0">
-                            <a:latin typeface="Cambria Math"/>
+                            <a:latin typeface="Cambria Math" panose="02040503050406030204" pitchFamily="18" charset="0"/>
                           </a:rPr>
                         </m:ctrlPr>
                       </m:funcPr>
@@ -10195,7 +9814,7 @@
                           <m:limLowPr>
                             <m:ctrlPr>
                               <a:rPr lang="en-US" i="1" dirty="0" smtClean="0">
-                                <a:latin typeface="Cambria Math"/>
+                                <a:latin typeface="Cambria Math" panose="02040503050406030204" pitchFamily="18" charset="0"/>
                               </a:rPr>
                             </m:ctrlPr>
                           </m:limLowPr>
@@ -10225,7 +9844,7 @@
                           <m:sSubPr>
                             <m:ctrlPr>
                               <a:rPr lang="en-US" i="1">
-                                <a:latin typeface="Cambria Math"/>
+                                <a:latin typeface="Cambria Math" panose="02040503050406030204" pitchFamily="18" charset="0"/>
                               </a:rPr>
                             </m:ctrlPr>
                           </m:sSubPr>
@@ -10313,14 +9932,22 @@
         </p:nvSpPr>
         <p:spPr/>
         <p:txBody>
-          <a:bodyPr/>
+          <a:bodyPr>
+            <a:normAutofit/>
+          </a:bodyPr>
           <a:lstStyle/>
           <a:p>
             <a:r>
-              <a:rPr lang="en-US" dirty="0" smtClean="0"/>
+              <a:rPr lang="en-US" dirty="0"/>
               <a:t>Self-adaptive Training</a:t>
             </a:r>
-            <a:endParaRPr lang="en-US" dirty="0"/>
+            <a:br>
+              <a:rPr lang="en-US" dirty="0"/>
+            </a:br>
+            <a:r>
+              <a:rPr lang="en-US" sz="2000" dirty="0"/>
+              <a:t>(Huang, Zhang, &amp; Zhang, 2020)</a:t>
+            </a:r>
           </a:p>
         </p:txBody>
       </p:sp>
@@ -10334,13 +9961,6 @@
   <p:clrMapOvr>
     <a:masterClrMapping/>
   </p:clrMapOvr>
-  <p:timing>
-    <p:tnLst>
-      <p:par>
-        <p:cTn id="1" dur="indefinite" restart="never" nodeType="tmRoot"/>
-      </p:par>
-    </p:tnLst>
-  </p:timing>
 </p:sld>
 </file>
 
@@ -10361,8 +9981,8 @@
           <a:chExt cx="0" cy="0"/>
         </a:xfrm>
       </p:grpSpPr>
-      <mc:AlternateContent xmlns:mc="http://schemas.openxmlformats.org/markup-compatibility/2006" xmlns:a14="http://schemas.microsoft.com/office/drawing/2010/main">
-        <mc:Choice Requires="a14">
+      <mc:AlternateContent xmlns:mc="http://schemas.openxmlformats.org/markup-compatibility/2006">
+        <mc:Choice xmlns:a14="http://schemas.microsoft.com/office/drawing/2010/main" Requires="a14">
           <p:sp>
             <p:nvSpPr>
               <p:cNvPr id="2" name="Content Placeholder 1"/>
@@ -10379,7 +9999,7 @@
               <a:lstStyle/>
               <a:p>
                 <a:r>
-                  <a:rPr lang="en-US" dirty="0" smtClean="0"/>
+                  <a:rPr lang="en-US" dirty="0"/>
                   <a:t>Regularization</a:t>
                 </a:r>
               </a:p>
@@ -10397,7 +10017,7 @@
                         <m:sSubPr>
                           <m:ctrlPr>
                             <a:rPr lang="en-US" i="1" smtClean="0">
-                              <a:latin typeface="Cambria Math"/>
+                              <a:latin typeface="Cambria Math" panose="02040503050406030204" pitchFamily="18" charset="0"/>
                             </a:rPr>
                           </m:ctrlPr>
                         </m:sSubPr>
@@ -10422,7 +10042,7 @@
                         <m:dPr>
                           <m:ctrlPr>
                             <a:rPr lang="en-US" b="0" i="1" smtClean="0">
-                              <a:latin typeface="Cambria Math"/>
+                              <a:latin typeface="Cambria Math" panose="02040503050406030204" pitchFamily="18" charset="0"/>
                             </a:rPr>
                           </m:ctrlPr>
                         </m:dPr>
@@ -10447,7 +10067,7 @@
                         <m:sSubPr>
                           <m:ctrlPr>
                             <a:rPr lang="en-US" b="0" i="1" smtClean="0">
-                              <a:latin typeface="Cambria Math"/>
+                              <a:latin typeface="Cambria Math" panose="02040503050406030204" pitchFamily="18" charset="0"/>
                               <a:ea typeface="Cambria Math"/>
                             </a:rPr>
                           </m:ctrlPr>
@@ -10475,7 +10095,7 @@
                         <m:dPr>
                           <m:ctrlPr>
                             <a:rPr lang="en-US" b="0" i="1" smtClean="0">
-                              <a:latin typeface="Cambria Math"/>
+                              <a:latin typeface="Cambria Math" panose="02040503050406030204" pitchFamily="18" charset="0"/>
                               <a:ea typeface="Cambria Math"/>
                             </a:rPr>
                           </m:ctrlPr>
@@ -10501,7 +10121,7 @@
                         <m:fPr>
                           <m:ctrlPr>
                             <a:rPr lang="en-US" b="0" i="1" smtClean="0">
-                              <a:latin typeface="Cambria Math"/>
+                              <a:latin typeface="Cambria Math" panose="02040503050406030204" pitchFamily="18" charset="0"/>
                               <a:ea typeface="Cambria Math"/>
                             </a:rPr>
                           </m:ctrlPr>
@@ -10530,7 +10150,7 @@
                           <m:chr m:val="∑"/>
                           <m:ctrlPr>
                             <a:rPr lang="en-US" b="0" i="1" smtClean="0">
-                              <a:latin typeface="Cambria Math"/>
+                              <a:latin typeface="Cambria Math" panose="02040503050406030204" pitchFamily="18" charset="0"/>
                               <a:ea typeface="Cambria Math"/>
                             </a:rPr>
                           </m:ctrlPr>
@@ -10551,14 +10171,7 @@
                               <a:latin typeface="Cambria Math"/>
                               <a:ea typeface="Cambria Math"/>
                             </a:rPr>
-                            <m:t>=</m:t>
-                          </m:r>
-                          <m:r>
-                            <a:rPr lang="en-US" b="0" i="1" smtClean="0">
-                              <a:latin typeface="Cambria Math"/>
-                              <a:ea typeface="Cambria Math"/>
-                            </a:rPr>
-                            <m:t>1</m:t>
+                            <m:t>=1</m:t>
                           </m:r>
                         </m:sub>
                         <m:sup>
@@ -10575,7 +10188,7 @@
                             <m:funcPr>
                               <m:ctrlPr>
                                 <a:rPr lang="en-US" b="0" i="1" smtClean="0">
-                                  <a:latin typeface="Cambria Math"/>
+                                  <a:latin typeface="Cambria Math" panose="02040503050406030204" pitchFamily="18" charset="0"/>
                                   <a:ea typeface="Cambria Math"/>
                                 </a:rPr>
                               </m:ctrlPr>
@@ -10598,21 +10211,7 @@
                                   <a:latin typeface="Cambria Math"/>
                                   <a:ea typeface="Cambria Math"/>
                                 </a:rPr>
-                                <m:t>(</m:t>
-                              </m:r>
-                              <m:r>
-                                <a:rPr lang="en-US" b="0" i="1" smtClean="0">
-                                  <a:latin typeface="Cambria Math"/>
-                                  <a:ea typeface="Cambria Math"/>
-                                </a:rPr>
-                                <m:t>1</m:t>
-                              </m:r>
-                              <m:r>
-                                <a:rPr lang="en-US" b="0" i="1" smtClean="0">
-                                  <a:latin typeface="Cambria Math"/>
-                                  <a:ea typeface="Cambria Math"/>
-                                </a:rPr>
-                                <m:t>−</m:t>
+                                <m:t>(1−</m:t>
                               </m:r>
                               <m:d>
                                 <m:dPr>
@@ -10620,7 +10219,7 @@
                                   <m:endChr m:val="⟩"/>
                                   <m:ctrlPr>
                                     <a:rPr lang="en-US" b="0" i="1" smtClean="0">
-                                      <a:latin typeface="Cambria Math"/>
+                                      <a:latin typeface="Cambria Math" panose="02040503050406030204" pitchFamily="18" charset="0"/>
                                       <a:ea typeface="Cambria Math"/>
                                     </a:rPr>
                                   </m:ctrlPr>
@@ -10630,7 +10229,7 @@
                                     <m:sSupPr>
                                       <m:ctrlPr>
                                         <a:rPr lang="en-US" b="0" i="1" smtClean="0">
-                                          <a:latin typeface="Cambria Math"/>
+                                          <a:latin typeface="Cambria Math" panose="02040503050406030204" pitchFamily="18" charset="0"/>
                                           <a:ea typeface="Cambria Math"/>
                                         </a:rPr>
                                       </m:ctrlPr>
@@ -10679,7 +10278,7 @@
                                     <m:sSupPr>
                                       <m:ctrlPr>
                                         <a:rPr lang="en-US" b="0" i="1" smtClean="0">
-                                          <a:latin typeface="Cambria Math"/>
+                                          <a:latin typeface="Cambria Math" panose="02040503050406030204" pitchFamily="18" charset="0"/>
                                           <a:ea typeface="Cambria Math"/>
                                         </a:rPr>
                                       </m:ctrlPr>
@@ -10733,7 +10332,7 @@
                     </m:oMath>
                   </m:oMathPara>
                 </a14:m>
-                <a:endParaRPr lang="en-US" dirty="0" smtClean="0"/>
+                <a:endParaRPr lang="en-US" dirty="0"/>
               </a:p>
               <a:p>
                 <a:pPr marL="708660" lvl="1" indent="-342900"/>
@@ -10750,7 +10349,7 @@
                       <m:sSubPr>
                         <m:ctrlPr>
                           <a:rPr lang="en-US" i="1">
-                            <a:latin typeface="Cambria Math"/>
+                            <a:latin typeface="Cambria Math" panose="02040503050406030204" pitchFamily="18" charset="0"/>
                           </a:rPr>
                         </m:ctrlPr>
                       </m:sSubPr>
@@ -10775,7 +10374,7 @@
                       <m:dPr>
                         <m:ctrlPr>
                           <a:rPr lang="en-US" i="1">
-                            <a:latin typeface="Cambria Math"/>
+                            <a:latin typeface="Cambria Math" panose="02040503050406030204" pitchFamily="18" charset="0"/>
                           </a:rPr>
                         </m:ctrlPr>
                       </m:dPr>
@@ -10800,7 +10399,7 @@
                       <m:fPr>
                         <m:ctrlPr>
                           <a:rPr lang="en-US" i="1">
-                            <a:latin typeface="Cambria Math"/>
+                            <a:latin typeface="Cambria Math" panose="02040503050406030204" pitchFamily="18" charset="0"/>
                             <a:ea typeface="Cambria Math"/>
                           </a:rPr>
                         </m:ctrlPr>
@@ -10829,7 +10428,7 @@
                         <m:chr m:val="∑"/>
                         <m:ctrlPr>
                           <a:rPr lang="en-US" i="1" smtClean="0">
-                            <a:latin typeface="Cambria Math"/>
+                            <a:latin typeface="Cambria Math" panose="02040503050406030204" pitchFamily="18" charset="0"/>
                             <a:ea typeface="Cambria Math"/>
                           </a:rPr>
                         </m:ctrlPr>
@@ -10850,14 +10449,7 @@
                             <a:latin typeface="Cambria Math"/>
                             <a:ea typeface="Cambria Math"/>
                           </a:rPr>
-                          <m:t>=</m:t>
-                        </m:r>
-                        <m:r>
-                          <a:rPr lang="en-US" i="1">
-                            <a:latin typeface="Cambria Math"/>
-                            <a:ea typeface="Cambria Math"/>
-                          </a:rPr>
-                          <m:t>1</m:t>
+                          <m:t>=1</m:t>
                         </m:r>
                       </m:sub>
                       <m:sup>
@@ -10881,7 +10473,7 @@
                           <m:sSubPr>
                             <m:ctrlPr>
                               <a:rPr lang="en-US" i="1" smtClean="0">
-                                <a:latin typeface="Cambria Math"/>
+                                <a:latin typeface="Cambria Math" panose="02040503050406030204" pitchFamily="18" charset="0"/>
                                 <a:ea typeface="Cambria Math"/>
                               </a:rPr>
                             </m:ctrlPr>
@@ -10900,7 +10492,7 @@
                               <m:sSupPr>
                                 <m:ctrlPr>
                                   <a:rPr lang="en-US" i="1" smtClean="0">
-                                    <a:latin typeface="Cambria Math"/>
+                                    <a:latin typeface="Cambria Math" panose="02040503050406030204" pitchFamily="18" charset="0"/>
                                     <a:ea typeface="Cambria Math"/>
                                   </a:rPr>
                                 </m:ctrlPr>
@@ -10921,7 +10513,7 @@
                                     <m:endChr m:val="]"/>
                                     <m:ctrlPr>
                                       <a:rPr lang="en-US" b="0" i="1" smtClean="0">
-                                        <a:latin typeface="Cambria Math"/>
+                                        <a:latin typeface="Cambria Math" panose="02040503050406030204" pitchFamily="18" charset="0"/>
                                         <a:ea typeface="Cambria Math"/>
                                       </a:rPr>
                                     </m:ctrlPr>
@@ -10965,7 +10557,7 @@
                           <m:sSupPr>
                             <m:ctrlPr>
                               <a:rPr lang="en-US" b="0" i="1" smtClean="0">
-                                <a:latin typeface="Cambria Math"/>
+                                <a:latin typeface="Cambria Math" panose="02040503050406030204" pitchFamily="18" charset="0"/>
                                 <a:ea typeface="Cambria Math"/>
                               </a:rPr>
                             </m:ctrlPr>
@@ -10986,7 +10578,7 @@
                                 <m:endChr m:val="]"/>
                                 <m:ctrlPr>
                                   <a:rPr lang="en-US" b="0" i="1" smtClean="0">
-                                    <a:latin typeface="Cambria Math"/>
+                                    <a:latin typeface="Cambria Math" panose="02040503050406030204" pitchFamily="18" charset="0"/>
                                     <a:ea typeface="Cambria Math"/>
                                   </a:rPr>
                                 </m:ctrlPr>
@@ -11014,7 +10606,7 @@
                           <m:sSupPr>
                             <m:ctrlPr>
                               <a:rPr lang="en-US" i="1">
-                                <a:latin typeface="Cambria Math"/>
+                                <a:latin typeface="Cambria Math" panose="02040503050406030204" pitchFamily="18" charset="0"/>
                                 <a:ea typeface="Cambria Math"/>
                               </a:rPr>
                             </m:ctrlPr>
@@ -11035,7 +10627,7 @@
                                 <m:endChr m:val="]"/>
                                 <m:ctrlPr>
                                   <a:rPr lang="en-US" i="1">
-                                    <a:latin typeface="Cambria Math"/>
+                                    <a:latin typeface="Cambria Math" panose="02040503050406030204" pitchFamily="18" charset="0"/>
                                     <a:ea typeface="Cambria Math"/>
                                   </a:rPr>
                                 </m:ctrlPr>
@@ -11070,7 +10662,7 @@
                           <m:sSupPr>
                             <m:ctrlPr>
                               <a:rPr lang="en-US" i="1">
-                                <a:latin typeface="Cambria Math"/>
+                                <a:latin typeface="Cambria Math" panose="02040503050406030204" pitchFamily="18" charset="0"/>
                                 <a:ea typeface="Cambria Math"/>
                               </a:rPr>
                             </m:ctrlPr>
@@ -11091,7 +10683,7 @@
                                 <m:endChr m:val="]"/>
                                 <m:ctrlPr>
                                   <a:rPr lang="en-US" i="1">
-                                    <a:latin typeface="Cambria Math"/>
+                                    <a:latin typeface="Cambria Math" panose="02040503050406030204" pitchFamily="18" charset="0"/>
                                     <a:ea typeface="Cambria Math"/>
                                   </a:rPr>
                                 </m:ctrlPr>
@@ -11119,69 +10711,63 @@
                     </m:nary>
                   </m:oMath>
                 </a14:m>
-                <a:endParaRPr lang="en-US" dirty="0" smtClean="0"/>
+                <a:endParaRPr lang="en-US" dirty="0"/>
               </a:p>
               <a:p>
                 <a:pPr marL="708660" lvl="1" indent="-342900"/>
                 <a14:m>
                   <m:oMath xmlns:m="http://schemas.openxmlformats.org/officeDocument/2006/math">
-                    <m:sSup>
-                      <m:sSupPr>
+                    <m:sSubSup>
+                      <m:sSubSupPr>
                         <m:ctrlPr>
-                          <a:rPr lang="en-US" i="1" smtClean="0">
-                            <a:latin typeface="Cambria Math"/>
+                          <a:rPr lang="en-US" sz="2400" i="1" dirty="0">
+                            <a:latin typeface="Cambria Math" panose="02040503050406030204" pitchFamily="18" charset="0"/>
+                            <a:ea typeface="Cambria Math"/>
                           </a:rPr>
                         </m:ctrlPr>
-                      </m:sSupPr>
+                      </m:sSubSupPr>
                       <m:e>
-                        <m:sSubSup>
-                          <m:sSubSupPr>
-                            <m:ctrlPr>
-                              <a:rPr lang="en-US" i="1" smtClean="0">
-                                <a:latin typeface="Cambria Math"/>
-                              </a:rPr>
-                            </m:ctrlPr>
-                          </m:sSubSupPr>
-                          <m:e>
-                            <m:r>
-                              <a:rPr lang="en-US" b="0" i="1" smtClean="0">
-                                <a:latin typeface="Cambria Math"/>
-                              </a:rPr>
-                              <m:t>𝑔</m:t>
-                            </m:r>
-                          </m:e>
-                          <m:sub>
-                            <m:r>
-                              <a:rPr lang="en-US" b="0" i="1" smtClean="0">
-                                <a:latin typeface="Cambria Math"/>
-                              </a:rPr>
-                              <m:t>𝑐</m:t>
-                            </m:r>
-                          </m:sub>
-                          <m:sup/>
-                        </m:sSubSup>
+                        <m:r>
+                          <a:rPr lang="en-US" sz="2400" b="0" i="1" dirty="0" smtClean="0">
+                            <a:latin typeface="Cambria Math" panose="02040503050406030204" pitchFamily="18" charset="0"/>
+                            <a:ea typeface="Cambria Math"/>
+                          </a:rPr>
+                          <m:t>𝑔</m:t>
+                        </m:r>
                       </m:e>
+                      <m:sub>
+                        <m:r>
+                          <a:rPr lang="en-US" sz="2400" i="1" dirty="0">
+                            <a:latin typeface="Cambria Math" panose="02040503050406030204" pitchFamily="18" charset="0"/>
+                            <a:ea typeface="Cambria Math"/>
+                          </a:rPr>
+                          <m:t>𝑐</m:t>
+                        </m:r>
+                      </m:sub>
                       <m:sup>
                         <m:r>
-                          <a:rPr lang="en-US" b="0" i="1" smtClean="0">
-                            <a:latin typeface="Cambria Math"/>
+                          <a:rPr lang="en-US" sz="2400" i="1" dirty="0">
+                            <a:latin typeface="Cambria Math" panose="02040503050406030204" pitchFamily="18" charset="0"/>
+                            <a:ea typeface="Cambria Math"/>
                           </a:rPr>
                           <m:t>[</m:t>
                         </m:r>
                         <m:r>
-                          <a:rPr lang="en-US" b="0" i="1" smtClean="0">
-                            <a:latin typeface="Cambria Math"/>
+                          <a:rPr lang="en-US" sz="2400" i="1" dirty="0">
+                            <a:latin typeface="Cambria Math" panose="02040503050406030204" pitchFamily="18" charset="0"/>
+                            <a:ea typeface="Cambria Math"/>
                           </a:rPr>
                           <m:t>𝑖</m:t>
                         </m:r>
                         <m:r>
-                          <a:rPr lang="en-US" b="0" i="1" smtClean="0">
-                            <a:latin typeface="Cambria Math"/>
+                          <a:rPr lang="en-US" sz="2400" i="1" dirty="0">
+                            <a:latin typeface="Cambria Math" panose="02040503050406030204" pitchFamily="18" charset="0"/>
+                            <a:ea typeface="Cambria Math"/>
                           </a:rPr>
                           <m:t>]</m:t>
                         </m:r>
                       </m:sup>
-                    </m:sSup>
+                    </m:sSubSup>
                     <m:r>
                       <a:rPr lang="en-US" b="0" i="1" smtClean="0">
                         <a:latin typeface="Cambria Math"/>
@@ -11192,81 +10778,69 @@
                       <m:fPr>
                         <m:ctrlPr>
                           <a:rPr lang="en-US" b="0" i="1" smtClean="0">
-                            <a:latin typeface="Cambria Math"/>
+                            <a:latin typeface="Cambria Math" panose="02040503050406030204" pitchFamily="18" charset="0"/>
                           </a:rPr>
                         </m:ctrlPr>
                       </m:fPr>
                       <m:num>
-                        <m:sSup>
-                          <m:sSupPr>
+                        <m:sSubSup>
+                          <m:sSubSupPr>
                             <m:ctrlPr>
-                              <a:rPr lang="en-US" i="1">
-                                <a:latin typeface="Cambria Math"/>
+                              <a:rPr lang="en-US" sz="2400" i="1" dirty="0">
+                                <a:latin typeface="Cambria Math" panose="02040503050406030204" pitchFamily="18" charset="0"/>
+                                <a:ea typeface="Cambria Math"/>
                               </a:rPr>
                             </m:ctrlPr>
-                          </m:sSupPr>
+                          </m:sSubSupPr>
                           <m:e>
-                            <m:sSubSup>
-                              <m:sSubSupPr>
-                                <m:ctrlPr>
-                                  <a:rPr lang="en-US" i="1">
-                                    <a:latin typeface="Cambria Math"/>
-                                  </a:rPr>
-                                </m:ctrlPr>
-                              </m:sSubSupPr>
-                              <m:e>
-                                <m:r>
-                                  <a:rPr lang="en-US" b="0" i="1" smtClean="0">
-                                    <a:latin typeface="Cambria Math"/>
-                                  </a:rPr>
-                                  <m:t>𝑝</m:t>
-                                </m:r>
-                              </m:e>
-                              <m:sub>
-                                <m:r>
-                                  <a:rPr lang="en-US" i="1">
-                                    <a:latin typeface="Cambria Math"/>
-                                  </a:rPr>
-                                  <m:t>𝑐</m:t>
-                                </m:r>
-                              </m:sub>
-                              <m:sup/>
-                            </m:sSubSup>
+                            <m:r>
+                              <a:rPr lang="en-US" sz="2400" b="0" i="1" dirty="0" smtClean="0">
+                                <a:latin typeface="Cambria Math" panose="02040503050406030204" pitchFamily="18" charset="0"/>
+                                <a:ea typeface="Cambria Math"/>
+                              </a:rPr>
+                              <m:t>𝑝</m:t>
+                            </m:r>
                           </m:e>
+                          <m:sub>
+                            <m:r>
+                              <a:rPr lang="en-US" sz="2400" i="1" dirty="0">
+                                <a:latin typeface="Cambria Math" panose="02040503050406030204" pitchFamily="18" charset="0"/>
+                                <a:ea typeface="Cambria Math"/>
+                              </a:rPr>
+                              <m:t>𝑐</m:t>
+                            </m:r>
+                          </m:sub>
                           <m:sup>
                             <m:r>
-                              <a:rPr lang="en-US" i="1">
-                                <a:latin typeface="Cambria Math"/>
+                              <a:rPr lang="en-US" sz="2400" i="1" dirty="0">
+                                <a:latin typeface="Cambria Math" panose="02040503050406030204" pitchFamily="18" charset="0"/>
+                                <a:ea typeface="Cambria Math"/>
                               </a:rPr>
                               <m:t>[</m:t>
                             </m:r>
                             <m:r>
-                              <a:rPr lang="en-US" i="1">
-                                <a:latin typeface="Cambria Math"/>
+                              <a:rPr lang="en-US" sz="2400" i="1" dirty="0">
+                                <a:latin typeface="Cambria Math" panose="02040503050406030204" pitchFamily="18" charset="0"/>
+                                <a:ea typeface="Cambria Math"/>
                               </a:rPr>
                               <m:t>𝑖</m:t>
                             </m:r>
                             <m:r>
-                              <a:rPr lang="en-US" i="1">
-                                <a:latin typeface="Cambria Math"/>
+                              <a:rPr lang="en-US" sz="2400" i="1" dirty="0">
+                                <a:latin typeface="Cambria Math" panose="02040503050406030204" pitchFamily="18" charset="0"/>
+                                <a:ea typeface="Cambria Math"/>
                               </a:rPr>
                               <m:t>]</m:t>
                             </m:r>
                           </m:sup>
-                        </m:sSup>
+                        </m:sSubSup>
                       </m:num>
                       <m:den>
                         <m:r>
                           <a:rPr lang="en-US" b="0" i="1" smtClean="0">
                             <a:latin typeface="Cambria Math"/>
                           </a:rPr>
-                          <m:t>1</m:t>
-                        </m:r>
-                        <m:r>
-                          <a:rPr lang="en-US" b="0" i="1" smtClean="0">
-                            <a:latin typeface="Cambria Math"/>
-                          </a:rPr>
-                          <m:t>−</m:t>
+                          <m:t>1−</m:t>
                         </m:r>
                         <m:d>
                           <m:dPr>
@@ -11274,7 +10848,7 @@
                             <m:endChr m:val="⟩"/>
                             <m:ctrlPr>
                               <a:rPr lang="en-US" b="0" i="1" smtClean="0">
-                                <a:latin typeface="Cambria Math"/>
+                                <a:latin typeface="Cambria Math" panose="02040503050406030204" pitchFamily="18" charset="0"/>
                               </a:rPr>
                             </m:ctrlPr>
                           </m:dPr>
@@ -11283,7 +10857,7 @@
                               <m:sSupPr>
                                 <m:ctrlPr>
                                   <a:rPr lang="en-US" i="1">
-                                    <a:latin typeface="Cambria Math"/>
+                                    <a:latin typeface="Cambria Math" panose="02040503050406030204" pitchFamily="18" charset="0"/>
                                   </a:rPr>
                                 </m:ctrlPr>
                               </m:sSupPr>
@@ -11326,7 +10900,7 @@
                               <m:sSupPr>
                                 <m:ctrlPr>
                                   <a:rPr lang="en-US" i="1">
-                                    <a:latin typeface="Cambria Math"/>
+                                    <a:latin typeface="Cambria Math" panose="02040503050406030204" pitchFamily="18" charset="0"/>
                                   </a:rPr>
                                 </m:ctrlPr>
                               </m:sSupPr>
@@ -11368,7 +10942,7 @@
                         <m:chr m:val="∑"/>
                         <m:ctrlPr>
                           <a:rPr lang="en-US" b="0" i="1" smtClean="0">
-                            <a:latin typeface="Cambria Math"/>
+                            <a:latin typeface="Cambria Math" panose="02040503050406030204" pitchFamily="18" charset="0"/>
                           </a:rPr>
                         </m:ctrlPr>
                       </m:naryPr>
@@ -11386,13 +10960,7 @@
                           <a:rPr lang="en-US" b="0" i="1" smtClean="0">
                             <a:latin typeface="Cambria Math"/>
                           </a:rPr>
-                          <m:t>=</m:t>
-                        </m:r>
-                        <m:r>
-                          <a:rPr lang="en-US" b="0" i="1" smtClean="0">
-                            <a:latin typeface="Cambria Math"/>
-                          </a:rPr>
-                          <m:t>1</m:t>
+                          <m:t>=1</m:t>
                         </m:r>
                       </m:sub>
                       <m:sup>
@@ -11410,200 +10978,180 @@
                           </a:rPr>
                           <m:t>(</m:t>
                         </m:r>
-                        <m:sSup>
-                          <m:sSupPr>
+                        <m:sSubSup>
+                          <m:sSubSupPr>
                             <m:ctrlPr>
-                              <a:rPr lang="en-US" i="1">
-                                <a:latin typeface="Cambria Math"/>
+                              <a:rPr lang="en-US" sz="2400" i="1" dirty="0">
+                                <a:latin typeface="Cambria Math" panose="02040503050406030204" pitchFamily="18" charset="0"/>
+                                <a:ea typeface="Cambria Math"/>
                               </a:rPr>
                             </m:ctrlPr>
-                          </m:sSupPr>
+                          </m:sSubSupPr>
                           <m:e>
-                            <m:sSubSup>
-                              <m:sSubSupPr>
-                                <m:ctrlPr>
-                                  <a:rPr lang="en-US" i="1">
-                                    <a:latin typeface="Cambria Math"/>
-                                  </a:rPr>
-                                </m:ctrlPr>
-                              </m:sSubSupPr>
-                              <m:e>
-                                <m:r>
-                                  <a:rPr lang="en-US" b="0" i="1" smtClean="0">
-                                    <a:latin typeface="Cambria Math"/>
-                                  </a:rPr>
-                                  <m:t>𝑡</m:t>
-                                </m:r>
-                              </m:e>
-                              <m:sub>
-                                <m:r>
-                                  <a:rPr lang="en-US" b="0" i="1" smtClean="0">
-                                    <a:latin typeface="Cambria Math"/>
-                                  </a:rPr>
-                                  <m:t>𝑘</m:t>
-                                </m:r>
-                              </m:sub>
-                              <m:sup/>
-                            </m:sSubSup>
+                            <m:r>
+                              <a:rPr lang="en-US" sz="2400" i="1" dirty="0">
+                                <a:latin typeface="Cambria Math" panose="02040503050406030204" pitchFamily="18" charset="0"/>
+                                <a:ea typeface="Cambria Math"/>
+                              </a:rPr>
+                              <m:t>𝑡</m:t>
+                            </m:r>
                           </m:e>
-                          <m:sup>
-                            <m:d>
-                              <m:dPr>
-                                <m:begChr m:val="["/>
-                                <m:endChr m:val="]"/>
-                                <m:ctrlPr>
-                                  <a:rPr lang="en-US" i="1">
-                                    <a:latin typeface="Cambria Math"/>
-                                  </a:rPr>
-                                </m:ctrlPr>
-                              </m:dPr>
-                              <m:e>
-                                <m:r>
-                                  <a:rPr lang="en-US" i="1">
-                                    <a:latin typeface="Cambria Math"/>
-                                  </a:rPr>
-                                  <m:t>𝑖</m:t>
-                                </m:r>
-                              </m:e>
-                            </m:d>
-                          </m:sup>
-                        </m:sSup>
-                        <m:r>
-                          <a:rPr lang="en-US" b="0" i="1" smtClean="0">
-                            <a:latin typeface="Cambria Math"/>
-                          </a:rPr>
-                          <m:t>−</m:t>
-                        </m:r>
-                        <m:sSup>
-                          <m:sSupPr>
-                            <m:ctrlPr>
-                              <a:rPr lang="en-US" i="1">
-                                <a:latin typeface="Cambria Math"/>
+                          <m:sub>
+                            <m:r>
+                              <a:rPr lang="en-US" sz="2400" b="0" i="1" dirty="0" smtClean="0">
+                                <a:latin typeface="Cambria Math" panose="02040503050406030204" pitchFamily="18" charset="0"/>
+                                <a:ea typeface="Cambria Math"/>
                               </a:rPr>
-                            </m:ctrlPr>
-                          </m:sSupPr>
-                          <m:e>
-                            <m:sSubSup>
-                              <m:sSubSupPr>
-                                <m:ctrlPr>
-                                  <a:rPr lang="en-US" i="1">
-                                    <a:latin typeface="Cambria Math"/>
-                                  </a:rPr>
-                                </m:ctrlPr>
-                              </m:sSubSupPr>
-                              <m:e>
-                                <m:r>
-                                  <a:rPr lang="en-US" b="0" i="1" smtClean="0">
-                                    <a:latin typeface="Cambria Math"/>
-                                  </a:rPr>
-                                  <m:t>𝑡</m:t>
-                                </m:r>
-                              </m:e>
-                              <m:sub>
-                                <m:r>
-                                  <a:rPr lang="en-US" i="1">
-                                    <a:latin typeface="Cambria Math"/>
-                                  </a:rPr>
-                                  <m:t>𝑐</m:t>
-                                </m:r>
-                              </m:sub>
-                              <m:sup/>
-                            </m:sSubSup>
-                          </m:e>
-                          <m:sup>
-                            <m:d>
-                              <m:dPr>
-                                <m:begChr m:val="["/>
-                                <m:endChr m:val="]"/>
-                                <m:ctrlPr>
-                                  <a:rPr lang="en-US" i="1">
-                                    <a:latin typeface="Cambria Math"/>
-                                  </a:rPr>
-                                </m:ctrlPr>
-                              </m:dPr>
-                              <m:e>
-                                <m:r>
-                                  <a:rPr lang="en-US" i="1">
-                                    <a:latin typeface="Cambria Math"/>
-                                  </a:rPr>
-                                  <m:t>𝑖</m:t>
-                                </m:r>
-                              </m:e>
-                            </m:d>
-                          </m:sup>
-                        </m:sSup>
-                        <m:r>
-                          <a:rPr lang="en-US" b="0" i="1" smtClean="0">
-                            <a:latin typeface="Cambria Math"/>
-                          </a:rPr>
-                          <m:t>)</m:t>
-                        </m:r>
-                        <m:sSup>
-                          <m:sSupPr>
-                            <m:ctrlPr>
-                              <a:rPr lang="en-US" i="1">
-                                <a:latin typeface="Cambria Math"/>
-                              </a:rPr>
-                            </m:ctrlPr>
-                          </m:sSupPr>
-                          <m:e>
-                            <m:sSubSup>
-                              <m:sSubSupPr>
-                                <m:ctrlPr>
-                                  <a:rPr lang="en-US" i="1">
-                                    <a:latin typeface="Cambria Math"/>
-                                  </a:rPr>
-                                </m:ctrlPr>
-                              </m:sSubSupPr>
-                              <m:e>
-                                <m:r>
-                                  <a:rPr lang="en-US" b="0" i="1" smtClean="0">
-                                    <a:latin typeface="Cambria Math"/>
-                                  </a:rPr>
-                                  <m:t>𝑝</m:t>
-                                </m:r>
-                              </m:e>
-                              <m:sub>
-                                <m:r>
-                                  <a:rPr lang="en-US" b="0" i="1" smtClean="0">
-                                    <a:latin typeface="Cambria Math"/>
-                                  </a:rPr>
-                                  <m:t>𝑘</m:t>
-                                </m:r>
-                              </m:sub>
-                              <m:sup/>
-                            </m:sSubSup>
-                          </m:e>
+                              <m:t>𝑘</m:t>
+                            </m:r>
+                          </m:sub>
                           <m:sup>
                             <m:r>
-                              <a:rPr lang="en-US" i="1">
-                                <a:latin typeface="Cambria Math"/>
+                              <a:rPr lang="en-US" sz="2400" i="1" dirty="0">
+                                <a:latin typeface="Cambria Math" panose="02040503050406030204" pitchFamily="18" charset="0"/>
+                                <a:ea typeface="Cambria Math"/>
                               </a:rPr>
                               <m:t>[</m:t>
                             </m:r>
                             <m:r>
-                              <a:rPr lang="en-US" i="1">
-                                <a:latin typeface="Cambria Math"/>
+                              <a:rPr lang="en-US" sz="2400" i="1" dirty="0">
+                                <a:latin typeface="Cambria Math" panose="02040503050406030204" pitchFamily="18" charset="0"/>
+                                <a:ea typeface="Cambria Math"/>
                               </a:rPr>
                               <m:t>𝑖</m:t>
                             </m:r>
                             <m:r>
-                              <a:rPr lang="en-US" i="1">
-                                <a:latin typeface="Cambria Math"/>
+                              <a:rPr lang="en-US" sz="2400" i="1" dirty="0">
+                                <a:latin typeface="Cambria Math" panose="02040503050406030204" pitchFamily="18" charset="0"/>
+                                <a:ea typeface="Cambria Math"/>
                               </a:rPr>
                               <m:t>]</m:t>
                             </m:r>
                           </m:sup>
-                        </m:sSup>
+                        </m:sSubSup>
+                        <m:r>
+                          <a:rPr lang="en-US" b="0" i="1" smtClean="0">
+                            <a:latin typeface="Cambria Math"/>
+                          </a:rPr>
+                          <m:t>−</m:t>
+                        </m:r>
+                        <m:sSubSup>
+                          <m:sSubSupPr>
+                            <m:ctrlPr>
+                              <a:rPr lang="en-US" sz="2400" i="1" dirty="0">
+                                <a:latin typeface="Cambria Math" panose="02040503050406030204" pitchFamily="18" charset="0"/>
+                                <a:ea typeface="Cambria Math"/>
+                              </a:rPr>
+                            </m:ctrlPr>
+                          </m:sSubSupPr>
+                          <m:e>
+                            <m:r>
+                              <a:rPr lang="en-US" sz="2400" i="1" dirty="0">
+                                <a:latin typeface="Cambria Math" panose="02040503050406030204" pitchFamily="18" charset="0"/>
+                                <a:ea typeface="Cambria Math"/>
+                              </a:rPr>
+                              <m:t>𝑡</m:t>
+                            </m:r>
+                          </m:e>
+                          <m:sub>
+                            <m:r>
+                              <a:rPr lang="en-US" sz="2400" i="1" dirty="0">
+                                <a:latin typeface="Cambria Math" panose="02040503050406030204" pitchFamily="18" charset="0"/>
+                                <a:ea typeface="Cambria Math"/>
+                              </a:rPr>
+                              <m:t>𝑐</m:t>
+                            </m:r>
+                          </m:sub>
+                          <m:sup>
+                            <m:r>
+                              <a:rPr lang="en-US" sz="2400" i="1" dirty="0">
+                                <a:latin typeface="Cambria Math" panose="02040503050406030204" pitchFamily="18" charset="0"/>
+                                <a:ea typeface="Cambria Math"/>
+                              </a:rPr>
+                              <m:t>[</m:t>
+                            </m:r>
+                            <m:r>
+                              <a:rPr lang="en-US" sz="2400" i="1" dirty="0">
+                                <a:latin typeface="Cambria Math" panose="02040503050406030204" pitchFamily="18" charset="0"/>
+                                <a:ea typeface="Cambria Math"/>
+                              </a:rPr>
+                              <m:t>𝑖</m:t>
+                            </m:r>
+                            <m:r>
+                              <a:rPr lang="en-US" sz="2400" i="1" dirty="0">
+                                <a:latin typeface="Cambria Math" panose="02040503050406030204" pitchFamily="18" charset="0"/>
+                                <a:ea typeface="Cambria Math"/>
+                              </a:rPr>
+                              <m:t>]</m:t>
+                            </m:r>
+                          </m:sup>
+                        </m:sSubSup>
+                        <m:r>
+                          <a:rPr lang="en-US" b="0" i="1" smtClean="0">
+                            <a:latin typeface="Cambria Math"/>
+                          </a:rPr>
+                          <m:t>)</m:t>
+                        </m:r>
+                        <m:sSubSup>
+                          <m:sSubSupPr>
+                            <m:ctrlPr>
+                              <a:rPr lang="en-US" sz="2400" i="1" dirty="0">
+                                <a:latin typeface="Cambria Math" panose="02040503050406030204" pitchFamily="18" charset="0"/>
+                                <a:ea typeface="Cambria Math"/>
+                              </a:rPr>
+                            </m:ctrlPr>
+                          </m:sSubSupPr>
+                          <m:e>
+                            <m:r>
+                              <a:rPr lang="en-US" sz="2400" b="0" i="1" dirty="0" smtClean="0">
+                                <a:latin typeface="Cambria Math" panose="02040503050406030204" pitchFamily="18" charset="0"/>
+                                <a:ea typeface="Cambria Math"/>
+                              </a:rPr>
+                              <m:t>𝑝</m:t>
+                            </m:r>
+                          </m:e>
+                          <m:sub>
+                            <m:r>
+                              <a:rPr lang="en-US" sz="2400" b="0" i="1" dirty="0" smtClean="0">
+                                <a:latin typeface="Cambria Math" panose="02040503050406030204" pitchFamily="18" charset="0"/>
+                                <a:ea typeface="Cambria Math"/>
+                              </a:rPr>
+                              <m:t>𝑘</m:t>
+                            </m:r>
+                          </m:sub>
+                          <m:sup>
+                            <m:r>
+                              <a:rPr lang="en-US" sz="2400" i="1" dirty="0">
+                                <a:latin typeface="Cambria Math" panose="02040503050406030204" pitchFamily="18" charset="0"/>
+                                <a:ea typeface="Cambria Math"/>
+                              </a:rPr>
+                              <m:t>[</m:t>
+                            </m:r>
+                            <m:r>
+                              <a:rPr lang="en-US" sz="2400" i="1" dirty="0">
+                                <a:latin typeface="Cambria Math" panose="02040503050406030204" pitchFamily="18" charset="0"/>
+                                <a:ea typeface="Cambria Math"/>
+                              </a:rPr>
+                              <m:t>𝑖</m:t>
+                            </m:r>
+                            <m:r>
+                              <a:rPr lang="en-US" sz="2400" i="1" dirty="0">
+                                <a:latin typeface="Cambria Math" panose="02040503050406030204" pitchFamily="18" charset="0"/>
+                                <a:ea typeface="Cambria Math"/>
+                              </a:rPr>
+                              <m:t>]</m:t>
+                            </m:r>
+                          </m:sup>
+                        </m:sSubSup>
                       </m:e>
                     </m:nary>
                   </m:oMath>
                 </a14:m>
-                <a:endParaRPr lang="en-US" dirty="0" smtClean="0"/>
+                <a:endParaRPr lang="en-US" dirty="0"/>
               </a:p>
               <a:p>
                 <a:r>
-                  <a:rPr lang="en-US" dirty="0" smtClean="0"/>
+                  <a:rPr lang="en-US" dirty="0"/>
                   <a:t>Moving average</a:t>
                 </a:r>
               </a:p>
@@ -11615,7 +11163,7 @@
                       <m:sSupPr>
                         <m:ctrlPr>
                           <a:rPr lang="en-US" i="1">
-                            <a:latin typeface="Cambria Math"/>
+                            <a:latin typeface="Cambria Math" panose="02040503050406030204" pitchFamily="18" charset="0"/>
                             <a:ea typeface="Cambria Math"/>
                           </a:rPr>
                         </m:ctrlPr>
@@ -11636,7 +11184,7 @@
                             <m:endChr m:val="]"/>
                             <m:ctrlPr>
                               <a:rPr lang="en-US" i="1">
-                                <a:latin typeface="Cambria Math"/>
+                                <a:latin typeface="Cambria Math" panose="02040503050406030204" pitchFamily="18" charset="0"/>
                                 <a:ea typeface="Cambria Math"/>
                               </a:rPr>
                             </m:ctrlPr>
@@ -11657,7 +11205,7 @@
                       <m:dPr>
                         <m:ctrlPr>
                           <a:rPr lang="en-US" i="1">
-                            <a:latin typeface="Cambria Math"/>
+                            <a:latin typeface="Cambria Math" panose="02040503050406030204" pitchFamily="18" charset="0"/>
                             <a:ea typeface="Cambria Math"/>
                           </a:rPr>
                         </m:ctrlPr>
@@ -11690,7 +11238,7 @@
                       <m:sSupPr>
                         <m:ctrlPr>
                           <a:rPr lang="en-US" i="1">
-                            <a:latin typeface="Cambria Math"/>
+                            <a:latin typeface="Cambria Math" panose="02040503050406030204" pitchFamily="18" charset="0"/>
                             <a:ea typeface="Cambria Math"/>
                           </a:rPr>
                         </m:ctrlPr>
@@ -11711,7 +11259,7 @@
                             <m:endChr m:val="]"/>
                             <m:ctrlPr>
                               <a:rPr lang="en-US" i="1">
-                                <a:latin typeface="Cambria Math"/>
+                                <a:latin typeface="Cambria Math" panose="02040503050406030204" pitchFamily="18" charset="0"/>
                                 <a:ea typeface="Cambria Math"/>
                               </a:rPr>
                             </m:ctrlPr>
@@ -11732,7 +11280,7 @@
                       <m:dPr>
                         <m:ctrlPr>
                           <a:rPr lang="en-US" i="1">
-                            <a:latin typeface="Cambria Math"/>
+                            <a:latin typeface="Cambria Math" panose="02040503050406030204" pitchFamily="18" charset="0"/>
                             <a:ea typeface="Cambria Math"/>
                           </a:rPr>
                         </m:ctrlPr>
@@ -11750,14 +11298,7 @@
                             <a:latin typeface="Cambria Math"/>
                             <a:ea typeface="Cambria Math"/>
                           </a:rPr>
-                          <m:t>−</m:t>
-                        </m:r>
-                        <m:r>
-                          <a:rPr lang="en-US" i="1">
-                            <a:latin typeface="Cambria Math"/>
-                            <a:ea typeface="Cambria Math"/>
-                          </a:rPr>
-                          <m:t>1</m:t>
+                          <m:t>−1</m:t>
                         </m:r>
                       </m:e>
                     </m:d>
@@ -11766,21 +11307,7 @@
                         <a:latin typeface="Cambria Math"/>
                         <a:ea typeface="Cambria Math"/>
                       </a:rPr>
-                      <m:t>+(</m:t>
-                    </m:r>
-                    <m:r>
-                      <a:rPr lang="en-US" i="1">
-                        <a:latin typeface="Cambria Math"/>
-                        <a:ea typeface="Cambria Math"/>
-                      </a:rPr>
-                      <m:t>1</m:t>
-                    </m:r>
-                    <m:r>
-                      <a:rPr lang="en-US" i="1">
-                        <a:latin typeface="Cambria Math"/>
-                        <a:ea typeface="Cambria Math"/>
-                      </a:rPr>
-                      <m:t>−</m:t>
+                      <m:t>+(1−</m:t>
                     </m:r>
                     <m:r>
                       <a:rPr lang="en-US" i="1">
@@ -11800,7 +11327,7 @@
                       <m:sSupPr>
                         <m:ctrlPr>
                           <a:rPr lang="en-US" i="1">
-                            <a:latin typeface="Cambria Math"/>
+                            <a:latin typeface="Cambria Math" panose="02040503050406030204" pitchFamily="18" charset="0"/>
                             <a:ea typeface="Cambria Math"/>
                           </a:rPr>
                         </m:ctrlPr>
@@ -11821,7 +11348,7 @@
                             <m:endChr m:val="]"/>
                             <m:ctrlPr>
                               <a:rPr lang="en-US" i="1">
-                                <a:latin typeface="Cambria Math"/>
+                                <a:latin typeface="Cambria Math" panose="02040503050406030204" pitchFamily="18" charset="0"/>
                                 <a:ea typeface="Cambria Math"/>
                               </a:rPr>
                             </m:ctrlPr>
@@ -11877,7 +11404,7 @@
                       <m:dPr>
                         <m:ctrlPr>
                           <a:rPr lang="en-US" b="0" i="1" smtClean="0">
-                            <a:latin typeface="Cambria Math"/>
+                            <a:latin typeface="Cambria Math" panose="02040503050406030204" pitchFamily="18" charset="0"/>
                           </a:rPr>
                         </m:ctrlPr>
                       </m:dPr>
@@ -11894,22 +11421,16 @@
                       <a:rPr lang="en-US" b="0" i="1" smtClean="0">
                         <a:latin typeface="Cambria Math"/>
                       </a:rPr>
-                      <m:t>=</m:t>
-                    </m:r>
-                    <m:r>
-                      <a:rPr lang="en-US" b="0" i="1" smtClean="0">
-                        <a:latin typeface="Cambria Math"/>
-                      </a:rPr>
-                      <m:t>0</m:t>
+                      <m:t>=0</m:t>
                     </m:r>
                   </m:oMath>
                 </a14:m>
                 <a:r>
-                  <a:rPr lang="en-US" dirty="0" smtClean="0"/>
+                  <a:rPr lang="en-US" dirty="0"/>
                   <a:t> </a:t>
                 </a:r>
                 <a:r>
-                  <a:rPr lang="en-US" dirty="0" smtClean="0">
+                  <a:rPr lang="en-US" dirty="0">
                     <a:solidFill>
                       <a:srgbClr val="FF0000"/>
                     </a:solidFill>
@@ -11930,7 +11451,7 @@
                   </m:oMath>
                 </a14:m>
                 <a:r>
-                  <a:rPr lang="en-US" dirty="0" smtClean="0">
+                  <a:rPr lang="en-US" dirty="0">
                     <a:solidFill>
                       <a:srgbClr val="FF0000"/>
                     </a:solidFill>
@@ -11940,11 +11461,11 @@
               </a:p>
               <a:p>
                 <a:r>
-                  <a:rPr lang="en-US" dirty="0" smtClean="0"/>
+                  <a:rPr lang="en-US" dirty="0"/>
                   <a:t>Co-teaching, </a:t>
                 </a:r>
                 <a:r>
-                  <a:rPr lang="en-US" dirty="0" err="1" smtClean="0"/>
+                  <a:rPr lang="en-US" dirty="0" err="1"/>
                   <a:t>MixUp</a:t>
                 </a:r>
                 <a:endParaRPr lang="en-US" dirty="0"/>
@@ -11952,7 +11473,7 @@
             </p:txBody>
           </p:sp>
         </mc:Choice>
-        <mc:Fallback xmlns="">
+        <mc:Fallback>
           <p:sp>
             <p:nvSpPr>
               <p:cNvPr id="2" name="Content Placeholder 1"/>
@@ -11964,10 +11485,10 @@
               </p:nvPr>
             </p:nvSpPr>
             <p:spPr>
-              <a:blipFill rotWithShape="1">
+              <a:blipFill>
                 <a:blip r:embed="rId2"/>
                 <a:stretch>
-                  <a:fillRect b="-2022"/>
+                  <a:fillRect t="-15406" b="-2801"/>
                 </a:stretch>
               </a:blipFill>
             </p:spPr>
@@ -12004,10 +11525,32 @@
           <a:lstStyle/>
           <a:p>
             <a:r>
-              <a:rPr lang="en-US" dirty="0" smtClean="0"/>
+              <a:rPr lang="en-US" dirty="0"/>
               <a:t>Early Learning Regularization (ELR)</a:t>
             </a:r>
-            <a:endParaRPr lang="en-US" dirty="0"/>
+            <a:br>
+              <a:rPr lang="en-US" dirty="0"/>
+            </a:br>
+            <a:r>
+              <a:rPr lang="en-US" sz="2200" dirty="0"/>
+              <a:t>(Liu, Niles-Weed, </a:t>
+            </a:r>
+            <a:r>
+              <a:rPr lang="en-US" sz="2200" dirty="0" err="1"/>
+              <a:t>Razavian</a:t>
+            </a:r>
+            <a:r>
+              <a:rPr lang="en-US" sz="2200" dirty="0"/>
+              <a:t>, &amp; Fernandez-</a:t>
+            </a:r>
+            <a:r>
+              <a:rPr lang="en-US" sz="2200" dirty="0" err="1"/>
+              <a:t>Granda</a:t>
+            </a:r>
+            <a:r>
+              <a:rPr lang="en-US" sz="2200" dirty="0"/>
+              <a:t>, 2020)</a:t>
+            </a:r>
           </a:p>
         </p:txBody>
       </p:sp>
@@ -12021,13 +11564,6 @@
   <p:clrMapOvr>
     <a:masterClrMapping/>
   </p:clrMapOvr>
-  <p:timing>
-    <p:tnLst>
-      <p:par>
-        <p:cTn id="1" dur="indefinite" restart="never" nodeType="tmRoot"/>
-      </p:par>
-    </p:tnLst>
-  </p:timing>
 </p:sld>
 </file>
 
